--- a/4_presentation/presentation_coffee_compass.pptx
+++ b/4_presentation/presentation_coffee_compass.pptx
@@ -9499,7 +9499,7 @@
           <a:p>
             <a:r>
               <a:rPr lang="en-GB" dirty="0"/>
-              <a:t>Getting a good coffee can be challenging</a:t>
+              <a:t>Finding good coffee can be challenging</a:t>
             </a:r>
           </a:p>
         </p:txBody>
@@ -9971,7 +9971,7 @@
             </a:pPr>
             <a:r>
               <a:rPr lang="en-GB" sz="1800" dirty="0"/>
-              <a:t>Price (in EUR)</a:t>
+              <a:t>Price (Euro/100 gram)</a:t>
             </a:r>
           </a:p>
           <a:p>

--- a/4_presentation/presentation_coffee_compass.pptx
+++ b/4_presentation/presentation_coffee_compass.pptx
@@ -126,34 +126,6 @@
     </p:extLst>
   </p:cmAuthor>
 </p:cmAuthorLst>
-</file>
-
-<file path=ppt/comments/comment1.xml><?xml version="1.0" encoding="utf-8"?>
-<p:cmLst xmlns:a="http://schemas.openxmlformats.org/drawingml/2006/main" xmlns:r="http://schemas.openxmlformats.org/officeDocument/2006/relationships" xmlns:p="http://schemas.openxmlformats.org/presentationml/2006/main">
-  <p:cm authorId="1" dt="2023-03-08T13:55:41.750" idx="2">
-    <p:pos x="2349" y="3344"/>
-    <p:text>replace with total number of rows in database once it's final.</p:text>
-    <p:extLst>
-      <p:ext uri="{C676402C-5697-4E1C-873F-D02D1690AC5C}">
-        <p15:threadingInfo xmlns:p15="http://schemas.microsoft.com/office/powerpoint/2012/main" timeZoneBias="-60"/>
-      </p:ext>
-    </p:extLst>
-  </p:cm>
-</p:cmLst>
-</file>
-
-<file path=ppt/comments/comment2.xml><?xml version="1.0" encoding="utf-8"?>
-<p:cmLst xmlns:a="http://schemas.openxmlformats.org/drawingml/2006/main" xmlns:r="http://schemas.openxmlformats.org/officeDocument/2006/relationships" xmlns:p="http://schemas.openxmlformats.org/presentationml/2006/main">
-  <p:cm authorId="1" dt="2023-03-08T14:06:11.107" idx="3">
-    <p:pos x="2370" y="1752"/>
-    <p:text>replace with actual features once clustering is final.</p:text>
-    <p:extLst>
-      <p:ext uri="{C676402C-5697-4E1C-873F-D02D1690AC5C}">
-        <p15:threadingInfo xmlns:p15="http://schemas.microsoft.com/office/powerpoint/2012/main" timeZoneBias="-60"/>
-      </p:ext>
-    </p:extLst>
-  </p:cm>
-</p:cmLst>
 </file>
 
 <file path=ppt/diagrams/colors1.xml><?xml version="1.0" encoding="utf-8"?>
@@ -1125,7 +1097,15 @@
           </a:pPr>
           <a:r>
             <a:rPr lang="en-US" sz="2000" b="0" cap="none" dirty="0"/>
-            <a:t>CoffeeCompass suggests a completely random coffee from the database with # reviews.</a:t>
+            <a:t>CoffeeCompass suggests a completely random coffee from the database with </a:t>
+          </a:r>
+          <a:r>
+            <a:rPr lang="en-GB" sz="2000" b="0" cap="none" dirty="0"/>
+            <a:t>4949</a:t>
+          </a:r>
+          <a:r>
+            <a:rPr lang="en-US" sz="2000" b="0" cap="none" dirty="0"/>
+            <a:t> reviews.</a:t>
           </a:r>
         </a:p>
       </dgm:t>
@@ -1149,9 +1129,10 @@
         <a:lstStyle/>
         <a:p>
           <a:r>
-            <a:rPr lang="en-US" dirty="0"/>
+            <a:rPr lang="en-US"/>
             <a:t>01</a:t>
           </a:r>
+          <a:endParaRPr lang="en-US" dirty="0"/>
         </a:p>
       </dgm:t>
     </dgm:pt>
@@ -1564,7 +1545,15 @@
           </a:pPr>
           <a:r>
             <a:rPr lang="en-US" sz="2000" b="0" kern="1200" cap="none" dirty="0"/>
-            <a:t>CoffeeCompass suggests a completely random coffee from the database with # reviews.</a:t>
+            <a:t>CoffeeCompass suggests a completely random coffee from the database with </a:t>
+          </a:r>
+          <a:r>
+            <a:rPr lang="en-GB" sz="2000" b="0" kern="1200" cap="none" dirty="0"/>
+            <a:t>4949</a:t>
+          </a:r>
+          <a:r>
+            <a:rPr lang="en-US" sz="2000" b="0" kern="1200" cap="none" dirty="0"/>
+            <a:t> reviews.</a:t>
           </a:r>
         </a:p>
       </dsp:txBody>
@@ -1627,9 +1616,10 @@
             <a:buNone/>
           </a:pPr>
           <a:r>
-            <a:rPr lang="en-US" sz="5700" kern="1200" dirty="0"/>
+            <a:rPr lang="en-US" sz="5700" kern="1200"/>
             <a:t>01</a:t>
           </a:r>
+          <a:endParaRPr lang="en-US" sz="5700" kern="1200" dirty="0"/>
         </a:p>
       </dsp:txBody>
       <dsp:txXfrm>
@@ -3520,7 +3510,7 @@
           <a:p>
             <a:fld id="{88D38747-4367-4BD2-8D51-C97E202738E2}" type="datetime1">
               <a:rPr lang="en-US" smtClean="0"/>
-              <a:t>3/8/2023</a:t>
+              <a:t>3/9/2023</a:t>
             </a:fld>
             <a:endParaRPr lang="en-US" dirty="0"/>
           </a:p>
@@ -3825,7 +3815,7 @@
           <a:p>
             <a:fld id="{11F1B079-7EF0-44EE-B798-BCC497C9F3B2}" type="datetime1">
               <a:rPr lang="en-US" smtClean="0"/>
-              <a:t>3/8/2023</a:t>
+              <a:t>3/9/2023</a:t>
             </a:fld>
             <a:endParaRPr lang="en-US" dirty="0"/>
           </a:p>
@@ -4019,7 +4009,7 @@
           <a:p>
             <a:fld id="{28FF70A8-1D13-4657-95F0-A9EA54967B8D}" type="datetime1">
               <a:rPr lang="en-US" smtClean="0"/>
-              <a:t>3/8/2023</a:t>
+              <a:t>3/9/2023</a:t>
             </a:fld>
             <a:endParaRPr lang="en-US" dirty="0"/>
           </a:p>
@@ -4282,7 +4272,7 @@
           <a:p>
             <a:fld id="{21EB90AC-71BD-4C7F-8ACA-7B3F18292E63}" type="datetime1">
               <a:rPr lang="en-US" smtClean="0"/>
-              <a:t>3/8/2023</a:t>
+              <a:t>3/9/2023</a:t>
             </a:fld>
             <a:endParaRPr lang="en-US" dirty="0"/>
           </a:p>
@@ -4718,7 +4708,7 @@
           <a:p>
             <a:fld id="{4E6EFC2C-8905-46F0-B443-CE905B76BA01}" type="datetime1">
               <a:rPr lang="en-US" smtClean="0"/>
-              <a:t>3/8/2023</a:t>
+              <a:t>3/9/2023</a:t>
             </a:fld>
             <a:endParaRPr lang="en-US" dirty="0"/>
           </a:p>
@@ -5255,7 +5245,7 @@
           <a:p>
             <a:fld id="{D9079DC3-C9B5-499E-9140-0DC28B7074E2}" type="datetime1">
               <a:rPr lang="en-US" smtClean="0"/>
-              <a:t>3/8/2023</a:t>
+              <a:t>3/9/2023</a:t>
             </a:fld>
             <a:endParaRPr lang="en-US" dirty="0"/>
           </a:p>
@@ -6137,7 +6127,7 @@
           <a:p>
             <a:fld id="{30BB33EA-E472-4D22-9C03-A9C14AA21CED}" type="datetime1">
               <a:rPr lang="en-US" smtClean="0"/>
-              <a:t>3/8/2023</a:t>
+              <a:t>3/9/2023</a:t>
             </a:fld>
             <a:endParaRPr lang="en-US" dirty="0"/>
           </a:p>
@@ -6307,7 +6297,7 @@
           <a:p>
             <a:fld id="{217E833E-1B6D-415F-AD29-75AE8C43BD0D}" type="datetime1">
               <a:rPr lang="en-US" smtClean="0"/>
-              <a:t>3/8/2023</a:t>
+              <a:t>3/9/2023</a:t>
             </a:fld>
             <a:endParaRPr lang="en-US" dirty="0"/>
           </a:p>
@@ -6491,7 +6481,7 @@
           <a:p>
             <a:fld id="{8452596F-08A7-4B70-989A-F2B1CF31E66B}" type="datetime1">
               <a:rPr lang="en-US" smtClean="0"/>
-              <a:t>3/8/2023</a:t>
+              <a:t>3/9/2023</a:t>
             </a:fld>
             <a:endParaRPr lang="en-US" dirty="0"/>
           </a:p>
@@ -6661,7 +6651,7 @@
           <a:p>
             <a:fld id="{73C55A3C-5767-4844-A0A3-83778C2E5409}" type="datetime1">
               <a:rPr lang="en-US" smtClean="0"/>
-              <a:t>3/8/2023</a:t>
+              <a:t>3/9/2023</a:t>
             </a:fld>
             <a:endParaRPr lang="en-US" dirty="0"/>
           </a:p>
@@ -6905,7 +6895,7 @@
           <a:p>
             <a:fld id="{CAE507A8-A5CF-4D38-AB86-7EDDA87A85D4}" type="datetime1">
               <a:rPr lang="en-US" smtClean="0"/>
-              <a:t>3/8/2023</a:t>
+              <a:t>3/9/2023</a:t>
             </a:fld>
             <a:endParaRPr lang="en-US" dirty="0"/>
           </a:p>
@@ -7147,7 +7137,7 @@
           <a:p>
             <a:fld id="{BDFCD27C-8599-43EF-BA1D-14DDC1946E06}" type="datetime1">
               <a:rPr lang="en-US" smtClean="0"/>
-              <a:t>3/8/2023</a:t>
+              <a:t>3/9/2023</a:t>
             </a:fld>
             <a:endParaRPr lang="en-US" dirty="0"/>
           </a:p>
@@ -7630,7 +7620,7 @@
           <a:p>
             <a:fld id="{49343D99-809A-49C0-96E5-4250D0B498EE}" type="datetime1">
               <a:rPr lang="en-US" smtClean="0"/>
-              <a:t>3/8/2023</a:t>
+              <a:t>3/9/2023</a:t>
             </a:fld>
             <a:endParaRPr lang="en-US" dirty="0"/>
           </a:p>
@@ -7748,7 +7738,7 @@
           <a:p>
             <a:fld id="{A143DE9B-B678-4EFB-BB7D-A4370204A0B0}" type="datetime1">
               <a:rPr lang="en-US" smtClean="0"/>
-              <a:t>3/8/2023</a:t>
+              <a:t>3/9/2023</a:t>
             </a:fld>
             <a:endParaRPr lang="en-US" dirty="0"/>
           </a:p>
@@ -7843,7 +7833,7 @@
           <a:p>
             <a:fld id="{E68812DA-F765-4142-A6A3-A8ED7235E082}" type="datetime1">
               <a:rPr lang="en-US" smtClean="0"/>
-              <a:t>3/8/2023</a:t>
+              <a:t>3/9/2023</a:t>
             </a:fld>
             <a:endParaRPr lang="en-US" dirty="0"/>
           </a:p>
@@ -8098,7 +8088,7 @@
           <a:p>
             <a:fld id="{3E0277FD-7DE6-41D4-930D-AC99F5AFE54E}" type="datetime1">
               <a:rPr lang="en-US" smtClean="0"/>
-              <a:t>3/8/2023</a:t>
+              <a:t>3/9/2023</a:t>
             </a:fld>
             <a:endParaRPr lang="en-US" dirty="0"/>
           </a:p>
@@ -8405,7 +8395,7 @@
           <a:p>
             <a:fld id="{9EA15526-7079-4B7B-987C-1B5FAE11A0FF}" type="datetime1">
               <a:rPr lang="en-US" smtClean="0"/>
-              <a:t>3/8/2023</a:t>
+              <a:t>3/9/2023</a:t>
             </a:fld>
             <a:endParaRPr lang="en-US" dirty="0"/>
           </a:p>
@@ -8640,7 +8630,7 @@
           <a:p>
             <a:fld id="{073ED0CC-082F-4160-86E5-0D6041F12778}" type="datetime1">
               <a:rPr lang="en-US" smtClean="0"/>
-              <a:t>3/8/2023</a:t>
+              <a:t>3/9/2023</a:t>
             </a:fld>
             <a:endParaRPr lang="en-US" dirty="0"/>
           </a:p>
@@ -9677,7 +9667,7 @@
             <p:ph idx="1"/>
             <p:extLst>
               <p:ext uri="{D42A27DB-BD31-4B8C-83A1-F6EECF244321}">
-                <p14:modId xmlns:p14="http://schemas.microsoft.com/office/powerpoint/2010/main" val="1112555721"/>
+                <p14:modId xmlns:p14="http://schemas.microsoft.com/office/powerpoint/2010/main" val="218339905"/>
               </p:ext>
             </p:extLst>
           </p:nvPr>
@@ -9780,13 +9770,29 @@
           <a:p>
             <a:r>
               <a:rPr lang="en-GB" sz="2400" dirty="0"/>
-              <a:t>The coffees were clustered with Machine Learning based on the following features: #</a:t>
-            </a:r>
-          </a:p>
-          <a:p>
+              <a:t>The coffees were clustered with Machine Learning based on the following features: aroma, body, </a:t>
+            </a:r>
+            <a:r>
+              <a:rPr lang="en-GB" sz="2400" dirty="0" err="1"/>
+              <a:t>flavor</a:t>
+            </a:r>
             <a:r>
               <a:rPr lang="en-GB" sz="2400" dirty="0"/>
-              <a:t>Natural Language Processing was used to extract the words most often mentioned in the blind assessments. These were then used to create groups of flavours/characteristics.</a:t>
+              <a:t>, aftertaste and rating</a:t>
+            </a:r>
+          </a:p>
+          <a:p>
+            <a:r>
+              <a:rPr lang="en-GB" sz="2400" dirty="0"/>
+              <a:t>Natural Language Processing was used to extract the words most often mentioned in the blind assessments. These were then used to create </a:t>
+            </a:r>
+            <a:r>
+              <a:rPr lang="en-GB" sz="2400"/>
+              <a:t>groups of characteristics</a:t>
+            </a:r>
+            <a:r>
+              <a:rPr lang="en-GB" sz="2400" dirty="0"/>
+              <a:t>.</a:t>
             </a:r>
           </a:p>
         </p:txBody>
@@ -9970,9 +9976,10 @@
               <a:buAutoNum type="arabicPeriod"/>
             </a:pPr>
             <a:r>
-              <a:rPr lang="en-GB" sz="1800" dirty="0"/>
-              <a:t>Price (Euro/100 gram)</a:t>
-            </a:r>
+              <a:rPr lang="en-GB" sz="1800"/>
+              <a:t>Price</a:t>
+            </a:r>
+            <a:endParaRPr lang="en-GB" sz="1800" dirty="0"/>
           </a:p>
           <a:p>
             <a:pPr marL="871200" lvl="1" indent="-457200">

--- a/4_presentation/presentation_coffee_compass.pptx
+++ b/4_presentation/presentation_coffee_compass.pptx
@@ -4,12 +4,15 @@
   <p:sldMasterIdLst>
     <p:sldMasterId id="2147483705" r:id="rId1"/>
   </p:sldMasterIdLst>
+  <p:notesMasterIdLst>
+    <p:notesMasterId r:id="rId7"/>
+  </p:notesMasterIdLst>
   <p:sldIdLst>
     <p:sldId id="259" r:id="rId2"/>
     <p:sldId id="263" r:id="rId3"/>
     <p:sldId id="258" r:id="rId4"/>
-    <p:sldId id="262" r:id="rId5"/>
-    <p:sldId id="264" r:id="rId6"/>
+    <p:sldId id="264" r:id="rId5"/>
+    <p:sldId id="262" r:id="rId6"/>
   </p:sldIdLst>
   <p:sldSz cx="12192000" cy="6858000"/>
   <p:notesSz cx="6858000" cy="9144000"/>
@@ -1061,6 +1064,140 @@
         </a:p>
       </dgm:t>
     </dgm:pt>
+    <dgm:pt modelId="{9EF41CC5-EF3B-4A6D-8229-3F1333EADFB3}">
+      <dgm:prSet custT="1"/>
+      <dgm:spPr/>
+      <dgm:t>
+        <a:bodyPr/>
+        <a:lstStyle/>
+        <a:p>
+          <a:pPr>
+            <a:defRPr cap="all"/>
+          </a:pPr>
+          <a:r>
+            <a:rPr lang="en-US" sz="2000" b="1" cap="none" dirty="0"/>
+            <a:t>Custom selection: </a:t>
+          </a:r>
+        </a:p>
+        <a:p>
+          <a:pPr>
+            <a:defRPr cap="all"/>
+          </a:pPr>
+          <a:r>
+            <a:rPr lang="en-US" sz="2000" b="0" i="1" cap="none" dirty="0"/>
+            <a:t>You’re a connoisseur.</a:t>
+          </a:r>
+        </a:p>
+        <a:p>
+          <a:pPr>
+            <a:defRPr cap="all"/>
+          </a:pPr>
+          <a:endParaRPr lang="en-US" sz="500" b="0" i="1" cap="none" dirty="0"/>
+        </a:p>
+        <a:p>
+          <a:pPr>
+            <a:defRPr cap="all"/>
+          </a:pPr>
+          <a:r>
+            <a:rPr lang="en-US" sz="2000" b="0" i="0" cap="none" dirty="0"/>
+            <a:t>CoffeeCompass prompts you for some inputs and recommends a coffee based on the provided information.</a:t>
+          </a:r>
+        </a:p>
+      </dgm:t>
+    </dgm:pt>
+    <dgm:pt modelId="{98E6DD7C-B953-4119-9F64-9914E467ECBF}" type="sibTrans" cxnId="{E476EEBC-7C9F-4E07-BD58-1044B9769B64}">
+      <dgm:prSet phldrT="03" phldr="0"/>
+      <dgm:spPr/>
+      <dgm:t>
+        <a:bodyPr/>
+        <a:lstStyle/>
+        <a:p>
+          <a:r>
+            <a:rPr lang="en-US"/>
+            <a:t>03</a:t>
+          </a:r>
+          <a:endParaRPr lang="en-US" dirty="0"/>
+        </a:p>
+      </dgm:t>
+    </dgm:pt>
+    <dgm:pt modelId="{DAEF1C7D-B0C5-46FA-BED3-8A54E918D3E0}" type="parTrans" cxnId="{E476EEBC-7C9F-4E07-BD58-1044B9769B64}">
+      <dgm:prSet/>
+      <dgm:spPr/>
+      <dgm:t>
+        <a:bodyPr/>
+        <a:lstStyle/>
+        <a:p>
+          <a:endParaRPr lang="en-US"/>
+        </a:p>
+      </dgm:t>
+    </dgm:pt>
+    <dgm:pt modelId="{53742231-981F-480A-940F-203EC2F7423F}">
+      <dgm:prSet custT="1"/>
+      <dgm:spPr/>
+      <dgm:t>
+        <a:bodyPr/>
+        <a:lstStyle/>
+        <a:p>
+          <a:pPr>
+            <a:defRPr cap="all"/>
+          </a:pPr>
+          <a:r>
+            <a:rPr lang="en-US" sz="2000" b="1" cap="none" dirty="0"/>
+            <a:t>Top five best or budget: </a:t>
+          </a:r>
+        </a:p>
+        <a:p>
+          <a:pPr>
+            <a:defRPr cap="all"/>
+          </a:pPr>
+          <a:r>
+            <a:rPr lang="en-US" sz="2000" b="0" i="1" cap="none" dirty="0"/>
+            <a:t>You either have or don’t have a lot of money.</a:t>
+          </a:r>
+        </a:p>
+        <a:p>
+          <a:pPr>
+            <a:defRPr cap="all"/>
+          </a:pPr>
+          <a:endParaRPr lang="en-US" sz="500" b="0" i="1" cap="none" dirty="0"/>
+        </a:p>
+        <a:p>
+          <a:pPr>
+            <a:defRPr cap="all"/>
+          </a:pPr>
+          <a:r>
+            <a:rPr lang="en-US" sz="2000" b="0" i="0" cap="none" dirty="0"/>
+            <a:t>CoffeeCompass provides a top five coffees based on the highest rating or lowest price.</a:t>
+          </a:r>
+        </a:p>
+      </dgm:t>
+    </dgm:pt>
+    <dgm:pt modelId="{EF449C32-A7AE-4099-9E9B-9E2F736A89CE}" type="sibTrans" cxnId="{F226B1C2-5D99-403A-8240-EAD6BD4D8534}">
+      <dgm:prSet phldrT="02" phldr="0"/>
+      <dgm:spPr/>
+      <dgm:t>
+        <a:bodyPr/>
+        <a:lstStyle/>
+        <a:p>
+          <a:r>
+            <a:rPr lang="en-US"/>
+            <a:t>02</a:t>
+          </a:r>
+          <a:endParaRPr lang="en-US" dirty="0"/>
+        </a:p>
+      </dgm:t>
+    </dgm:pt>
+    <dgm:pt modelId="{2FC75195-FBA1-43DE-85DD-40B4B3A2F1F3}" type="parTrans" cxnId="{F226B1C2-5D99-403A-8240-EAD6BD4D8534}">
+      <dgm:prSet/>
+      <dgm:spPr/>
+      <dgm:t>
+        <a:bodyPr/>
+        <a:lstStyle/>
+        <a:p>
+          <a:endParaRPr lang="en-US"/>
+        </a:p>
+      </dgm:t>
+    </dgm:pt>
     <dgm:pt modelId="{DC13AB6D-DEA2-4CBB-AC69-1EF1A6AD1512}">
       <dgm:prSet custT="1"/>
       <dgm:spPr/>
@@ -1110,17 +1247,6 @@
         </a:p>
       </dgm:t>
     </dgm:pt>
-    <dgm:pt modelId="{2C752582-D9FF-4E04-A92F-827DB4BB5C48}" type="parTrans" cxnId="{4B888393-351D-4489-90C9-5A68061AB236}">
-      <dgm:prSet/>
-      <dgm:spPr/>
-      <dgm:t>
-        <a:bodyPr/>
-        <a:lstStyle/>
-        <a:p>
-          <a:endParaRPr lang="en-US"/>
-        </a:p>
-      </dgm:t>
-    </dgm:pt>
     <dgm:pt modelId="{9C64CC83-643C-4E12-8F97-BC19DC031190}" type="sibTrans" cxnId="{4B888393-351D-4489-90C9-5A68061AB236}">
       <dgm:prSet phldrT="01" phldr="0"/>
       <dgm:spPr/>
@@ -1136,48 +1262,7 @@
         </a:p>
       </dgm:t>
     </dgm:pt>
-    <dgm:pt modelId="{53742231-981F-480A-940F-203EC2F7423F}">
-      <dgm:prSet custT="1"/>
-      <dgm:spPr/>
-      <dgm:t>
-        <a:bodyPr/>
-        <a:lstStyle/>
-        <a:p>
-          <a:pPr>
-            <a:defRPr cap="all"/>
-          </a:pPr>
-          <a:r>
-            <a:rPr lang="en-US" sz="2000" b="1" cap="none" dirty="0"/>
-            <a:t>Top five best or budget: </a:t>
-          </a:r>
-        </a:p>
-        <a:p>
-          <a:pPr>
-            <a:defRPr cap="all"/>
-          </a:pPr>
-          <a:r>
-            <a:rPr lang="en-US" sz="2000" b="0" i="1" cap="none" dirty="0"/>
-            <a:t>You either have or don’t have a lot of money.</a:t>
-          </a:r>
-        </a:p>
-        <a:p>
-          <a:pPr>
-            <a:defRPr cap="all"/>
-          </a:pPr>
-          <a:endParaRPr lang="en-US" sz="500" b="0" i="1" cap="none" dirty="0"/>
-        </a:p>
-        <a:p>
-          <a:pPr>
-            <a:defRPr cap="all"/>
-          </a:pPr>
-          <a:r>
-            <a:rPr lang="en-US" sz="2000" b="0" i="0" cap="none" dirty="0"/>
-            <a:t>CoffeeCompass provides a top five coffees based on the highest rating or lowest price.</a:t>
-          </a:r>
-        </a:p>
-      </dgm:t>
-    </dgm:pt>
-    <dgm:pt modelId="{2FC75195-FBA1-43DE-85DD-40B4B3A2F1F3}" type="parTrans" cxnId="{F226B1C2-5D99-403A-8240-EAD6BD4D8534}">
+    <dgm:pt modelId="{2C752582-D9FF-4E04-A92F-827DB4BB5C48}" type="parTrans" cxnId="{4B888393-351D-4489-90C9-5A68061AB236}">
       <dgm:prSet/>
       <dgm:spPr/>
       <dgm:t>
@@ -1185,88 +1270,6 @@
         <a:lstStyle/>
         <a:p>
           <a:endParaRPr lang="en-US"/>
-        </a:p>
-      </dgm:t>
-    </dgm:pt>
-    <dgm:pt modelId="{EF449C32-A7AE-4099-9E9B-9E2F736A89CE}" type="sibTrans" cxnId="{F226B1C2-5D99-403A-8240-EAD6BD4D8534}">
-      <dgm:prSet phldrT="02" phldr="0"/>
-      <dgm:spPr/>
-      <dgm:t>
-        <a:bodyPr/>
-        <a:lstStyle/>
-        <a:p>
-          <a:r>
-            <a:rPr lang="en-US"/>
-            <a:t>02</a:t>
-          </a:r>
-          <a:endParaRPr lang="en-US" dirty="0"/>
-        </a:p>
-      </dgm:t>
-    </dgm:pt>
-    <dgm:pt modelId="{9EF41CC5-EF3B-4A6D-8229-3F1333EADFB3}">
-      <dgm:prSet custT="1"/>
-      <dgm:spPr/>
-      <dgm:t>
-        <a:bodyPr/>
-        <a:lstStyle/>
-        <a:p>
-          <a:pPr>
-            <a:defRPr cap="all"/>
-          </a:pPr>
-          <a:r>
-            <a:rPr lang="en-US" sz="2000" b="1" cap="none" dirty="0"/>
-            <a:t>Custom selection: </a:t>
-          </a:r>
-        </a:p>
-        <a:p>
-          <a:pPr>
-            <a:defRPr cap="all"/>
-          </a:pPr>
-          <a:r>
-            <a:rPr lang="en-US" sz="2000" b="0" i="1" cap="none" dirty="0"/>
-            <a:t>You’re a connoisseur.</a:t>
-          </a:r>
-        </a:p>
-        <a:p>
-          <a:pPr>
-            <a:defRPr cap="all"/>
-          </a:pPr>
-          <a:endParaRPr lang="en-US" sz="500" b="0" i="1" cap="none" dirty="0"/>
-        </a:p>
-        <a:p>
-          <a:pPr>
-            <a:defRPr cap="all"/>
-          </a:pPr>
-          <a:r>
-            <a:rPr lang="en-US" sz="2000" b="0" i="0" cap="none" dirty="0"/>
-            <a:t>CoffeeCompass prompts you for some inputs and recommends a coffee based on the provided information.</a:t>
-          </a:r>
-        </a:p>
-      </dgm:t>
-    </dgm:pt>
-    <dgm:pt modelId="{DAEF1C7D-B0C5-46FA-BED3-8A54E918D3E0}" type="parTrans" cxnId="{E476EEBC-7C9F-4E07-BD58-1044B9769B64}">
-      <dgm:prSet/>
-      <dgm:spPr/>
-      <dgm:t>
-        <a:bodyPr/>
-        <a:lstStyle/>
-        <a:p>
-          <a:endParaRPr lang="en-US"/>
-        </a:p>
-      </dgm:t>
-    </dgm:pt>
-    <dgm:pt modelId="{98E6DD7C-B953-4119-9F64-9914E467ECBF}" type="sibTrans" cxnId="{E476EEBC-7C9F-4E07-BD58-1044B9769B64}">
-      <dgm:prSet phldrT="03" phldr="0"/>
-      <dgm:spPr/>
-      <dgm:t>
-        <a:bodyPr/>
-        <a:lstStyle/>
-        <a:p>
-          <a:r>
-            <a:rPr lang="en-US"/>
-            <a:t>03</a:t>
-          </a:r>
-          <a:endParaRPr lang="en-US" dirty="0"/>
         </a:p>
       </dgm:t>
     </dgm:pt>
@@ -1377,8 +1380,8 @@
   </dgm:ptLst>
   <dgm:cxnLst>
     <dgm:cxn modelId="{43B61840-F115-4174-96B9-DA0C0E83489E}" type="presOf" srcId="{9EF41CC5-EF3B-4A6D-8229-3F1333EADFB3}" destId="{CAD62F17-E99D-4FEF-B376-961CA4CB20EB}" srcOrd="0" destOrd="0" presId="urn:microsoft.com/office/officeart/2016/7/layout/LinearBlockProcessNumbered"/>
+    <dgm:cxn modelId="{29280853-1A86-48A7-BA30-A3847B3BBF6D}" type="presOf" srcId="{98E6DD7C-B953-4119-9F64-9914E467ECBF}" destId="{E20811D6-E5D4-4C9E-AABF-9E0E1902CA2C}" srcOrd="0" destOrd="0" presId="urn:microsoft.com/office/officeart/2016/7/layout/LinearBlockProcessNumbered"/>
     <dgm:cxn modelId="{0439566F-A180-439C-8FAE-14E400EF2DCF}" type="presOf" srcId="{8AA20905-3954-474B-A606-562BCA026DC1}" destId="{579698BD-D232-4926-8D7B-29A69B90858B}" srcOrd="0" destOrd="0" presId="urn:microsoft.com/office/officeart/2016/7/layout/LinearBlockProcessNumbered"/>
-    <dgm:cxn modelId="{29280853-1A86-48A7-BA30-A3847B3BBF6D}" type="presOf" srcId="{98E6DD7C-B953-4119-9F64-9914E467ECBF}" destId="{E20811D6-E5D4-4C9E-AABF-9E0E1902CA2C}" srcOrd="0" destOrd="0" presId="urn:microsoft.com/office/officeart/2016/7/layout/LinearBlockProcessNumbered"/>
     <dgm:cxn modelId="{F6B1598F-1951-460F-BB68-54B32A798437}" type="presOf" srcId="{DC13AB6D-DEA2-4CBB-AC69-1EF1A6AD1512}" destId="{5F398AEE-BC0F-4F30-99FA-92D67A176C2D}" srcOrd="1" destOrd="0" presId="urn:microsoft.com/office/officeart/2016/7/layout/LinearBlockProcessNumbered"/>
     <dgm:cxn modelId="{4B888393-351D-4489-90C9-5A68061AB236}" srcId="{8AA20905-3954-474B-A606-562BCA026DC1}" destId="{DC13AB6D-DEA2-4CBB-AC69-1EF1A6AD1512}" srcOrd="0" destOrd="0" parTransId="{2C752582-D9FF-4E04-A92F-827DB4BB5C48}" sibTransId="{9C64CC83-643C-4E12-8F97-BC19DC031190}"/>
     <dgm:cxn modelId="{BA068B95-2DA2-453B-8162-90B6AB26C20F}" type="presOf" srcId="{DC13AB6D-DEA2-4CBB-AC69-1EF1A6AD1512}" destId="{DA3A6BD4-857F-4C66-97FA-B1E1C180A950}" srcOrd="0" destOrd="0" presId="urn:microsoft.com/office/officeart/2016/7/layout/LinearBlockProcessNumbered"/>
@@ -1408,7 +1411,7 @@
   <dgm:whole/>
   <dgm:extLst>
     <a:ext uri="http://schemas.microsoft.com/office/drawing/2008/diagram">
-      <dsp:dataModelExt xmlns:dsp="http://schemas.microsoft.com/office/drawing/2008/diagram" relId="rId7" minVer="http://schemas.openxmlformats.org/drawingml/2006/diagram"/>
+      <dsp:dataModelExt xmlns:dsp="http://schemas.microsoft.com/office/drawing/2008/diagram" relId="rId8" minVer="http://schemas.openxmlformats.org/drawingml/2006/diagram"/>
     </a:ext>
   </dgm:extLst>
 </dgm:dataModel>
@@ -3325,6 +3328,606 @@
 </dgm:styleDef>
 </file>
 
+<file path=ppt/notesMasters/notesMaster1.xml><?xml version="1.0" encoding="utf-8"?>
+<p:notesMaster xmlns:a="http://schemas.openxmlformats.org/drawingml/2006/main" xmlns:r="http://schemas.openxmlformats.org/officeDocument/2006/relationships" xmlns:p="http://schemas.openxmlformats.org/presentationml/2006/main">
+  <p:cSld>
+    <p:bg>
+      <p:bgRef idx="1001">
+        <a:schemeClr val="bg1"/>
+      </p:bgRef>
+    </p:bg>
+    <p:spTree>
+      <p:nvGrpSpPr>
+        <p:cNvPr id="1" name=""/>
+        <p:cNvGrpSpPr/>
+        <p:nvPr/>
+      </p:nvGrpSpPr>
+      <p:grpSpPr>
+        <a:xfrm>
+          <a:off x="0" y="0"/>
+          <a:ext cx="0" cy="0"/>
+          <a:chOff x="0" y="0"/>
+          <a:chExt cx="0" cy="0"/>
+        </a:xfrm>
+      </p:grpSpPr>
+      <p:sp>
+        <p:nvSpPr>
+          <p:cNvPr id="2" name="Espace réservé de l'en-tête 1"/>
+          <p:cNvSpPr>
+            <a:spLocks noGrp="1"/>
+          </p:cNvSpPr>
+          <p:nvPr>
+            <p:ph type="hdr" sz="quarter"/>
+          </p:nvPr>
+        </p:nvSpPr>
+        <p:spPr>
+          <a:xfrm>
+            <a:off x="0" y="0"/>
+            <a:ext cx="2971800" cy="458788"/>
+          </a:xfrm>
+          <a:prstGeom prst="rect">
+            <a:avLst/>
+          </a:prstGeom>
+        </p:spPr>
+        <p:txBody>
+          <a:bodyPr vert="horz" lIns="91440" tIns="45720" rIns="91440" bIns="45720" rtlCol="0"/>
+          <a:lstStyle>
+            <a:lvl1pPr algn="l">
+              <a:defRPr sz="1200"/>
+            </a:lvl1pPr>
+          </a:lstStyle>
+          <a:p>
+            <a:endParaRPr lang="fr-FR"/>
+          </a:p>
+        </p:txBody>
+      </p:sp>
+      <p:sp>
+        <p:nvSpPr>
+          <p:cNvPr id="3" name="Espace réservé de la date 2"/>
+          <p:cNvSpPr>
+            <a:spLocks noGrp="1"/>
+          </p:cNvSpPr>
+          <p:nvPr>
+            <p:ph type="dt" idx="1"/>
+          </p:nvPr>
+        </p:nvSpPr>
+        <p:spPr>
+          <a:xfrm>
+            <a:off x="3884613" y="0"/>
+            <a:ext cx="2971800" cy="458788"/>
+          </a:xfrm>
+          <a:prstGeom prst="rect">
+            <a:avLst/>
+          </a:prstGeom>
+        </p:spPr>
+        <p:txBody>
+          <a:bodyPr vert="horz" lIns="91440" tIns="45720" rIns="91440" bIns="45720" rtlCol="0"/>
+          <a:lstStyle>
+            <a:lvl1pPr algn="r">
+              <a:defRPr sz="1200"/>
+            </a:lvl1pPr>
+          </a:lstStyle>
+          <a:p>
+            <a:fld id="{27929AC1-2362-944F-8BBB-F88C54C2A763}" type="datetimeFigureOut">
+              <a:rPr lang="fr-FR" smtClean="0"/>
+              <a:t>09/03/2023</a:t>
+            </a:fld>
+            <a:endParaRPr lang="fr-FR"/>
+          </a:p>
+        </p:txBody>
+      </p:sp>
+      <p:sp>
+        <p:nvSpPr>
+          <p:cNvPr id="4" name="Espace réservé de l'image des diapositives 3"/>
+          <p:cNvSpPr>
+            <a:spLocks noGrp="1" noRot="1" noChangeAspect="1"/>
+          </p:cNvSpPr>
+          <p:nvPr>
+            <p:ph type="sldImg" idx="2"/>
+          </p:nvPr>
+        </p:nvSpPr>
+        <p:spPr>
+          <a:xfrm>
+            <a:off x="685800" y="1143000"/>
+            <a:ext cx="5486400" cy="3086100"/>
+          </a:xfrm>
+          <a:prstGeom prst="rect">
+            <a:avLst/>
+          </a:prstGeom>
+          <a:noFill/>
+          <a:ln w="12700">
+            <a:solidFill>
+              <a:prstClr val="black"/>
+            </a:solidFill>
+          </a:ln>
+        </p:spPr>
+        <p:txBody>
+          <a:bodyPr vert="horz" lIns="91440" tIns="45720" rIns="91440" bIns="45720" rtlCol="0" anchor="ctr"/>
+          <a:lstStyle/>
+          <a:p>
+            <a:endParaRPr lang="fr-FR"/>
+          </a:p>
+        </p:txBody>
+      </p:sp>
+      <p:sp>
+        <p:nvSpPr>
+          <p:cNvPr id="5" name="Espace réservé des notes 4"/>
+          <p:cNvSpPr>
+            <a:spLocks noGrp="1"/>
+          </p:cNvSpPr>
+          <p:nvPr>
+            <p:ph type="body" sz="quarter" idx="3"/>
+          </p:nvPr>
+        </p:nvSpPr>
+        <p:spPr>
+          <a:xfrm>
+            <a:off x="685800" y="4400550"/>
+            <a:ext cx="5486400" cy="3600450"/>
+          </a:xfrm>
+          <a:prstGeom prst="rect">
+            <a:avLst/>
+          </a:prstGeom>
+        </p:spPr>
+        <p:txBody>
+          <a:bodyPr vert="horz" lIns="91440" tIns="45720" rIns="91440" bIns="45720" rtlCol="0"/>
+          <a:lstStyle/>
+          <a:p>
+            <a:pPr lvl="0"/>
+            <a:r>
+              <a:rPr lang="fr-FR"/>
+              <a:t>Cliquez pour modifier les styles du texte du masque</a:t>
+            </a:r>
+          </a:p>
+          <a:p>
+            <a:pPr lvl="1"/>
+            <a:r>
+              <a:rPr lang="fr-FR"/>
+              <a:t>Deuxième niveau</a:t>
+            </a:r>
+          </a:p>
+          <a:p>
+            <a:pPr lvl="2"/>
+            <a:r>
+              <a:rPr lang="fr-FR"/>
+              <a:t>Troisième niveau</a:t>
+            </a:r>
+          </a:p>
+          <a:p>
+            <a:pPr lvl="3"/>
+            <a:r>
+              <a:rPr lang="fr-FR"/>
+              <a:t>Quatrième niveau</a:t>
+            </a:r>
+          </a:p>
+          <a:p>
+            <a:pPr lvl="4"/>
+            <a:r>
+              <a:rPr lang="fr-FR"/>
+              <a:t>Cinquième niveau</a:t>
+            </a:r>
+          </a:p>
+        </p:txBody>
+      </p:sp>
+      <p:sp>
+        <p:nvSpPr>
+          <p:cNvPr id="6" name="Espace réservé du pied de page 5"/>
+          <p:cNvSpPr>
+            <a:spLocks noGrp="1"/>
+          </p:cNvSpPr>
+          <p:nvPr>
+            <p:ph type="ftr" sz="quarter" idx="4"/>
+          </p:nvPr>
+        </p:nvSpPr>
+        <p:spPr>
+          <a:xfrm>
+            <a:off x="0" y="8685213"/>
+            <a:ext cx="2971800" cy="458787"/>
+          </a:xfrm>
+          <a:prstGeom prst="rect">
+            <a:avLst/>
+          </a:prstGeom>
+        </p:spPr>
+        <p:txBody>
+          <a:bodyPr vert="horz" lIns="91440" tIns="45720" rIns="91440" bIns="45720" rtlCol="0" anchor="b"/>
+          <a:lstStyle>
+            <a:lvl1pPr algn="l">
+              <a:defRPr sz="1200"/>
+            </a:lvl1pPr>
+          </a:lstStyle>
+          <a:p>
+            <a:endParaRPr lang="fr-FR"/>
+          </a:p>
+        </p:txBody>
+      </p:sp>
+      <p:sp>
+        <p:nvSpPr>
+          <p:cNvPr id="7" name="Espace réservé du numéro de diapositive 6"/>
+          <p:cNvSpPr>
+            <a:spLocks noGrp="1"/>
+          </p:cNvSpPr>
+          <p:nvPr>
+            <p:ph type="sldNum" sz="quarter" idx="5"/>
+          </p:nvPr>
+        </p:nvSpPr>
+        <p:spPr>
+          <a:xfrm>
+            <a:off x="3884613" y="8685213"/>
+            <a:ext cx="2971800" cy="458787"/>
+          </a:xfrm>
+          <a:prstGeom prst="rect">
+            <a:avLst/>
+          </a:prstGeom>
+        </p:spPr>
+        <p:txBody>
+          <a:bodyPr vert="horz" lIns="91440" tIns="45720" rIns="91440" bIns="45720" rtlCol="0" anchor="b"/>
+          <a:lstStyle>
+            <a:lvl1pPr algn="r">
+              <a:defRPr sz="1200"/>
+            </a:lvl1pPr>
+          </a:lstStyle>
+          <a:p>
+            <a:fld id="{C5B54E7E-092B-AC45-9C6C-454D3C4625D7}" type="slidenum">
+              <a:rPr lang="fr-FR" smtClean="0"/>
+              <a:t>‹N°›</a:t>
+            </a:fld>
+            <a:endParaRPr lang="fr-FR"/>
+          </a:p>
+        </p:txBody>
+      </p:sp>
+    </p:spTree>
+    <p:extLst>
+      <p:ext uri="{BB962C8B-B14F-4D97-AF65-F5344CB8AC3E}">
+        <p14:creationId xmlns:p14="http://schemas.microsoft.com/office/powerpoint/2010/main" val="1071554146"/>
+      </p:ext>
+    </p:extLst>
+  </p:cSld>
+  <p:clrMap bg1="lt1" tx1="dk1" bg2="lt2" tx2="dk2" accent1="accent1" accent2="accent2" accent3="accent3" accent4="accent4" accent5="accent5" accent6="accent6" hlink="hlink" folHlink="folHlink"/>
+  <p:notesStyle>
+    <a:lvl1pPr marL="0" algn="l" defTabSz="914400" rtl="0" eaLnBrk="1" latinLnBrk="0" hangingPunct="1">
+      <a:defRPr sz="1200" kern="1200">
+        <a:solidFill>
+          <a:schemeClr val="tx1"/>
+        </a:solidFill>
+        <a:latin typeface="+mn-lt"/>
+        <a:ea typeface="+mn-ea"/>
+        <a:cs typeface="+mn-cs"/>
+      </a:defRPr>
+    </a:lvl1pPr>
+    <a:lvl2pPr marL="457200" algn="l" defTabSz="914400" rtl="0" eaLnBrk="1" latinLnBrk="0" hangingPunct="1">
+      <a:defRPr sz="1200" kern="1200">
+        <a:solidFill>
+          <a:schemeClr val="tx1"/>
+        </a:solidFill>
+        <a:latin typeface="+mn-lt"/>
+        <a:ea typeface="+mn-ea"/>
+        <a:cs typeface="+mn-cs"/>
+      </a:defRPr>
+    </a:lvl2pPr>
+    <a:lvl3pPr marL="914400" algn="l" defTabSz="914400" rtl="0" eaLnBrk="1" latinLnBrk="0" hangingPunct="1">
+      <a:defRPr sz="1200" kern="1200">
+        <a:solidFill>
+          <a:schemeClr val="tx1"/>
+        </a:solidFill>
+        <a:latin typeface="+mn-lt"/>
+        <a:ea typeface="+mn-ea"/>
+        <a:cs typeface="+mn-cs"/>
+      </a:defRPr>
+    </a:lvl3pPr>
+    <a:lvl4pPr marL="1371600" algn="l" defTabSz="914400" rtl="0" eaLnBrk="1" latinLnBrk="0" hangingPunct="1">
+      <a:defRPr sz="1200" kern="1200">
+        <a:solidFill>
+          <a:schemeClr val="tx1"/>
+        </a:solidFill>
+        <a:latin typeface="+mn-lt"/>
+        <a:ea typeface="+mn-ea"/>
+        <a:cs typeface="+mn-cs"/>
+      </a:defRPr>
+    </a:lvl4pPr>
+    <a:lvl5pPr marL="1828800" algn="l" defTabSz="914400" rtl="0" eaLnBrk="1" latinLnBrk="0" hangingPunct="1">
+      <a:defRPr sz="1200" kern="1200">
+        <a:solidFill>
+          <a:schemeClr val="tx1"/>
+        </a:solidFill>
+        <a:latin typeface="+mn-lt"/>
+        <a:ea typeface="+mn-ea"/>
+        <a:cs typeface="+mn-cs"/>
+      </a:defRPr>
+    </a:lvl5pPr>
+    <a:lvl6pPr marL="2286000" algn="l" defTabSz="914400" rtl="0" eaLnBrk="1" latinLnBrk="0" hangingPunct="1">
+      <a:defRPr sz="1200" kern="1200">
+        <a:solidFill>
+          <a:schemeClr val="tx1"/>
+        </a:solidFill>
+        <a:latin typeface="+mn-lt"/>
+        <a:ea typeface="+mn-ea"/>
+        <a:cs typeface="+mn-cs"/>
+      </a:defRPr>
+    </a:lvl6pPr>
+    <a:lvl7pPr marL="2743200" algn="l" defTabSz="914400" rtl="0" eaLnBrk="1" latinLnBrk="0" hangingPunct="1">
+      <a:defRPr sz="1200" kern="1200">
+        <a:solidFill>
+          <a:schemeClr val="tx1"/>
+        </a:solidFill>
+        <a:latin typeface="+mn-lt"/>
+        <a:ea typeface="+mn-ea"/>
+        <a:cs typeface="+mn-cs"/>
+      </a:defRPr>
+    </a:lvl7pPr>
+    <a:lvl8pPr marL="3200400" algn="l" defTabSz="914400" rtl="0" eaLnBrk="1" latinLnBrk="0" hangingPunct="1">
+      <a:defRPr sz="1200" kern="1200">
+        <a:solidFill>
+          <a:schemeClr val="tx1"/>
+        </a:solidFill>
+        <a:latin typeface="+mn-lt"/>
+        <a:ea typeface="+mn-ea"/>
+        <a:cs typeface="+mn-cs"/>
+      </a:defRPr>
+    </a:lvl8pPr>
+    <a:lvl9pPr marL="3657600" algn="l" defTabSz="914400" rtl="0" eaLnBrk="1" latinLnBrk="0" hangingPunct="1">
+      <a:defRPr sz="1200" kern="1200">
+        <a:solidFill>
+          <a:schemeClr val="tx1"/>
+        </a:solidFill>
+        <a:latin typeface="+mn-lt"/>
+        <a:ea typeface="+mn-ea"/>
+        <a:cs typeface="+mn-cs"/>
+      </a:defRPr>
+    </a:lvl9pPr>
+  </p:notesStyle>
+</p:notesMaster>
+</file>
+
+<file path=ppt/notesSlides/notesSlide1.xml><?xml version="1.0" encoding="utf-8"?>
+<p:notes xmlns:a="http://schemas.openxmlformats.org/drawingml/2006/main" xmlns:r="http://schemas.openxmlformats.org/officeDocument/2006/relationships" xmlns:p="http://schemas.openxmlformats.org/presentationml/2006/main">
+  <p:cSld>
+    <p:spTree>
+      <p:nvGrpSpPr>
+        <p:cNvPr id="1" name=""/>
+        <p:cNvGrpSpPr/>
+        <p:nvPr/>
+      </p:nvGrpSpPr>
+      <p:grpSpPr>
+        <a:xfrm>
+          <a:off x="0" y="0"/>
+          <a:ext cx="0" cy="0"/>
+          <a:chOff x="0" y="0"/>
+          <a:chExt cx="0" cy="0"/>
+        </a:xfrm>
+      </p:grpSpPr>
+      <p:sp>
+        <p:nvSpPr>
+          <p:cNvPr id="2" name="Espace réservé de l'image des diapositives 1"/>
+          <p:cNvSpPr>
+            <a:spLocks noGrp="1" noRot="1" noChangeAspect="1"/>
+          </p:cNvSpPr>
+          <p:nvPr>
+            <p:ph type="sldImg"/>
+          </p:nvPr>
+        </p:nvSpPr>
+        <p:spPr/>
+      </p:sp>
+      <p:sp>
+        <p:nvSpPr>
+          <p:cNvPr id="3" name="Espace réservé des notes 2"/>
+          <p:cNvSpPr>
+            <a:spLocks noGrp="1"/>
+          </p:cNvSpPr>
+          <p:nvPr>
+            <p:ph type="body" idx="1"/>
+          </p:nvPr>
+        </p:nvSpPr>
+        <p:spPr/>
+        <p:txBody>
+          <a:bodyPr/>
+          <a:lstStyle/>
+          <a:p>
+            <a:pPr marL="0" marR="0" lvl="0" indent="0" algn="l" defTabSz="914400" rtl="0" eaLnBrk="1" fontAlgn="auto" latinLnBrk="0" hangingPunct="1">
+              <a:lnSpc>
+                <a:spcPct val="100000"/>
+              </a:lnSpc>
+              <a:spcBef>
+                <a:spcPts val="0"/>
+              </a:spcBef>
+              <a:spcAft>
+                <a:spcPts val="0"/>
+              </a:spcAft>
+              <a:buClrTx/>
+              <a:buSzTx/>
+              <a:buFontTx/>
+              <a:buNone/>
+              <a:tabLst/>
+              <a:defRPr/>
+            </a:pPr>
+            <a:r>
+              <a:rPr lang="fr-FR" dirty="0" err="1"/>
+              <a:t>Centralized</a:t>
+            </a:r>
+            <a:endParaRPr lang="fr-FR" dirty="0"/>
+          </a:p>
+          <a:p>
+            <a:endParaRPr lang="fr-FR" dirty="0"/>
+          </a:p>
+          <a:p>
+            <a:r>
+              <a:rPr lang="fr-FR" dirty="0"/>
+              <a:t>All </a:t>
+            </a:r>
+            <a:r>
+              <a:rPr lang="fr-FR" dirty="0" err="1"/>
+              <a:t>what</a:t>
+            </a:r>
+            <a:r>
+              <a:rPr lang="fr-FR" dirty="0"/>
+              <a:t> </a:t>
+            </a:r>
+            <a:r>
+              <a:rPr lang="fr-FR" dirty="0" err="1"/>
+              <a:t>you</a:t>
+            </a:r>
+            <a:r>
+              <a:rPr lang="fr-FR" dirty="0"/>
+              <a:t> </a:t>
+            </a:r>
+            <a:r>
+              <a:rPr lang="fr-FR" dirty="0" err="1"/>
+              <a:t>need</a:t>
+            </a:r>
+            <a:r>
+              <a:rPr lang="fr-FR" dirty="0"/>
+              <a:t> to </a:t>
+            </a:r>
+            <a:r>
+              <a:rPr lang="fr-FR" dirty="0" err="1"/>
+              <a:t>choose</a:t>
+            </a:r>
+            <a:r>
+              <a:rPr lang="fr-FR" dirty="0"/>
+              <a:t> the best coffee</a:t>
+            </a:r>
+          </a:p>
+          <a:p>
+            <a:r>
+              <a:rPr lang="fr-FR" dirty="0" err="1"/>
+              <a:t>Powered</a:t>
+            </a:r>
+            <a:r>
+              <a:rPr lang="fr-FR" dirty="0"/>
+              <a:t> by machine </a:t>
+            </a:r>
+            <a:r>
+              <a:rPr lang="fr-FR" dirty="0" err="1"/>
+              <a:t>learning</a:t>
+            </a:r>
+            <a:r>
+              <a:rPr lang="fr-FR"/>
+              <a:t> </a:t>
+            </a:r>
+          </a:p>
+          <a:p>
+            <a:endParaRPr lang="fr-FR" dirty="0"/>
+          </a:p>
+        </p:txBody>
+      </p:sp>
+      <p:sp>
+        <p:nvSpPr>
+          <p:cNvPr id="4" name="Espace réservé du numéro de diapositive 3"/>
+          <p:cNvSpPr>
+            <a:spLocks noGrp="1"/>
+          </p:cNvSpPr>
+          <p:nvPr>
+            <p:ph type="sldNum" sz="quarter" idx="5"/>
+          </p:nvPr>
+        </p:nvSpPr>
+        <p:spPr/>
+        <p:txBody>
+          <a:bodyPr/>
+          <a:lstStyle/>
+          <a:p>
+            <a:fld id="{C5B54E7E-092B-AC45-9C6C-454D3C4625D7}" type="slidenum">
+              <a:rPr lang="fr-FR" smtClean="0"/>
+              <a:t>3</a:t>
+            </a:fld>
+            <a:endParaRPr lang="fr-FR"/>
+          </a:p>
+        </p:txBody>
+      </p:sp>
+    </p:spTree>
+    <p:extLst>
+      <p:ext uri="{BB962C8B-B14F-4D97-AF65-F5344CB8AC3E}">
+        <p14:creationId xmlns:p14="http://schemas.microsoft.com/office/powerpoint/2010/main" val="770829867"/>
+      </p:ext>
+    </p:extLst>
+  </p:cSld>
+  <p:clrMapOvr>
+    <a:masterClrMapping/>
+  </p:clrMapOvr>
+</p:notes>
+</file>
+
+<file path=ppt/notesSlides/notesSlide2.xml><?xml version="1.0" encoding="utf-8"?>
+<p:notes xmlns:a="http://schemas.openxmlformats.org/drawingml/2006/main" xmlns:r="http://schemas.openxmlformats.org/officeDocument/2006/relationships" xmlns:p="http://schemas.openxmlformats.org/presentationml/2006/main">
+  <p:cSld>
+    <p:spTree>
+      <p:nvGrpSpPr>
+        <p:cNvPr id="1" name=""/>
+        <p:cNvGrpSpPr/>
+        <p:nvPr/>
+      </p:nvGrpSpPr>
+      <p:grpSpPr>
+        <a:xfrm>
+          <a:off x="0" y="0"/>
+          <a:ext cx="0" cy="0"/>
+          <a:chOff x="0" y="0"/>
+          <a:chExt cx="0" cy="0"/>
+        </a:xfrm>
+      </p:grpSpPr>
+      <p:sp>
+        <p:nvSpPr>
+          <p:cNvPr id="2" name="Espace réservé de l'image des diapositives 1"/>
+          <p:cNvSpPr>
+            <a:spLocks noGrp="1" noRot="1" noChangeAspect="1"/>
+          </p:cNvSpPr>
+          <p:nvPr>
+            <p:ph type="sldImg"/>
+          </p:nvPr>
+        </p:nvSpPr>
+        <p:spPr/>
+      </p:sp>
+      <p:sp>
+        <p:nvSpPr>
+          <p:cNvPr id="3" name="Espace réservé des notes 2"/>
+          <p:cNvSpPr>
+            <a:spLocks noGrp="1"/>
+          </p:cNvSpPr>
+          <p:nvPr>
+            <p:ph type="body" idx="1"/>
+          </p:nvPr>
+        </p:nvSpPr>
+        <p:spPr/>
+        <p:txBody>
+          <a:bodyPr/>
+          <a:lstStyle/>
+          <a:p>
+            <a:endParaRPr lang="fr-FR" dirty="0"/>
+          </a:p>
+        </p:txBody>
+      </p:sp>
+      <p:sp>
+        <p:nvSpPr>
+          <p:cNvPr id="4" name="Espace réservé du numéro de diapositive 3"/>
+          <p:cNvSpPr>
+            <a:spLocks noGrp="1"/>
+          </p:cNvSpPr>
+          <p:nvPr>
+            <p:ph type="sldNum" sz="quarter" idx="5"/>
+          </p:nvPr>
+        </p:nvSpPr>
+        <p:spPr/>
+        <p:txBody>
+          <a:bodyPr/>
+          <a:lstStyle/>
+          <a:p>
+            <a:fld id="{C5B54E7E-092B-AC45-9C6C-454D3C4625D7}" type="slidenum">
+              <a:rPr lang="fr-FR" smtClean="0"/>
+              <a:t>4</a:t>
+            </a:fld>
+            <a:endParaRPr lang="fr-FR"/>
+          </a:p>
+        </p:txBody>
+      </p:sp>
+    </p:spTree>
+    <p:extLst>
+      <p:ext uri="{BB962C8B-B14F-4D97-AF65-F5344CB8AC3E}">
+        <p14:creationId xmlns:p14="http://schemas.microsoft.com/office/powerpoint/2010/main" val="1659374218"/>
+      </p:ext>
+    </p:extLst>
+  </p:cSld>
+  <p:clrMapOvr>
+    <a:masterClrMapping/>
+  </p:clrMapOvr>
+</p:notes>
+</file>
+
 <file path=ppt/slideLayouts/slideLayout1.xml><?xml version="1.0" encoding="utf-8"?>
 <p:sldLayout xmlns:a="http://schemas.openxmlformats.org/drawingml/2006/main" xmlns:r="http://schemas.openxmlformats.org/officeDocument/2006/relationships" xmlns:p="http://schemas.openxmlformats.org/presentationml/2006/main" type="title" preserve="1">
   <p:cSld name="Title Slide">
@@ -3510,7 +4113,7 @@
           <a:p>
             <a:fld id="{88D38747-4367-4BD2-8D51-C97E202738E2}" type="datetime1">
               <a:rPr lang="en-US" smtClean="0"/>
-              <a:t>3/9/2023</a:t>
+              <a:t>3/9/23</a:t>
             </a:fld>
             <a:endParaRPr lang="en-US" dirty="0"/>
           </a:p>
@@ -3553,7 +4156,7 @@
             <a:fld id="{3A98EE3D-8CD1-4C3F-BD1C-C98C9596463C}" type="slidenum">
               <a:rPr lang="en-US" smtClean="0"/>
               <a:pPr/>
-              <a:t>‹#›</a:t>
+              <a:t>‹N°›</a:t>
             </a:fld>
             <a:endParaRPr lang="en-US" dirty="0"/>
           </a:p>
@@ -3815,7 +4418,7 @@
           <a:p>
             <a:fld id="{11F1B079-7EF0-44EE-B798-BCC497C9F3B2}" type="datetime1">
               <a:rPr lang="en-US" smtClean="0"/>
-              <a:t>3/9/2023</a:t>
+              <a:t>3/9/23</a:t>
             </a:fld>
             <a:endParaRPr lang="en-US" dirty="0"/>
           </a:p>
@@ -3857,7 +4460,7 @@
           <a:p>
             <a:fld id="{3A98EE3D-8CD1-4C3F-BD1C-C98C9596463C}" type="slidenum">
               <a:rPr lang="en-US" smtClean="0"/>
-              <a:t>‹#›</a:t>
+              <a:t>‹N°›</a:t>
             </a:fld>
             <a:endParaRPr lang="en-US" dirty="0"/>
           </a:p>
@@ -4009,7 +4612,7 @@
           <a:p>
             <a:fld id="{28FF70A8-1D13-4657-95F0-A9EA54967B8D}" type="datetime1">
               <a:rPr lang="en-US" smtClean="0"/>
-              <a:t>3/9/2023</a:t>
+              <a:t>3/9/23</a:t>
             </a:fld>
             <a:endParaRPr lang="en-US" dirty="0"/>
           </a:p>
@@ -4051,7 +4654,7 @@
           <a:p>
             <a:fld id="{3A98EE3D-8CD1-4C3F-BD1C-C98C9596463C}" type="slidenum">
               <a:rPr lang="en-US" smtClean="0"/>
-              <a:t>‹#›</a:t>
+              <a:t>‹N°›</a:t>
             </a:fld>
             <a:endParaRPr lang="en-US" dirty="0"/>
           </a:p>
@@ -4272,7 +4875,7 @@
           <a:p>
             <a:fld id="{21EB90AC-71BD-4C7F-8ACA-7B3F18292E63}" type="datetime1">
               <a:rPr lang="en-US" smtClean="0"/>
-              <a:t>3/9/2023</a:t>
+              <a:t>3/9/23</a:t>
             </a:fld>
             <a:endParaRPr lang="en-US" dirty="0"/>
           </a:p>
@@ -4314,7 +4917,7 @@
           <a:p>
             <a:fld id="{3A98EE3D-8CD1-4C3F-BD1C-C98C9596463C}" type="slidenum">
               <a:rPr lang="en-US" smtClean="0"/>
-              <a:t>‹#›</a:t>
+              <a:t>‹N°›</a:t>
             </a:fld>
             <a:endParaRPr lang="en-US" dirty="0"/>
           </a:p>
@@ -4708,7 +5311,7 @@
           <a:p>
             <a:fld id="{4E6EFC2C-8905-46F0-B443-CE905B76BA01}" type="datetime1">
               <a:rPr lang="en-US" smtClean="0"/>
-              <a:t>3/9/2023</a:t>
+              <a:t>3/9/23</a:t>
             </a:fld>
             <a:endParaRPr lang="en-US" dirty="0"/>
           </a:p>
@@ -4750,7 +5353,7 @@
           <a:p>
             <a:fld id="{3A98EE3D-8CD1-4C3F-BD1C-C98C9596463C}" type="slidenum">
               <a:rPr lang="en-US" smtClean="0"/>
-              <a:t>‹#›</a:t>
+              <a:t>‹N°›</a:t>
             </a:fld>
             <a:endParaRPr lang="en-US" dirty="0"/>
           </a:p>
@@ -5245,7 +5848,7 @@
           <a:p>
             <a:fld id="{D9079DC3-C9B5-499E-9140-0DC28B7074E2}" type="datetime1">
               <a:rPr lang="en-US" smtClean="0"/>
-              <a:t>3/9/2023</a:t>
+              <a:t>3/9/23</a:t>
             </a:fld>
             <a:endParaRPr lang="en-US" dirty="0"/>
           </a:p>
@@ -5287,7 +5890,7 @@
           <a:p>
             <a:fld id="{3A98EE3D-8CD1-4C3F-BD1C-C98C9596463C}" type="slidenum">
               <a:rPr lang="en-US" smtClean="0"/>
-              <a:t>‹#›</a:t>
+              <a:t>‹N°›</a:t>
             </a:fld>
             <a:endParaRPr lang="en-US" dirty="0"/>
           </a:p>
@@ -6127,7 +6730,7 @@
           <a:p>
             <a:fld id="{30BB33EA-E472-4D22-9C03-A9C14AA21CED}" type="datetime1">
               <a:rPr lang="en-US" smtClean="0"/>
-              <a:t>3/9/2023</a:t>
+              <a:t>3/9/23</a:t>
             </a:fld>
             <a:endParaRPr lang="en-US" dirty="0"/>
           </a:p>
@@ -6169,7 +6772,7 @@
           <a:p>
             <a:fld id="{3A98EE3D-8CD1-4C3F-BD1C-C98C9596463C}" type="slidenum">
               <a:rPr lang="en-US" smtClean="0"/>
-              <a:t>‹#›</a:t>
+              <a:t>‹N°›</a:t>
             </a:fld>
             <a:endParaRPr lang="en-US" dirty="0"/>
           </a:p>
@@ -6297,7 +6900,7 @@
           <a:p>
             <a:fld id="{217E833E-1B6D-415F-AD29-75AE8C43BD0D}" type="datetime1">
               <a:rPr lang="en-US" smtClean="0"/>
-              <a:t>3/9/2023</a:t>
+              <a:t>3/9/23</a:t>
             </a:fld>
             <a:endParaRPr lang="en-US" dirty="0"/>
           </a:p>
@@ -6339,7 +6942,7 @@
           <a:p>
             <a:fld id="{3A98EE3D-8CD1-4C3F-BD1C-C98C9596463C}" type="slidenum">
               <a:rPr lang="en-US" smtClean="0"/>
-              <a:t>‹#›</a:t>
+              <a:t>‹N°›</a:t>
             </a:fld>
             <a:endParaRPr lang="en-US" dirty="0"/>
           </a:p>
@@ -6481,7 +7084,7 @@
           <a:p>
             <a:fld id="{8452596F-08A7-4B70-989A-F2B1CF31E66B}" type="datetime1">
               <a:rPr lang="en-US" smtClean="0"/>
-              <a:t>3/9/2023</a:t>
+              <a:t>3/9/23</a:t>
             </a:fld>
             <a:endParaRPr lang="en-US" dirty="0"/>
           </a:p>
@@ -6523,7 +7126,7 @@
           <a:p>
             <a:fld id="{3A98EE3D-8CD1-4C3F-BD1C-C98C9596463C}" type="slidenum">
               <a:rPr lang="en-US" smtClean="0"/>
-              <a:t>‹#›</a:t>
+              <a:t>‹N°›</a:t>
             </a:fld>
             <a:endParaRPr lang="en-US" dirty="0"/>
           </a:p>
@@ -6651,7 +7254,7 @@
           <a:p>
             <a:fld id="{73C55A3C-5767-4844-A0A3-83778C2E5409}" type="datetime1">
               <a:rPr lang="en-US" smtClean="0"/>
-              <a:t>3/9/2023</a:t>
+              <a:t>3/9/23</a:t>
             </a:fld>
             <a:endParaRPr lang="en-US" dirty="0"/>
           </a:p>
@@ -6693,7 +7296,7 @@
           <a:p>
             <a:fld id="{3A98EE3D-8CD1-4C3F-BD1C-C98C9596463C}" type="slidenum">
               <a:rPr lang="en-US" smtClean="0"/>
-              <a:t>‹#›</a:t>
+              <a:t>‹N°›</a:t>
             </a:fld>
             <a:endParaRPr lang="en-US" dirty="0"/>
           </a:p>
@@ -6895,7 +7498,7 @@
           <a:p>
             <a:fld id="{CAE507A8-A5CF-4D38-AB86-7EDDA87A85D4}" type="datetime1">
               <a:rPr lang="en-US" smtClean="0"/>
-              <a:t>3/9/2023</a:t>
+              <a:t>3/9/23</a:t>
             </a:fld>
             <a:endParaRPr lang="en-US" dirty="0"/>
           </a:p>
@@ -6938,7 +7541,7 @@
             <a:fld id="{3A98EE3D-8CD1-4C3F-BD1C-C98C9596463C}" type="slidenum">
               <a:rPr lang="en-US" smtClean="0"/>
               <a:pPr/>
-              <a:t>‹#›</a:t>
+              <a:t>‹N°›</a:t>
             </a:fld>
             <a:endParaRPr lang="en-US" dirty="0"/>
           </a:p>
@@ -7137,7 +7740,7 @@
           <a:p>
             <a:fld id="{BDFCD27C-8599-43EF-BA1D-14DDC1946E06}" type="datetime1">
               <a:rPr lang="en-US" smtClean="0"/>
-              <a:t>3/9/2023</a:t>
+              <a:t>3/9/23</a:t>
             </a:fld>
             <a:endParaRPr lang="en-US" dirty="0"/>
           </a:p>
@@ -7179,7 +7782,7 @@
           <a:p>
             <a:fld id="{3A98EE3D-8CD1-4C3F-BD1C-C98C9596463C}" type="slidenum">
               <a:rPr lang="en-US" smtClean="0"/>
-              <a:t>‹#›</a:t>
+              <a:t>‹N°›</a:t>
             </a:fld>
             <a:endParaRPr lang="en-US" dirty="0"/>
           </a:p>
@@ -7620,7 +8223,7 @@
           <a:p>
             <a:fld id="{49343D99-809A-49C0-96E5-4250D0B498EE}" type="datetime1">
               <a:rPr lang="en-US" smtClean="0"/>
-              <a:t>3/9/2023</a:t>
+              <a:t>3/9/23</a:t>
             </a:fld>
             <a:endParaRPr lang="en-US" dirty="0"/>
           </a:p>
@@ -7662,7 +8265,7 @@
           <a:p>
             <a:fld id="{3A98EE3D-8CD1-4C3F-BD1C-C98C9596463C}" type="slidenum">
               <a:rPr lang="en-US" smtClean="0"/>
-              <a:t>‹#›</a:t>
+              <a:t>‹N°›</a:t>
             </a:fld>
             <a:endParaRPr lang="en-US" dirty="0"/>
           </a:p>
@@ -7738,7 +8341,7 @@
           <a:p>
             <a:fld id="{A143DE9B-B678-4EFB-BB7D-A4370204A0B0}" type="datetime1">
               <a:rPr lang="en-US" smtClean="0"/>
-              <a:t>3/9/2023</a:t>
+              <a:t>3/9/23</a:t>
             </a:fld>
             <a:endParaRPr lang="en-US" dirty="0"/>
           </a:p>
@@ -7780,7 +8383,7 @@
           <a:p>
             <a:fld id="{3A98EE3D-8CD1-4C3F-BD1C-C98C9596463C}" type="slidenum">
               <a:rPr lang="en-US" smtClean="0"/>
-              <a:t>‹#›</a:t>
+              <a:t>‹N°›</a:t>
             </a:fld>
             <a:endParaRPr lang="en-US" dirty="0"/>
           </a:p>
@@ -7833,7 +8436,7 @@
           <a:p>
             <a:fld id="{E68812DA-F765-4142-A6A3-A8ED7235E082}" type="datetime1">
               <a:rPr lang="en-US" smtClean="0"/>
-              <a:t>3/9/2023</a:t>
+              <a:t>3/9/23</a:t>
             </a:fld>
             <a:endParaRPr lang="en-US" dirty="0"/>
           </a:p>
@@ -7875,7 +8478,7 @@
           <a:p>
             <a:fld id="{3A98EE3D-8CD1-4C3F-BD1C-C98C9596463C}" type="slidenum">
               <a:rPr lang="en-US" smtClean="0"/>
-              <a:t>‹#›</a:t>
+              <a:t>‹N°›</a:t>
             </a:fld>
             <a:endParaRPr lang="en-US" dirty="0"/>
           </a:p>
@@ -8088,7 +8691,7 @@
           <a:p>
             <a:fld id="{3E0277FD-7DE6-41D4-930D-AC99F5AFE54E}" type="datetime1">
               <a:rPr lang="en-US" smtClean="0"/>
-              <a:t>3/9/2023</a:t>
+              <a:t>3/9/23</a:t>
             </a:fld>
             <a:endParaRPr lang="en-US" dirty="0"/>
           </a:p>
@@ -8131,7 +8734,7 @@
             <a:fld id="{3A98EE3D-8CD1-4C3F-BD1C-C98C9596463C}" type="slidenum">
               <a:rPr lang="en-US" smtClean="0"/>
               <a:pPr/>
-              <a:t>‹#›</a:t>
+              <a:t>‹N°›</a:t>
             </a:fld>
             <a:endParaRPr lang="en-US" dirty="0"/>
           </a:p>
@@ -8395,7 +8998,7 @@
           <a:p>
             <a:fld id="{9EA15526-7079-4B7B-987C-1B5FAE11A0FF}" type="datetime1">
               <a:rPr lang="en-US" smtClean="0"/>
-              <a:t>3/9/2023</a:t>
+              <a:t>3/9/23</a:t>
             </a:fld>
             <a:endParaRPr lang="en-US" dirty="0"/>
           </a:p>
@@ -8438,7 +9041,7 @@
           <a:p>
             <a:fld id="{3A98EE3D-8CD1-4C3F-BD1C-C98C9596463C}" type="slidenum">
               <a:rPr lang="en-US" smtClean="0"/>
-              <a:t>‹#›</a:t>
+              <a:t>‹N°›</a:t>
             </a:fld>
             <a:endParaRPr lang="en-US" dirty="0"/>
           </a:p>
@@ -8630,7 +9233,7 @@
           <a:p>
             <a:fld id="{073ED0CC-082F-4160-86E5-0D6041F12778}" type="datetime1">
               <a:rPr lang="en-US" smtClean="0"/>
-              <a:t>3/9/2023</a:t>
+              <a:t>3/9/23</a:t>
             </a:fld>
             <a:endParaRPr lang="en-US" dirty="0"/>
           </a:p>
@@ -8722,7 +9325,7 @@
           <a:p>
             <a:fld id="{3A98EE3D-8CD1-4C3F-BD1C-C98C9596463C}" type="slidenum">
               <a:rPr lang="en-US" smtClean="0"/>
-              <a:t>‹#›</a:t>
+              <a:t>‹N°›</a:t>
             </a:fld>
             <a:endParaRPr lang="en-US" dirty="0"/>
           </a:p>
@@ -9582,7 +10185,7 @@
     <p:bg>
       <p:bgPr>
         <a:blipFill rotWithShape="1">
-          <a:blip r:embed="rId2">
+          <a:blip r:embed="rId3">
             <a:duotone>
               <a:schemeClr val="bg1">
                 <a:shade val="80000"/>
@@ -9636,12 +10239,26 @@
         </p:spPr>
         <p:txBody>
           <a:bodyPr>
-            <a:normAutofit/>
+            <a:normAutofit fontScale="90000"/>
           </a:bodyPr>
           <a:lstStyle/>
           <a:p>
             <a:r>
-              <a:rPr lang="en-US" dirty="0"/>
+              <a:rPr lang="en-GB" sz="4800" dirty="0"/>
+              <a:t>Many problems, one solution: </a:t>
+            </a:r>
+            <a:r>
+              <a:rPr lang="en-GB" sz="4800" dirty="0" err="1"/>
+              <a:t>CoffeeCompas</a:t>
+            </a:r>
+            <a:br>
+              <a:rPr lang="en-GB" sz="4800" dirty="0"/>
+            </a:br>
+            <a:br>
+              <a:rPr lang="en-US" sz="3600" dirty="0"/>
+            </a:br>
+            <a:r>
+              <a:rPr lang="en-US" dirty="0" err="1"/>
               <a:t>CoffeeCompass</a:t>
             </a:r>
             <a:r>
@@ -9678,7 +10295,7 @@
         </p:xfrm>
         <a:graphic>
           <a:graphicData uri="http://schemas.openxmlformats.org/drawingml/2006/diagram">
-            <dgm:relIds xmlns:dgm="http://schemas.openxmlformats.org/drawingml/2006/diagram" xmlns:r="http://schemas.openxmlformats.org/officeDocument/2006/relationships" r:dm="rId3" r:lo="rId4" r:qs="rId5" r:cs="rId6"/>
+            <dgm:relIds xmlns:dgm="http://schemas.openxmlformats.org/drawingml/2006/diagram" xmlns:r="http://schemas.openxmlformats.org/officeDocument/2006/relationships" r:dm="rId4" r:lo="rId5" r:qs="rId6" r:cs="rId7"/>
           </a:graphicData>
         </a:graphic>
       </p:graphicFrame>
@@ -9717,7 +10334,7 @@
           <p:cNvPr id="2" name="Title 1">
             <a:extLst>
               <a:ext uri="{FF2B5EF4-FFF2-40B4-BE49-F238E27FC236}">
-                <a16:creationId xmlns:a16="http://schemas.microsoft.com/office/drawing/2014/main" id="{55AF9D9A-BECB-02B1-8206-83683CE0A607}"/>
+                <a16:creationId xmlns:a16="http://schemas.microsoft.com/office/drawing/2014/main" id="{BE413DC5-2B88-7B7E-5B61-E11FD788A7A2}"/>
               </a:ext>
             </a:extLst>
           </p:cNvPr>
@@ -9730,12 +10347,14 @@
         </p:nvSpPr>
         <p:spPr/>
         <p:txBody>
-          <a:bodyPr/>
+          <a:bodyPr>
+            <a:normAutofit fontScale="90000"/>
+          </a:bodyPr>
           <a:lstStyle/>
           <a:p>
             <a:r>
               <a:rPr lang="en-GB" dirty="0"/>
-              <a:t>Option 3 – Custom selection</a:t>
+              <a:t>CoffeeCompass provides succinct information on the selected coffee(s)  </a:t>
             </a:r>
           </a:p>
         </p:txBody>
@@ -9745,7 +10364,7 @@
           <p:cNvPr id="3" name="Content Placeholder 2">
             <a:extLst>
               <a:ext uri="{FF2B5EF4-FFF2-40B4-BE49-F238E27FC236}">
-                <a16:creationId xmlns:a16="http://schemas.microsoft.com/office/drawing/2014/main" id="{28A52732-F85E-1421-AA39-ADDC324BE8EB}"/>
+                <a16:creationId xmlns:a16="http://schemas.microsoft.com/office/drawing/2014/main" id="{C85EB3A0-2C99-8716-D713-B596AB783516}"/>
               </a:ext>
             </a:extLst>
           </p:cNvPr>
@@ -9756,12 +10375,7 @@
             <p:ph idx="1"/>
           </p:nvPr>
         </p:nvSpPr>
-        <p:spPr>
-          <a:xfrm>
-            <a:off x="913795" y="2009776"/>
-            <a:ext cx="4677380" cy="3781424"/>
-          </a:xfrm>
-        </p:spPr>
+        <p:spPr/>
         <p:txBody>
           <a:bodyPr>
             <a:normAutofit lnSpcReduction="10000"/>
@@ -9769,38 +10383,172 @@
           <a:lstStyle/>
           <a:p>
             <a:r>
-              <a:rPr lang="en-GB" sz="2400" dirty="0"/>
-              <a:t>The coffees were clustered with Machine Learning based on the following features: aroma, body, </a:t>
-            </a:r>
-            <a:r>
-              <a:rPr lang="en-GB" sz="2400" dirty="0" err="1"/>
-              <a:t>flavor</a:t>
-            </a:r>
-            <a:r>
-              <a:rPr lang="en-GB" sz="2400" dirty="0"/>
-              <a:t>, aftertaste and rating</a:t>
-            </a:r>
-          </a:p>
-          <a:p>
-            <a:r>
-              <a:rPr lang="en-GB" sz="2400" dirty="0"/>
-              <a:t>Natural Language Processing was used to extract the words most often mentioned in the blind assessments. These were then used to create </a:t>
-            </a:r>
-            <a:r>
-              <a:rPr lang="en-GB" sz="2400"/>
-              <a:t>groups of characteristics</a:t>
-            </a:r>
-            <a:r>
-              <a:rPr lang="en-GB" sz="2400" dirty="0"/>
-              <a:t>.</a:t>
-            </a:r>
+              <a:rPr lang="de-DE" dirty="0"/>
+              <a:t>Reviews </a:t>
+            </a:r>
+            <a:r>
+              <a:rPr lang="en-GB" dirty="0"/>
+              <a:t>are from </a:t>
+            </a:r>
+            <a:r>
+              <a:rPr lang="de-DE" dirty="0"/>
+              <a:t>coffeereview.com</a:t>
+            </a:r>
+            <a:endParaRPr lang="en-GB" dirty="0"/>
+          </a:p>
+          <a:p>
+            <a:r>
+              <a:rPr lang="en-GB" dirty="0"/>
+              <a:t>Information provided includes:</a:t>
+            </a:r>
+          </a:p>
+          <a:p>
+            <a:pPr marL="871200" lvl="1" indent="-457200">
+              <a:spcBef>
+                <a:spcPts val="300"/>
+              </a:spcBef>
+              <a:spcAft>
+                <a:spcPts val="300"/>
+              </a:spcAft>
+              <a:buFont typeface="+mj-lt"/>
+              <a:buAutoNum type="arabicPeriod"/>
+            </a:pPr>
+            <a:r>
+              <a:rPr lang="en-GB" sz="1800" dirty="0"/>
+              <a:t>Coffee name</a:t>
+            </a:r>
+          </a:p>
+          <a:p>
+            <a:pPr marL="871200" lvl="1" indent="-457200">
+              <a:spcBef>
+                <a:spcPts val="300"/>
+              </a:spcBef>
+              <a:spcAft>
+                <a:spcPts val="300"/>
+              </a:spcAft>
+              <a:buFont typeface="+mj-lt"/>
+              <a:buAutoNum type="arabicPeriod"/>
+            </a:pPr>
+            <a:r>
+              <a:rPr lang="en-GB" sz="1800" dirty="0"/>
+              <a:t>Roaster &amp; location</a:t>
+            </a:r>
+          </a:p>
+          <a:p>
+            <a:pPr marL="871200" lvl="1" indent="-457200">
+              <a:spcBef>
+                <a:spcPts val="300"/>
+              </a:spcBef>
+              <a:spcAft>
+                <a:spcPts val="300"/>
+              </a:spcAft>
+              <a:buFont typeface="+mj-lt"/>
+              <a:buAutoNum type="arabicPeriod"/>
+            </a:pPr>
+            <a:r>
+              <a:rPr lang="en-GB" sz="1800" dirty="0"/>
+              <a:t>Roast type</a:t>
+            </a:r>
+          </a:p>
+          <a:p>
+            <a:pPr marL="871200" lvl="1" indent="-457200">
+              <a:spcBef>
+                <a:spcPts val="300"/>
+              </a:spcBef>
+              <a:spcAft>
+                <a:spcPts val="300"/>
+              </a:spcAft>
+              <a:buFont typeface="+mj-lt"/>
+              <a:buAutoNum type="arabicPeriod"/>
+            </a:pPr>
+            <a:r>
+              <a:rPr lang="en-GB" sz="1800" dirty="0"/>
+              <a:t>Origin</a:t>
+            </a:r>
+          </a:p>
+          <a:p>
+            <a:pPr marL="871200" lvl="1" indent="-457200">
+              <a:spcBef>
+                <a:spcPts val="300"/>
+              </a:spcBef>
+              <a:spcAft>
+                <a:spcPts val="300"/>
+              </a:spcAft>
+              <a:buFont typeface="+mj-lt"/>
+              <a:buAutoNum type="arabicPeriod"/>
+            </a:pPr>
+            <a:r>
+              <a:rPr lang="en-GB" sz="1800" dirty="0"/>
+              <a:t>Price</a:t>
+            </a:r>
+          </a:p>
+          <a:p>
+            <a:pPr marL="871200" lvl="1" indent="-457200">
+              <a:spcBef>
+                <a:spcPts val="300"/>
+              </a:spcBef>
+              <a:spcAft>
+                <a:spcPts val="300"/>
+              </a:spcAft>
+              <a:buFont typeface="+mj-lt"/>
+              <a:buAutoNum type="arabicPeriod"/>
+            </a:pPr>
+            <a:r>
+              <a:rPr lang="en-GB" sz="1800" dirty="0"/>
+              <a:t>Overall rating (scale 50-100)</a:t>
+            </a:r>
+          </a:p>
+          <a:p>
+            <a:pPr marL="871200" lvl="1" indent="-457200">
+              <a:spcBef>
+                <a:spcPts val="300"/>
+              </a:spcBef>
+              <a:spcAft>
+                <a:spcPts val="300"/>
+              </a:spcAft>
+              <a:buFont typeface="+mj-lt"/>
+              <a:buAutoNum type="arabicPeriod"/>
+            </a:pPr>
+            <a:r>
+              <a:rPr lang="en-GB" sz="1800" dirty="0"/>
+              <a:t>Points awarded for aroma, body, flavour and aftertaste (scale 1-10)</a:t>
+            </a:r>
+          </a:p>
+          <a:p>
+            <a:pPr marL="871200" lvl="1" indent="-457200">
+              <a:spcBef>
+                <a:spcPts val="300"/>
+              </a:spcBef>
+              <a:spcAft>
+                <a:spcPts val="300"/>
+              </a:spcAft>
+              <a:buFont typeface="+mj-lt"/>
+              <a:buAutoNum type="arabicPeriod"/>
+            </a:pPr>
+            <a:r>
+              <a:rPr lang="en-GB" sz="1800" dirty="0"/>
+              <a:t>The results of the blind assessment</a:t>
+            </a:r>
+          </a:p>
+          <a:p>
+            <a:pPr marL="871200" lvl="1" indent="-457200">
+              <a:spcBef>
+                <a:spcPts val="300"/>
+              </a:spcBef>
+              <a:spcAft>
+                <a:spcPts val="300"/>
+              </a:spcAft>
+              <a:buFont typeface="+mj-lt"/>
+              <a:buAutoNum type="arabicPeriod"/>
+            </a:pPr>
+            <a:endParaRPr lang="de-DE" sz="1800" dirty="0"/>
           </a:p>
         </p:txBody>
       </p:sp>
     </p:spTree>
     <p:extLst>
       <p:ext uri="{BB962C8B-B14F-4D97-AF65-F5344CB8AC3E}">
-        <p14:creationId xmlns:p14="http://schemas.microsoft.com/office/powerpoint/2010/main" val="1473906668"/>
+        <p14:creationId xmlns:p14="http://schemas.microsoft.com/office/powerpoint/2010/main" val="1051851199"/>
       </p:ext>
     </p:extLst>
   </p:cSld>
@@ -9832,7 +10580,7 @@
           <p:cNvPr id="2" name="Title 1">
             <a:extLst>
               <a:ext uri="{FF2B5EF4-FFF2-40B4-BE49-F238E27FC236}">
-                <a16:creationId xmlns:a16="http://schemas.microsoft.com/office/drawing/2014/main" id="{BE413DC5-2B88-7B7E-5B61-E11FD788A7A2}"/>
+                <a16:creationId xmlns:a16="http://schemas.microsoft.com/office/drawing/2014/main" id="{55AF9D9A-BECB-02B1-8206-83683CE0A607}"/>
               </a:ext>
             </a:extLst>
           </p:cNvPr>
@@ -9845,14 +10593,12 @@
         </p:nvSpPr>
         <p:spPr/>
         <p:txBody>
-          <a:bodyPr>
-            <a:normAutofit fontScale="90000"/>
-          </a:bodyPr>
+          <a:bodyPr/>
           <a:lstStyle/>
           <a:p>
             <a:r>
               <a:rPr lang="en-GB" dirty="0"/>
-              <a:t>CoffeeCompass provides succinct information on the selected coffee(s)  </a:t>
+              <a:t>Option 3 – Custom selection</a:t>
             </a:r>
           </a:p>
         </p:txBody>
@@ -9862,7 +10608,7 @@
           <p:cNvPr id="3" name="Content Placeholder 2">
             <a:extLst>
               <a:ext uri="{FF2B5EF4-FFF2-40B4-BE49-F238E27FC236}">
-                <a16:creationId xmlns:a16="http://schemas.microsoft.com/office/drawing/2014/main" id="{C85EB3A0-2C99-8716-D713-B596AB783516}"/>
+                <a16:creationId xmlns:a16="http://schemas.microsoft.com/office/drawing/2014/main" id="{28A52732-F85E-1421-AA39-ADDC324BE8EB}"/>
               </a:ext>
             </a:extLst>
           </p:cNvPr>
@@ -9873,7 +10619,12 @@
             <p:ph idx="1"/>
           </p:nvPr>
         </p:nvSpPr>
-        <p:spPr/>
+        <p:spPr>
+          <a:xfrm>
+            <a:off x="913795" y="2009776"/>
+            <a:ext cx="4677380" cy="3781424"/>
+          </a:xfrm>
+        </p:spPr>
         <p:txBody>
           <a:bodyPr>
             <a:normAutofit lnSpcReduction="10000"/>
@@ -9881,173 +10632,67 @@
           <a:lstStyle/>
           <a:p>
             <a:r>
-              <a:rPr lang="de-DE" dirty="0"/>
-              <a:t>Reviews </a:t>
-            </a:r>
-            <a:r>
-              <a:rPr lang="en-GB" dirty="0"/>
-              <a:t>are from </a:t>
-            </a:r>
-            <a:r>
-              <a:rPr lang="de-DE" dirty="0"/>
-              <a:t>coffeereview.com</a:t>
-            </a:r>
-            <a:endParaRPr lang="en-GB" dirty="0"/>
-          </a:p>
-          <a:p>
-            <a:r>
-              <a:rPr lang="en-GB" dirty="0"/>
-              <a:t>Information provided includes:</a:t>
-            </a:r>
-          </a:p>
-          <a:p>
-            <a:pPr marL="871200" lvl="1" indent="-457200">
-              <a:spcBef>
-                <a:spcPts val="300"/>
-              </a:spcBef>
-              <a:spcAft>
-                <a:spcPts val="300"/>
-              </a:spcAft>
-              <a:buFont typeface="+mj-lt"/>
-              <a:buAutoNum type="arabicPeriod"/>
-            </a:pPr>
-            <a:r>
-              <a:rPr lang="en-GB" sz="1800" dirty="0"/>
-              <a:t>Coffee name</a:t>
-            </a:r>
-          </a:p>
-          <a:p>
-            <a:pPr marL="871200" lvl="1" indent="-457200">
-              <a:spcBef>
-                <a:spcPts val="300"/>
-              </a:spcBef>
-              <a:spcAft>
-                <a:spcPts val="300"/>
-              </a:spcAft>
-              <a:buFont typeface="+mj-lt"/>
-              <a:buAutoNum type="arabicPeriod"/>
-            </a:pPr>
-            <a:r>
-              <a:rPr lang="en-GB" sz="1800" dirty="0"/>
-              <a:t>Roaster &amp; location</a:t>
-            </a:r>
-          </a:p>
-          <a:p>
-            <a:pPr marL="871200" lvl="1" indent="-457200">
-              <a:spcBef>
-                <a:spcPts val="300"/>
-              </a:spcBef>
-              <a:spcAft>
-                <a:spcPts val="300"/>
-              </a:spcAft>
-              <a:buFont typeface="+mj-lt"/>
-              <a:buAutoNum type="arabicPeriod"/>
-            </a:pPr>
-            <a:r>
-              <a:rPr lang="en-GB" sz="1800" dirty="0"/>
-              <a:t>Roast type</a:t>
-            </a:r>
-          </a:p>
-          <a:p>
-            <a:pPr marL="871200" lvl="1" indent="-457200">
-              <a:spcBef>
-                <a:spcPts val="300"/>
-              </a:spcBef>
-              <a:spcAft>
-                <a:spcPts val="300"/>
-              </a:spcAft>
-              <a:buFont typeface="+mj-lt"/>
-              <a:buAutoNum type="arabicPeriod"/>
-            </a:pPr>
-            <a:r>
-              <a:rPr lang="en-GB" sz="1800" dirty="0"/>
-              <a:t>Origin</a:t>
-            </a:r>
-          </a:p>
-          <a:p>
-            <a:pPr marL="871200" lvl="1" indent="-457200">
-              <a:spcBef>
-                <a:spcPts val="300"/>
-              </a:spcBef>
-              <a:spcAft>
-                <a:spcPts val="300"/>
-              </a:spcAft>
-              <a:buFont typeface="+mj-lt"/>
-              <a:buAutoNum type="arabicPeriod"/>
-            </a:pPr>
-            <a:r>
-              <a:rPr lang="en-GB" sz="1800"/>
-              <a:t>Price</a:t>
-            </a:r>
-            <a:endParaRPr lang="en-GB" sz="1800" dirty="0"/>
-          </a:p>
-          <a:p>
-            <a:pPr marL="871200" lvl="1" indent="-457200">
-              <a:spcBef>
-                <a:spcPts val="300"/>
-              </a:spcBef>
-              <a:spcAft>
-                <a:spcPts val="300"/>
-              </a:spcAft>
-              <a:buFont typeface="+mj-lt"/>
-              <a:buAutoNum type="arabicPeriod"/>
-            </a:pPr>
-            <a:r>
-              <a:rPr lang="en-GB" sz="1800" dirty="0"/>
-              <a:t>Overall rating (scale 50-100)</a:t>
-            </a:r>
-          </a:p>
-          <a:p>
-            <a:pPr marL="871200" lvl="1" indent="-457200">
-              <a:spcBef>
-                <a:spcPts val="300"/>
-              </a:spcBef>
-              <a:spcAft>
-                <a:spcPts val="300"/>
-              </a:spcAft>
-              <a:buFont typeface="+mj-lt"/>
-              <a:buAutoNum type="arabicPeriod"/>
-            </a:pPr>
-            <a:r>
-              <a:rPr lang="en-GB" sz="1800" dirty="0"/>
-              <a:t>Points awarded for aroma, body, flavour and aftertaste (scale 1-10)</a:t>
-            </a:r>
-          </a:p>
-          <a:p>
-            <a:pPr marL="871200" lvl="1" indent="-457200">
-              <a:spcBef>
-                <a:spcPts val="300"/>
-              </a:spcBef>
-              <a:spcAft>
-                <a:spcPts val="300"/>
-              </a:spcAft>
-              <a:buFont typeface="+mj-lt"/>
-              <a:buAutoNum type="arabicPeriod"/>
-            </a:pPr>
-            <a:r>
-              <a:rPr lang="en-GB" sz="1800" dirty="0"/>
-              <a:t>The results of the blind assessment</a:t>
-            </a:r>
-          </a:p>
-          <a:p>
-            <a:pPr marL="871200" lvl="1" indent="-457200">
-              <a:spcBef>
-                <a:spcPts val="300"/>
-              </a:spcBef>
-              <a:spcAft>
-                <a:spcPts val="300"/>
-              </a:spcAft>
-              <a:buFont typeface="+mj-lt"/>
-              <a:buAutoNum type="arabicPeriod"/>
-            </a:pPr>
-            <a:endParaRPr lang="de-DE" sz="1800" dirty="0"/>
+              <a:rPr lang="en-GB" sz="2400" dirty="0"/>
+              <a:t>The coffees were clustered with Machine Learning based on the following features: aroma, body, </a:t>
+            </a:r>
+            <a:r>
+              <a:rPr lang="en-GB" sz="2400" dirty="0" err="1"/>
+              <a:t>flavor</a:t>
+            </a:r>
+            <a:r>
+              <a:rPr lang="en-GB" sz="2400" dirty="0"/>
+              <a:t>, aftertaste and rating</a:t>
+            </a:r>
+          </a:p>
+          <a:p>
+            <a:r>
+              <a:rPr lang="en-GB" sz="2400" dirty="0"/>
+              <a:t>Natural Language Processing was used to extract the words most often mentioned in the blind assessments. These were then used to create groups of characteristics.</a:t>
+            </a:r>
+          </a:p>
+        </p:txBody>
+      </p:sp>
+      <p:sp>
+        <p:nvSpPr>
+          <p:cNvPr id="5" name="ZoneTexte 4">
+            <a:extLst>
+              <a:ext uri="{FF2B5EF4-FFF2-40B4-BE49-F238E27FC236}">
+                <a16:creationId xmlns:a16="http://schemas.microsoft.com/office/drawing/2014/main" id="{F68DB969-D4B9-8A5A-8CAA-31E49947C482}"/>
+              </a:ext>
+            </a:extLst>
+          </p:cNvPr>
+          <p:cNvSpPr txBox="1"/>
+          <p:nvPr/>
+        </p:nvSpPr>
+        <p:spPr>
+          <a:xfrm>
+            <a:off x="3049229" y="3244334"/>
+            <a:ext cx="6098458" cy="369332"/>
+          </a:xfrm>
+          <a:prstGeom prst="rect">
+            <a:avLst/>
+          </a:prstGeom>
+          <a:noFill/>
+        </p:spPr>
+        <p:txBody>
+          <a:bodyPr wrap="square">
+            <a:spAutoFit/>
+          </a:bodyPr>
+          <a:lstStyle/>
+          <a:p>
+            <a:pPr lvl="0"/>
+            <a:r>
+              <a:rPr lang="en-GB" sz="1800" b="0" cap="none" dirty="0"/>
+              <a:t>4949</a:t>
+            </a:r>
+            <a:endParaRPr lang="fr-FR" dirty="0"/>
           </a:p>
         </p:txBody>
       </p:sp>
     </p:spTree>
     <p:extLst>
       <p:ext uri="{BB962C8B-B14F-4D97-AF65-F5344CB8AC3E}">
-        <p14:creationId xmlns:p14="http://schemas.microsoft.com/office/powerpoint/2010/main" val="1051851199"/>
+        <p14:creationId xmlns:p14="http://schemas.microsoft.com/office/powerpoint/2010/main" val="1473906668"/>
       </p:ext>
     </p:extLst>
   </p:cSld>
@@ -10237,4 +10882,299 @@
     </a:ext>
   </a:extLst>
 </a:theme>
+</file>
+
+<file path=ppt/theme/theme2.xml><?xml version="1.0" encoding="utf-8"?>
+<a:theme xmlns:a="http://schemas.openxmlformats.org/drawingml/2006/main" name="Thème Office">
+  <a:themeElements>
+    <a:clrScheme name="Office">
+      <a:dk1>
+        <a:sysClr val="windowText" lastClr="000000"/>
+      </a:dk1>
+      <a:lt1>
+        <a:sysClr val="window" lastClr="FFFFFF"/>
+      </a:lt1>
+      <a:dk2>
+        <a:srgbClr val="44546A"/>
+      </a:dk2>
+      <a:lt2>
+        <a:srgbClr val="E7E6E6"/>
+      </a:lt2>
+      <a:accent1>
+        <a:srgbClr val="4472C4"/>
+      </a:accent1>
+      <a:accent2>
+        <a:srgbClr val="ED7D31"/>
+      </a:accent2>
+      <a:accent3>
+        <a:srgbClr val="A5A5A5"/>
+      </a:accent3>
+      <a:accent4>
+        <a:srgbClr val="FFC000"/>
+      </a:accent4>
+      <a:accent5>
+        <a:srgbClr val="5B9BD5"/>
+      </a:accent5>
+      <a:accent6>
+        <a:srgbClr val="70AD47"/>
+      </a:accent6>
+      <a:hlink>
+        <a:srgbClr val="0563C1"/>
+      </a:hlink>
+      <a:folHlink>
+        <a:srgbClr val="954F72"/>
+      </a:folHlink>
+    </a:clrScheme>
+    <a:fontScheme name="Office">
+      <a:majorFont>
+        <a:latin typeface="Calibri Light" panose="020F0302020204030204"/>
+        <a:ea typeface=""/>
+        <a:cs typeface=""/>
+        <a:font script="Jpan" typeface="游ゴシック Light"/>
+        <a:font script="Hang" typeface="맑은 고딕"/>
+        <a:font script="Hans" typeface="等线 Light"/>
+        <a:font script="Hant" typeface="新細明體"/>
+        <a:font script="Arab" typeface="Times New Roman"/>
+        <a:font script="Hebr" typeface="Times New Roman"/>
+        <a:font script="Thai" typeface="Angsana New"/>
+        <a:font script="Ethi" typeface="Nyala"/>
+        <a:font script="Beng" typeface="Vrinda"/>
+        <a:font script="Gujr" typeface="Shruti"/>
+        <a:font script="Khmr" typeface="MoolBoran"/>
+        <a:font script="Knda" typeface="Tunga"/>
+        <a:font script="Guru" typeface="Raavi"/>
+        <a:font script="Cans" typeface="Euphemia"/>
+        <a:font script="Cher" typeface="Plantagenet Cherokee"/>
+        <a:font script="Yiii" typeface="Microsoft Yi Baiti"/>
+        <a:font script="Tibt" typeface="Microsoft Himalaya"/>
+        <a:font script="Thaa" typeface="MV Boli"/>
+        <a:font script="Deva" typeface="Mangal"/>
+        <a:font script="Telu" typeface="Gautami"/>
+        <a:font script="Taml" typeface="Latha"/>
+        <a:font script="Syrc" typeface="Estrangelo Edessa"/>
+        <a:font script="Orya" typeface="Kalinga"/>
+        <a:font script="Mlym" typeface="Kartika"/>
+        <a:font script="Laoo" typeface="DokChampa"/>
+        <a:font script="Sinh" typeface="Iskoola Pota"/>
+        <a:font script="Mong" typeface="Mongolian Baiti"/>
+        <a:font script="Viet" typeface="Times New Roman"/>
+        <a:font script="Uigh" typeface="Microsoft Uighur"/>
+        <a:font script="Geor" typeface="Sylfaen"/>
+        <a:font script="Armn" typeface="Arial"/>
+        <a:font script="Bugi" typeface="Leelawadee UI"/>
+        <a:font script="Bopo" typeface="Microsoft JhengHei"/>
+        <a:font script="Java" typeface="Javanese Text"/>
+        <a:font script="Lisu" typeface="Segoe UI"/>
+        <a:font script="Mymr" typeface="Myanmar Text"/>
+        <a:font script="Nkoo" typeface="Ebrima"/>
+        <a:font script="Olck" typeface="Nirmala UI"/>
+        <a:font script="Osma" typeface="Ebrima"/>
+        <a:font script="Phag" typeface="Phagspa"/>
+        <a:font script="Syrn" typeface="Estrangelo Edessa"/>
+        <a:font script="Syrj" typeface="Estrangelo Edessa"/>
+        <a:font script="Syre" typeface="Estrangelo Edessa"/>
+        <a:font script="Sora" typeface="Nirmala UI"/>
+        <a:font script="Tale" typeface="Microsoft Tai Le"/>
+        <a:font script="Talu" typeface="Microsoft New Tai Lue"/>
+        <a:font script="Tfng" typeface="Ebrima"/>
+      </a:majorFont>
+      <a:minorFont>
+        <a:latin typeface="Calibri" panose="020F0502020204030204"/>
+        <a:ea typeface=""/>
+        <a:cs typeface=""/>
+        <a:font script="Jpan" typeface="游ゴシック"/>
+        <a:font script="Hang" typeface="맑은 고딕"/>
+        <a:font script="Hans" typeface="等线"/>
+        <a:font script="Hant" typeface="新細明體"/>
+        <a:font script="Arab" typeface="Arial"/>
+        <a:font script="Hebr" typeface="Arial"/>
+        <a:font script="Thai" typeface="Cordia New"/>
+        <a:font script="Ethi" typeface="Nyala"/>
+        <a:font script="Beng" typeface="Vrinda"/>
+        <a:font script="Gujr" typeface="Shruti"/>
+        <a:font script="Khmr" typeface="DaunPenh"/>
+        <a:font script="Knda" typeface="Tunga"/>
+        <a:font script="Guru" typeface="Raavi"/>
+        <a:font script="Cans" typeface="Euphemia"/>
+        <a:font script="Cher" typeface="Plantagenet Cherokee"/>
+        <a:font script="Yiii" typeface="Microsoft Yi Baiti"/>
+        <a:font script="Tibt" typeface="Microsoft Himalaya"/>
+        <a:font script="Thaa" typeface="MV Boli"/>
+        <a:font script="Deva" typeface="Mangal"/>
+        <a:font script="Telu" typeface="Gautami"/>
+        <a:font script="Taml" typeface="Latha"/>
+        <a:font script="Syrc" typeface="Estrangelo Edessa"/>
+        <a:font script="Orya" typeface="Kalinga"/>
+        <a:font script="Mlym" typeface="Kartika"/>
+        <a:font script="Laoo" typeface="DokChampa"/>
+        <a:font script="Sinh" typeface="Iskoola Pota"/>
+        <a:font script="Mong" typeface="Mongolian Baiti"/>
+        <a:font script="Viet" typeface="Arial"/>
+        <a:font script="Uigh" typeface="Microsoft Uighur"/>
+        <a:font script="Geor" typeface="Sylfaen"/>
+        <a:font script="Armn" typeface="Arial"/>
+        <a:font script="Bugi" typeface="Leelawadee UI"/>
+        <a:font script="Bopo" typeface="Microsoft JhengHei"/>
+        <a:font script="Java" typeface="Javanese Text"/>
+        <a:font script="Lisu" typeface="Segoe UI"/>
+        <a:font script="Mymr" typeface="Myanmar Text"/>
+        <a:font script="Nkoo" typeface="Ebrima"/>
+        <a:font script="Olck" typeface="Nirmala UI"/>
+        <a:font script="Osma" typeface="Ebrima"/>
+        <a:font script="Phag" typeface="Phagspa"/>
+        <a:font script="Syrn" typeface="Estrangelo Edessa"/>
+        <a:font script="Syrj" typeface="Estrangelo Edessa"/>
+        <a:font script="Syre" typeface="Estrangelo Edessa"/>
+        <a:font script="Sora" typeface="Nirmala UI"/>
+        <a:font script="Tale" typeface="Microsoft Tai Le"/>
+        <a:font script="Talu" typeface="Microsoft New Tai Lue"/>
+        <a:font script="Tfng" typeface="Ebrima"/>
+      </a:minorFont>
+    </a:fontScheme>
+    <a:fmtScheme name="Office">
+      <a:fillStyleLst>
+        <a:solidFill>
+          <a:schemeClr val="phClr"/>
+        </a:solidFill>
+        <a:gradFill rotWithShape="1">
+          <a:gsLst>
+            <a:gs pos="0">
+              <a:schemeClr val="phClr">
+                <a:lumMod val="110000"/>
+                <a:satMod val="105000"/>
+                <a:tint val="67000"/>
+              </a:schemeClr>
+            </a:gs>
+            <a:gs pos="50000">
+              <a:schemeClr val="phClr">
+                <a:lumMod val="105000"/>
+                <a:satMod val="103000"/>
+                <a:tint val="73000"/>
+              </a:schemeClr>
+            </a:gs>
+            <a:gs pos="100000">
+              <a:schemeClr val="phClr">
+                <a:lumMod val="105000"/>
+                <a:satMod val="109000"/>
+                <a:tint val="81000"/>
+              </a:schemeClr>
+            </a:gs>
+          </a:gsLst>
+          <a:lin ang="5400000" scaled="0"/>
+        </a:gradFill>
+        <a:gradFill rotWithShape="1">
+          <a:gsLst>
+            <a:gs pos="0">
+              <a:schemeClr val="phClr">
+                <a:satMod val="103000"/>
+                <a:lumMod val="102000"/>
+                <a:tint val="94000"/>
+              </a:schemeClr>
+            </a:gs>
+            <a:gs pos="50000">
+              <a:schemeClr val="phClr">
+                <a:satMod val="110000"/>
+                <a:lumMod val="100000"/>
+                <a:shade val="100000"/>
+              </a:schemeClr>
+            </a:gs>
+            <a:gs pos="100000">
+              <a:schemeClr val="phClr">
+                <a:lumMod val="99000"/>
+                <a:satMod val="120000"/>
+                <a:shade val="78000"/>
+              </a:schemeClr>
+            </a:gs>
+          </a:gsLst>
+          <a:lin ang="5400000" scaled="0"/>
+        </a:gradFill>
+      </a:fillStyleLst>
+      <a:lnStyleLst>
+        <a:ln w="6350" cap="flat" cmpd="sng" algn="ctr">
+          <a:solidFill>
+            <a:schemeClr val="phClr"/>
+          </a:solidFill>
+          <a:prstDash val="solid"/>
+          <a:miter lim="800000"/>
+        </a:ln>
+        <a:ln w="12700" cap="flat" cmpd="sng" algn="ctr">
+          <a:solidFill>
+            <a:schemeClr val="phClr"/>
+          </a:solidFill>
+          <a:prstDash val="solid"/>
+          <a:miter lim="800000"/>
+        </a:ln>
+        <a:ln w="19050" cap="flat" cmpd="sng" algn="ctr">
+          <a:solidFill>
+            <a:schemeClr val="phClr"/>
+          </a:solidFill>
+          <a:prstDash val="solid"/>
+          <a:miter lim="800000"/>
+        </a:ln>
+      </a:lnStyleLst>
+      <a:effectStyleLst>
+        <a:effectStyle>
+          <a:effectLst/>
+        </a:effectStyle>
+        <a:effectStyle>
+          <a:effectLst/>
+        </a:effectStyle>
+        <a:effectStyle>
+          <a:effectLst>
+            <a:outerShdw blurRad="57150" dist="19050" dir="5400000" algn="ctr" rotWithShape="0">
+              <a:srgbClr val="000000">
+                <a:alpha val="63000"/>
+              </a:srgbClr>
+            </a:outerShdw>
+          </a:effectLst>
+        </a:effectStyle>
+      </a:effectStyleLst>
+      <a:bgFillStyleLst>
+        <a:solidFill>
+          <a:schemeClr val="phClr"/>
+        </a:solidFill>
+        <a:solidFill>
+          <a:schemeClr val="phClr">
+            <a:tint val="95000"/>
+            <a:satMod val="170000"/>
+          </a:schemeClr>
+        </a:solidFill>
+        <a:gradFill rotWithShape="1">
+          <a:gsLst>
+            <a:gs pos="0">
+              <a:schemeClr val="phClr">
+                <a:tint val="93000"/>
+                <a:satMod val="150000"/>
+                <a:shade val="98000"/>
+                <a:lumMod val="102000"/>
+              </a:schemeClr>
+            </a:gs>
+            <a:gs pos="50000">
+              <a:schemeClr val="phClr">
+                <a:tint val="98000"/>
+                <a:satMod val="130000"/>
+                <a:shade val="90000"/>
+                <a:lumMod val="103000"/>
+              </a:schemeClr>
+            </a:gs>
+            <a:gs pos="100000">
+              <a:schemeClr val="phClr">
+                <a:shade val="63000"/>
+                <a:satMod val="120000"/>
+              </a:schemeClr>
+            </a:gs>
+          </a:gsLst>
+          <a:lin ang="5400000" scaled="0"/>
+        </a:gradFill>
+      </a:bgFillStyleLst>
+    </a:fmtScheme>
+  </a:themeElements>
+  <a:objectDefaults/>
+  <a:extraClrSchemeLst/>
+  <a:extLst>
+    <a:ext uri="{05A4C25C-085E-4340-85A3-A5531E510DB2}">
+      <thm15:themeFamily xmlns:thm15="http://schemas.microsoft.com/office/thememl/2012/main" name="Office Theme" id="{62F939B6-93AF-4DB8-9C6B-D6C7DFDC589F}" vid="{4A3C46E8-61CC-4603-A589-7422A47A8E4A}"/>
+    </a:ext>
+  </a:extLst>
+</a:theme>
 </file>
--- a/4_presentation/presentation_coffee_compass.pptx
+++ b/4_presentation/presentation_coffee_compass.pptx
@@ -1064,9 +1064,157 @@
         </a:p>
       </dgm:t>
     </dgm:pt>
+    <dgm:pt modelId="{DC13AB6D-DEA2-4CBB-AC69-1EF1A6AD1512}">
+      <dgm:prSet custT="1"/>
+      <dgm:spPr>
+        <a:ln>
+          <a:solidFill>
+            <a:srgbClr val="B54C2D"/>
+          </a:solidFill>
+        </a:ln>
+      </dgm:spPr>
+      <dgm:t>
+        <a:bodyPr/>
+        <a:lstStyle/>
+        <a:p>
+          <a:pPr>
+            <a:defRPr cap="all"/>
+          </a:pPr>
+          <a:r>
+            <a:rPr lang="en-US" sz="2000" b="1" cap="none" dirty="0"/>
+            <a:t>Random suggestion: </a:t>
+          </a:r>
+        </a:p>
+        <a:p>
+          <a:pPr>
+            <a:defRPr cap="all"/>
+          </a:pPr>
+          <a:r>
+            <a:rPr lang="en-US" sz="2000" b="0" i="1" cap="none" dirty="0"/>
+            <a:t>You’re feeling adventurous.</a:t>
+          </a:r>
+        </a:p>
+        <a:p>
+          <a:pPr>
+            <a:defRPr cap="all"/>
+          </a:pPr>
+          <a:endParaRPr lang="en-US" sz="500" b="0" cap="none" dirty="0"/>
+        </a:p>
+        <a:p>
+          <a:pPr>
+            <a:defRPr cap="all"/>
+          </a:pPr>
+          <a:r>
+            <a:rPr lang="en-US" sz="2000" b="0" cap="none" dirty="0"/>
+            <a:t>CoffeeCompass suggests a completely random coffee.</a:t>
+          </a:r>
+        </a:p>
+      </dgm:t>
+    </dgm:pt>
+    <dgm:pt modelId="{2C752582-D9FF-4E04-A92F-827DB4BB5C48}" type="parTrans" cxnId="{4B888393-351D-4489-90C9-5A68061AB236}">
+      <dgm:prSet/>
+      <dgm:spPr/>
+      <dgm:t>
+        <a:bodyPr/>
+        <a:lstStyle/>
+        <a:p>
+          <a:endParaRPr lang="en-US"/>
+        </a:p>
+      </dgm:t>
+    </dgm:pt>
+    <dgm:pt modelId="{9C64CC83-643C-4E12-8F97-BC19DC031190}" type="sibTrans" cxnId="{4B888393-351D-4489-90C9-5A68061AB236}">
+      <dgm:prSet phldrT="01" phldr="0"/>
+      <dgm:spPr/>
+      <dgm:t>
+        <a:bodyPr/>
+        <a:lstStyle/>
+        <a:p>
+          <a:r>
+            <a:rPr lang="en-US"/>
+            <a:t>01</a:t>
+          </a:r>
+          <a:endParaRPr lang="en-US" dirty="0"/>
+        </a:p>
+      </dgm:t>
+    </dgm:pt>
+    <dgm:pt modelId="{53742231-981F-480A-940F-203EC2F7423F}">
+      <dgm:prSet custT="1"/>
+      <dgm:spPr>
+        <a:solidFill>
+          <a:srgbClr val="99570C"/>
+        </a:solidFill>
+      </dgm:spPr>
+      <dgm:t>
+        <a:bodyPr/>
+        <a:lstStyle/>
+        <a:p>
+          <a:pPr>
+            <a:defRPr cap="all"/>
+          </a:pPr>
+          <a:r>
+            <a:rPr lang="en-US" sz="2000" b="1" cap="none" dirty="0"/>
+            <a:t>Top five best or budget: </a:t>
+          </a:r>
+        </a:p>
+        <a:p>
+          <a:pPr>
+            <a:defRPr cap="all"/>
+          </a:pPr>
+          <a:r>
+            <a:rPr lang="en-US" sz="2000" b="0" i="1" cap="none" dirty="0"/>
+            <a:t>You either have or don’t have a lot of disposable income.</a:t>
+          </a:r>
+        </a:p>
+        <a:p>
+          <a:pPr>
+            <a:defRPr cap="all"/>
+          </a:pPr>
+          <a:endParaRPr lang="en-US" sz="500" b="0" i="1" cap="none" dirty="0"/>
+        </a:p>
+        <a:p>
+          <a:pPr>
+            <a:defRPr cap="all"/>
+          </a:pPr>
+          <a:r>
+            <a:rPr lang="en-US" sz="2000" b="0" i="0" cap="none" dirty="0"/>
+            <a:t>CoffeeCompass provides a top five coffees based on the highest rating or lowest price.</a:t>
+          </a:r>
+        </a:p>
+      </dgm:t>
+    </dgm:pt>
+    <dgm:pt modelId="{2FC75195-FBA1-43DE-85DD-40B4B3A2F1F3}" type="parTrans" cxnId="{F226B1C2-5D99-403A-8240-EAD6BD4D8534}">
+      <dgm:prSet/>
+      <dgm:spPr/>
+      <dgm:t>
+        <a:bodyPr/>
+        <a:lstStyle/>
+        <a:p>
+          <a:endParaRPr lang="en-US"/>
+        </a:p>
+      </dgm:t>
+    </dgm:pt>
+    <dgm:pt modelId="{EF449C32-A7AE-4099-9E9B-9E2F736A89CE}" type="sibTrans" cxnId="{F226B1C2-5D99-403A-8240-EAD6BD4D8534}">
+      <dgm:prSet phldrT="02" phldr="0"/>
+      <dgm:spPr/>
+      <dgm:t>
+        <a:bodyPr/>
+        <a:lstStyle/>
+        <a:p>
+          <a:r>
+            <a:rPr lang="en-US"/>
+            <a:t>02</a:t>
+          </a:r>
+          <a:endParaRPr lang="en-US" dirty="0"/>
+        </a:p>
+      </dgm:t>
+    </dgm:pt>
     <dgm:pt modelId="{9EF41CC5-EF3B-4A6D-8229-3F1333EADFB3}">
       <dgm:prSet custT="1"/>
-      <dgm:spPr/>
+      <dgm:spPr>
+        <a:solidFill>
+          <a:srgbClr val="C17529"/>
+        </a:solidFill>
+      </dgm:spPr>
       <dgm:t>
         <a:bodyPr/>
         <a:lstStyle/>
@@ -1100,8 +1248,19 @@
           </a:pPr>
           <a:r>
             <a:rPr lang="en-US" sz="2000" b="0" i="0" cap="none" dirty="0"/>
-            <a:t>CoffeeCompass prompts you for some inputs and recommends a coffee based on the provided information.</a:t>
+            <a:t>CoffeeCompass asks you for some inputs and recommends a coffee based on the provided information.</a:t>
           </a:r>
+        </a:p>
+      </dgm:t>
+    </dgm:pt>
+    <dgm:pt modelId="{DAEF1C7D-B0C5-46FA-BED3-8A54E918D3E0}" type="parTrans" cxnId="{E476EEBC-7C9F-4E07-BD58-1044B9769B64}">
+      <dgm:prSet/>
+      <dgm:spPr/>
+      <dgm:t>
+        <a:bodyPr/>
+        <a:lstStyle/>
+        <a:p>
+          <a:endParaRPr lang="en-US"/>
         </a:p>
       </dgm:t>
     </dgm:pt>
@@ -1117,159 +1276,6 @@
             <a:t>03</a:t>
           </a:r>
           <a:endParaRPr lang="en-US" dirty="0"/>
-        </a:p>
-      </dgm:t>
-    </dgm:pt>
-    <dgm:pt modelId="{DAEF1C7D-B0C5-46FA-BED3-8A54E918D3E0}" type="parTrans" cxnId="{E476EEBC-7C9F-4E07-BD58-1044B9769B64}">
-      <dgm:prSet/>
-      <dgm:spPr/>
-      <dgm:t>
-        <a:bodyPr/>
-        <a:lstStyle/>
-        <a:p>
-          <a:endParaRPr lang="en-US"/>
-        </a:p>
-      </dgm:t>
-    </dgm:pt>
-    <dgm:pt modelId="{53742231-981F-480A-940F-203EC2F7423F}">
-      <dgm:prSet custT="1"/>
-      <dgm:spPr/>
-      <dgm:t>
-        <a:bodyPr/>
-        <a:lstStyle/>
-        <a:p>
-          <a:pPr>
-            <a:defRPr cap="all"/>
-          </a:pPr>
-          <a:r>
-            <a:rPr lang="en-US" sz="2000" b="1" cap="none" dirty="0"/>
-            <a:t>Top five best or budget: </a:t>
-          </a:r>
-        </a:p>
-        <a:p>
-          <a:pPr>
-            <a:defRPr cap="all"/>
-          </a:pPr>
-          <a:r>
-            <a:rPr lang="en-US" sz="2000" b="0" i="1" cap="none" dirty="0"/>
-            <a:t>You either have or don’t have a lot of money.</a:t>
-          </a:r>
-        </a:p>
-        <a:p>
-          <a:pPr>
-            <a:defRPr cap="all"/>
-          </a:pPr>
-          <a:endParaRPr lang="en-US" sz="500" b="0" i="1" cap="none" dirty="0"/>
-        </a:p>
-        <a:p>
-          <a:pPr>
-            <a:defRPr cap="all"/>
-          </a:pPr>
-          <a:r>
-            <a:rPr lang="en-US" sz="2000" b="0" i="0" cap="none" dirty="0"/>
-            <a:t>CoffeeCompass provides a top five coffees based on the highest rating or lowest price.</a:t>
-          </a:r>
-        </a:p>
-      </dgm:t>
-    </dgm:pt>
-    <dgm:pt modelId="{EF449C32-A7AE-4099-9E9B-9E2F736A89CE}" type="sibTrans" cxnId="{F226B1C2-5D99-403A-8240-EAD6BD4D8534}">
-      <dgm:prSet phldrT="02" phldr="0"/>
-      <dgm:spPr/>
-      <dgm:t>
-        <a:bodyPr/>
-        <a:lstStyle/>
-        <a:p>
-          <a:r>
-            <a:rPr lang="en-US"/>
-            <a:t>02</a:t>
-          </a:r>
-          <a:endParaRPr lang="en-US" dirty="0"/>
-        </a:p>
-      </dgm:t>
-    </dgm:pt>
-    <dgm:pt modelId="{2FC75195-FBA1-43DE-85DD-40B4B3A2F1F3}" type="parTrans" cxnId="{F226B1C2-5D99-403A-8240-EAD6BD4D8534}">
-      <dgm:prSet/>
-      <dgm:spPr/>
-      <dgm:t>
-        <a:bodyPr/>
-        <a:lstStyle/>
-        <a:p>
-          <a:endParaRPr lang="en-US"/>
-        </a:p>
-      </dgm:t>
-    </dgm:pt>
-    <dgm:pt modelId="{DC13AB6D-DEA2-4CBB-AC69-1EF1A6AD1512}">
-      <dgm:prSet custT="1"/>
-      <dgm:spPr/>
-      <dgm:t>
-        <a:bodyPr/>
-        <a:lstStyle/>
-        <a:p>
-          <a:pPr>
-            <a:defRPr cap="all"/>
-          </a:pPr>
-          <a:r>
-            <a:rPr lang="en-US" sz="2000" b="1" cap="none" dirty="0"/>
-            <a:t>Random suggestion: </a:t>
-          </a:r>
-        </a:p>
-        <a:p>
-          <a:pPr>
-            <a:defRPr cap="all"/>
-          </a:pPr>
-          <a:r>
-            <a:rPr lang="en-US" sz="2000" b="0" i="1" cap="none" dirty="0"/>
-            <a:t>You’re feeling adventurous.</a:t>
-          </a:r>
-        </a:p>
-        <a:p>
-          <a:pPr>
-            <a:defRPr cap="all"/>
-          </a:pPr>
-          <a:endParaRPr lang="en-US" sz="500" b="0" cap="none" dirty="0"/>
-        </a:p>
-        <a:p>
-          <a:pPr>
-            <a:defRPr cap="all"/>
-          </a:pPr>
-          <a:r>
-            <a:rPr lang="en-US" sz="2000" b="0" cap="none" dirty="0"/>
-            <a:t>CoffeeCompass suggests a completely random coffee from the database with </a:t>
-          </a:r>
-          <a:r>
-            <a:rPr lang="en-GB" sz="2000" b="0" cap="none" dirty="0"/>
-            <a:t>4949</a:t>
-          </a:r>
-          <a:r>
-            <a:rPr lang="en-US" sz="2000" b="0" cap="none" dirty="0"/>
-            <a:t> reviews.</a:t>
-          </a:r>
-        </a:p>
-      </dgm:t>
-    </dgm:pt>
-    <dgm:pt modelId="{9C64CC83-643C-4E12-8F97-BC19DC031190}" type="sibTrans" cxnId="{4B888393-351D-4489-90C9-5A68061AB236}">
-      <dgm:prSet phldrT="01" phldr="0"/>
-      <dgm:spPr/>
-      <dgm:t>
-        <a:bodyPr/>
-        <a:lstStyle/>
-        <a:p>
-          <a:r>
-            <a:rPr lang="en-US"/>
-            <a:t>01</a:t>
-          </a:r>
-          <a:endParaRPr lang="en-US" dirty="0"/>
-        </a:p>
-      </dgm:t>
-    </dgm:pt>
-    <dgm:pt modelId="{2C752582-D9FF-4E04-A92F-827DB4BB5C48}" type="parTrans" cxnId="{4B888393-351D-4489-90C9-5A68061AB236}">
-      <dgm:prSet/>
-      <dgm:spPr/>
-      <dgm:t>
-        <a:bodyPr/>
-        <a:lstStyle/>
-        <a:p>
-          <a:endParaRPr lang="en-US"/>
         </a:p>
       </dgm:t>
     </dgm:pt>
@@ -1380,8 +1386,8 @@
   </dgm:ptLst>
   <dgm:cxnLst>
     <dgm:cxn modelId="{43B61840-F115-4174-96B9-DA0C0E83489E}" type="presOf" srcId="{9EF41CC5-EF3B-4A6D-8229-3F1333EADFB3}" destId="{CAD62F17-E99D-4FEF-B376-961CA4CB20EB}" srcOrd="0" destOrd="0" presId="urn:microsoft.com/office/officeart/2016/7/layout/LinearBlockProcessNumbered"/>
+    <dgm:cxn modelId="{0439566F-A180-439C-8FAE-14E400EF2DCF}" type="presOf" srcId="{8AA20905-3954-474B-A606-562BCA026DC1}" destId="{579698BD-D232-4926-8D7B-29A69B90858B}" srcOrd="0" destOrd="0" presId="urn:microsoft.com/office/officeart/2016/7/layout/LinearBlockProcessNumbered"/>
     <dgm:cxn modelId="{29280853-1A86-48A7-BA30-A3847B3BBF6D}" type="presOf" srcId="{98E6DD7C-B953-4119-9F64-9914E467ECBF}" destId="{E20811D6-E5D4-4C9E-AABF-9E0E1902CA2C}" srcOrd="0" destOrd="0" presId="urn:microsoft.com/office/officeart/2016/7/layout/LinearBlockProcessNumbered"/>
-    <dgm:cxn modelId="{0439566F-A180-439C-8FAE-14E400EF2DCF}" type="presOf" srcId="{8AA20905-3954-474B-A606-562BCA026DC1}" destId="{579698BD-D232-4926-8D7B-29A69B90858B}" srcOrd="0" destOrd="0" presId="urn:microsoft.com/office/officeart/2016/7/layout/LinearBlockProcessNumbered"/>
     <dgm:cxn modelId="{F6B1598F-1951-460F-BB68-54B32A798437}" type="presOf" srcId="{DC13AB6D-DEA2-4CBB-AC69-1EF1A6AD1512}" destId="{5F398AEE-BC0F-4F30-99FA-92D67A176C2D}" srcOrd="1" destOrd="0" presId="urn:microsoft.com/office/officeart/2016/7/layout/LinearBlockProcessNumbered"/>
     <dgm:cxn modelId="{4B888393-351D-4489-90C9-5A68061AB236}" srcId="{8AA20905-3954-474B-A606-562BCA026DC1}" destId="{DC13AB6D-DEA2-4CBB-AC69-1EF1A6AD1512}" srcOrd="0" destOrd="0" parTransId="{2C752582-D9FF-4E04-A92F-827DB4BB5C48}" sibTransId="{9C64CC83-643C-4E12-8F97-BC19DC031190}"/>
     <dgm:cxn modelId="{BA068B95-2DA2-453B-8162-90B6AB26C20F}" type="presOf" srcId="{DC13AB6D-DEA2-4CBB-AC69-1EF1A6AD1512}" destId="{DA3A6BD4-857F-4C66-97FA-B1E1C180A950}" srcOrd="0" destOrd="0" presId="urn:microsoft.com/office/officeart/2016/7/layout/LinearBlockProcessNumbered"/>
@@ -1448,12 +1454,7 @@
         </a:solidFill>
         <a:ln w="15875" cap="rnd" cmpd="sng" algn="ctr">
           <a:solidFill>
-            <a:schemeClr val="accent2">
-              <a:hueOff val="0"/>
-              <a:satOff val="0"/>
-              <a:lumOff val="0"/>
-              <a:alphaOff val="0"/>
-            </a:schemeClr>
+            <a:srgbClr val="B54C2D"/>
           </a:solidFill>
           <a:prstDash val="solid"/>
         </a:ln>
@@ -1548,15 +1549,7 @@
           </a:pPr>
           <a:r>
             <a:rPr lang="en-US" sz="2000" b="0" kern="1200" cap="none" dirty="0"/>
-            <a:t>CoffeeCompass suggests a completely random coffee from the database with </a:t>
-          </a:r>
-          <a:r>
-            <a:rPr lang="en-GB" sz="2000" b="0" kern="1200" cap="none" dirty="0"/>
-            <a:t>4949</a:t>
-          </a:r>
-          <a:r>
-            <a:rPr lang="en-US" sz="2000" b="0" kern="1200" cap="none" dirty="0"/>
-            <a:t> reviews.</a:t>
+            <a:t>CoffeeCompass suggests a completely random coffee.</a:t>
           </a:r>
         </a:p>
       </dsp:txBody>
@@ -1644,12 +1637,7 @@
           <a:avLst/>
         </a:prstGeom>
         <a:solidFill>
-          <a:schemeClr val="accent3">
-            <a:hueOff val="0"/>
-            <a:satOff val="0"/>
-            <a:lumOff val="0"/>
-            <a:alphaOff val="0"/>
-          </a:schemeClr>
+          <a:srgbClr val="99570C"/>
         </a:solidFill>
         <a:ln w="15875" cap="rnd" cmpd="sng" algn="ctr">
           <a:solidFill>
@@ -1718,7 +1706,7 @@
           </a:pPr>
           <a:r>
             <a:rPr lang="en-US" sz="2000" b="0" i="1" kern="1200" cap="none" dirty="0"/>
-            <a:t>You either have or don’t have a lot of money.</a:t>
+            <a:t>You either have or don’t have a lot of disposable income.</a:t>
           </a:r>
         </a:p>
         <a:p>
@@ -1841,12 +1829,7 @@
           <a:avLst/>
         </a:prstGeom>
         <a:solidFill>
-          <a:schemeClr val="accent4">
-            <a:hueOff val="0"/>
-            <a:satOff val="0"/>
-            <a:lumOff val="0"/>
-            <a:alphaOff val="0"/>
-          </a:schemeClr>
+          <a:srgbClr val="C17529"/>
         </a:solidFill>
         <a:ln w="15875" cap="rnd" cmpd="sng" algn="ctr">
           <a:solidFill>
@@ -1950,7 +1933,7 @@
           </a:pPr>
           <a:r>
             <a:rPr lang="en-US" sz="2000" b="0" i="0" kern="1200" cap="none" dirty="0"/>
-            <a:t>CoffeeCompass prompts you for some inputs and recommends a coffee based on the provided information.</a:t>
+            <a:t>CoffeeCompass asks you for some inputs and recommends a coffee based on the provided information.</a:t>
           </a:r>
         </a:p>
       </dsp:txBody>
@@ -3352,7 +3335,7 @@
       </p:grpSpPr>
       <p:sp>
         <p:nvSpPr>
-          <p:cNvPr id="2" name="Espace réservé de l'en-tête 1"/>
+          <p:cNvPr id="2" name="Header Placeholder 1"/>
           <p:cNvSpPr>
             <a:spLocks noGrp="1"/>
           </p:cNvSpPr>
@@ -3377,13 +3360,13 @@
             </a:lvl1pPr>
           </a:lstStyle>
           <a:p>
-            <a:endParaRPr lang="fr-FR"/>
-          </a:p>
-        </p:txBody>
-      </p:sp>
-      <p:sp>
-        <p:nvSpPr>
-          <p:cNvPr id="3" name="Espace réservé de la date 2"/>
+            <a:endParaRPr lang="en-GB"/>
+          </a:p>
+        </p:txBody>
+      </p:sp>
+      <p:sp>
+        <p:nvSpPr>
+          <p:cNvPr id="3" name="Date Placeholder 2"/>
           <p:cNvSpPr>
             <a:spLocks noGrp="1"/>
           </p:cNvSpPr>
@@ -3408,17 +3391,17 @@
             </a:lvl1pPr>
           </a:lstStyle>
           <a:p>
-            <a:fld id="{27929AC1-2362-944F-8BBB-F88C54C2A763}" type="datetimeFigureOut">
-              <a:rPr lang="fr-FR" smtClean="0"/>
+            <a:fld id="{E50483E1-471E-4FC3-A599-0EF328BD2002}" type="datetimeFigureOut">
+              <a:rPr lang="en-GB" smtClean="0"/>
               <a:t>09/03/2023</a:t>
             </a:fld>
-            <a:endParaRPr lang="fr-FR"/>
-          </a:p>
-        </p:txBody>
-      </p:sp>
-      <p:sp>
-        <p:nvSpPr>
-          <p:cNvPr id="4" name="Espace réservé de l'image des diapositives 3"/>
+            <a:endParaRPr lang="en-GB"/>
+          </a:p>
+        </p:txBody>
+      </p:sp>
+      <p:sp>
+        <p:nvSpPr>
+          <p:cNvPr id="4" name="Slide Image Placeholder 3"/>
           <p:cNvSpPr>
             <a:spLocks noGrp="1" noRot="1" noChangeAspect="1"/>
           </p:cNvSpPr>
@@ -3445,13 +3428,13 @@
           <a:bodyPr vert="horz" lIns="91440" tIns="45720" rIns="91440" bIns="45720" rtlCol="0" anchor="ctr"/>
           <a:lstStyle/>
           <a:p>
-            <a:endParaRPr lang="fr-FR"/>
-          </a:p>
-        </p:txBody>
-      </p:sp>
-      <p:sp>
-        <p:nvSpPr>
-          <p:cNvPr id="5" name="Espace réservé des notes 4"/>
+            <a:endParaRPr lang="en-GB"/>
+          </a:p>
+        </p:txBody>
+      </p:sp>
+      <p:sp>
+        <p:nvSpPr>
+          <p:cNvPr id="5" name="Notes Placeholder 4"/>
           <p:cNvSpPr>
             <a:spLocks noGrp="1"/>
           </p:cNvSpPr>
@@ -3474,43 +3457,44 @@
           <a:p>
             <a:pPr lvl="0"/>
             <a:r>
-              <a:rPr lang="fr-FR"/>
-              <a:t>Cliquez pour modifier les styles du texte du masque</a:t>
+              <a:rPr lang="en-US"/>
+              <a:t>Click to edit Master text styles</a:t>
             </a:r>
           </a:p>
           <a:p>
             <a:pPr lvl="1"/>
             <a:r>
-              <a:rPr lang="fr-FR"/>
-              <a:t>Deuxième niveau</a:t>
+              <a:rPr lang="en-US"/>
+              <a:t>Second level</a:t>
             </a:r>
           </a:p>
           <a:p>
             <a:pPr lvl="2"/>
             <a:r>
-              <a:rPr lang="fr-FR"/>
-              <a:t>Troisième niveau</a:t>
+              <a:rPr lang="en-US"/>
+              <a:t>Third level</a:t>
             </a:r>
           </a:p>
           <a:p>
             <a:pPr lvl="3"/>
             <a:r>
-              <a:rPr lang="fr-FR"/>
-              <a:t>Quatrième niveau</a:t>
+              <a:rPr lang="en-US"/>
+              <a:t>Fourth level</a:t>
             </a:r>
           </a:p>
           <a:p>
             <a:pPr lvl="4"/>
             <a:r>
-              <a:rPr lang="fr-FR"/>
-              <a:t>Cinquième niveau</a:t>
-            </a:r>
-          </a:p>
-        </p:txBody>
-      </p:sp>
-      <p:sp>
-        <p:nvSpPr>
-          <p:cNvPr id="6" name="Espace réservé du pied de page 5"/>
+              <a:rPr lang="en-US"/>
+              <a:t>Fifth level</a:t>
+            </a:r>
+            <a:endParaRPr lang="en-GB"/>
+          </a:p>
+        </p:txBody>
+      </p:sp>
+      <p:sp>
+        <p:nvSpPr>
+          <p:cNvPr id="6" name="Footer Placeholder 5"/>
           <p:cNvSpPr>
             <a:spLocks noGrp="1"/>
           </p:cNvSpPr>
@@ -3535,13 +3519,13 @@
             </a:lvl1pPr>
           </a:lstStyle>
           <a:p>
-            <a:endParaRPr lang="fr-FR"/>
-          </a:p>
-        </p:txBody>
-      </p:sp>
-      <p:sp>
-        <p:nvSpPr>
-          <p:cNvPr id="7" name="Espace réservé du numéro de diapositive 6"/>
+            <a:endParaRPr lang="en-GB"/>
+          </a:p>
+        </p:txBody>
+      </p:sp>
+      <p:sp>
+        <p:nvSpPr>
+          <p:cNvPr id="7" name="Slide Number Placeholder 6"/>
           <p:cNvSpPr>
             <a:spLocks noGrp="1"/>
           </p:cNvSpPr>
@@ -3566,18 +3550,18 @@
             </a:lvl1pPr>
           </a:lstStyle>
           <a:p>
-            <a:fld id="{C5B54E7E-092B-AC45-9C6C-454D3C4625D7}" type="slidenum">
-              <a:rPr lang="fr-FR" smtClean="0"/>
-              <a:t>‹N°›</a:t>
+            <a:fld id="{A3D59595-302F-4C54-81A4-98F586F1CE08}" type="slidenum">
+              <a:rPr lang="en-GB" smtClean="0"/>
+              <a:t>‹#›</a:t>
             </a:fld>
-            <a:endParaRPr lang="fr-FR"/>
+            <a:endParaRPr lang="en-GB"/>
           </a:p>
         </p:txBody>
       </p:sp>
     </p:spTree>
     <p:extLst>
       <p:ext uri="{BB962C8B-B14F-4D97-AF65-F5344CB8AC3E}">
-        <p14:creationId xmlns:p14="http://schemas.microsoft.com/office/powerpoint/2010/main" val="1071554146"/>
+        <p14:creationId xmlns:p14="http://schemas.microsoft.com/office/powerpoint/2010/main" val="1656584209"/>
       </p:ext>
     </p:extLst>
   </p:cSld>
@@ -3696,7 +3680,7 @@
       </p:grpSpPr>
       <p:sp>
         <p:nvSpPr>
-          <p:cNvPr id="2" name="Espace réservé de l'image des diapositives 1"/>
+          <p:cNvPr id="2" name="Slide Image Placeholder 1"/>
           <p:cNvSpPr>
             <a:spLocks noGrp="1" noRot="1" noChangeAspect="1"/>
           </p:cNvSpPr>
@@ -3708,7 +3692,7 @@
       </p:sp>
       <p:sp>
         <p:nvSpPr>
-          <p:cNvPr id="3" name="Espace réservé des notes 2"/>
+          <p:cNvPr id="3" name="Notes Placeholder 2"/>
           <p:cNvSpPr>
             <a:spLocks noGrp="1"/>
           </p:cNvSpPr>
@@ -3721,96 +3705,17 @@
           <a:bodyPr/>
           <a:lstStyle/>
           <a:p>
-            <a:pPr marL="0" marR="0" lvl="0" indent="0" algn="l" defTabSz="914400" rtl="0" eaLnBrk="1" fontAlgn="auto" latinLnBrk="0" hangingPunct="1">
-              <a:lnSpc>
-                <a:spcPct val="100000"/>
-              </a:lnSpc>
-              <a:spcBef>
-                <a:spcPts val="0"/>
-              </a:spcBef>
-              <a:spcAft>
-                <a:spcPts val="0"/>
-              </a:spcAft>
-              <a:buClrTx/>
-              <a:buSzTx/>
-              <a:buFontTx/>
-              <a:buNone/>
-              <a:tabLst/>
-              <a:defRPr/>
-            </a:pPr>
-            <a:r>
-              <a:rPr lang="fr-FR" dirty="0" err="1"/>
-              <a:t>Centralized</a:t>
-            </a:r>
-            <a:endParaRPr lang="fr-FR" dirty="0"/>
-          </a:p>
-          <a:p>
-            <a:endParaRPr lang="fr-FR" dirty="0"/>
-          </a:p>
-          <a:p>
-            <a:r>
-              <a:rPr lang="fr-FR" dirty="0"/>
-              <a:t>All </a:t>
-            </a:r>
-            <a:r>
-              <a:rPr lang="fr-FR" dirty="0" err="1"/>
-              <a:t>what</a:t>
-            </a:r>
-            <a:r>
-              <a:rPr lang="fr-FR" dirty="0"/>
-              <a:t> </a:t>
-            </a:r>
-            <a:r>
-              <a:rPr lang="fr-FR" dirty="0" err="1"/>
-              <a:t>you</a:t>
-            </a:r>
-            <a:r>
-              <a:rPr lang="fr-FR" dirty="0"/>
-              <a:t> </a:t>
-            </a:r>
-            <a:r>
-              <a:rPr lang="fr-FR" dirty="0" err="1"/>
-              <a:t>need</a:t>
-            </a:r>
-            <a:r>
-              <a:rPr lang="fr-FR" dirty="0"/>
-              <a:t> to </a:t>
-            </a:r>
-            <a:r>
-              <a:rPr lang="fr-FR" dirty="0" err="1"/>
-              <a:t>choose</a:t>
-            </a:r>
-            <a:r>
-              <a:rPr lang="fr-FR" dirty="0"/>
-              <a:t> the best coffee</a:t>
-            </a:r>
-          </a:p>
-          <a:p>
-            <a:r>
-              <a:rPr lang="fr-FR" dirty="0" err="1"/>
-              <a:t>Powered</a:t>
-            </a:r>
-            <a:r>
-              <a:rPr lang="fr-FR" dirty="0"/>
-              <a:t> by machine </a:t>
-            </a:r>
-            <a:r>
-              <a:rPr lang="fr-FR" dirty="0" err="1"/>
-              <a:t>learning</a:t>
-            </a:r>
-            <a:r>
-              <a:rPr lang="fr-FR"/>
-              <a:t> </a:t>
-            </a:r>
-          </a:p>
-          <a:p>
-            <a:endParaRPr lang="fr-FR" dirty="0"/>
-          </a:p>
-        </p:txBody>
-      </p:sp>
-      <p:sp>
-        <p:nvSpPr>
-          <p:cNvPr id="4" name="Espace réservé du numéro de diapositive 3"/>
+            <a:r>
+              <a:rPr lang="de-DE" dirty="0"/>
+              <a:t>David</a:t>
+            </a:r>
+            <a:endParaRPr lang="en-GB" dirty="0"/>
+          </a:p>
+        </p:txBody>
+      </p:sp>
+      <p:sp>
+        <p:nvSpPr>
+          <p:cNvPr id="4" name="Slide Number Placeholder 3"/>
           <p:cNvSpPr>
             <a:spLocks noGrp="1"/>
           </p:cNvSpPr>
@@ -3823,18 +3728,18 @@
           <a:bodyPr/>
           <a:lstStyle/>
           <a:p>
-            <a:fld id="{C5B54E7E-092B-AC45-9C6C-454D3C4625D7}" type="slidenum">
-              <a:rPr lang="fr-FR" smtClean="0"/>
-              <a:t>3</a:t>
+            <a:fld id="{A3D59595-302F-4C54-81A4-98F586F1CE08}" type="slidenum">
+              <a:rPr lang="en-GB" smtClean="0"/>
+              <a:t>1</a:t>
             </a:fld>
-            <a:endParaRPr lang="fr-FR"/>
+            <a:endParaRPr lang="en-GB"/>
           </a:p>
         </p:txBody>
       </p:sp>
     </p:spTree>
     <p:extLst>
       <p:ext uri="{BB962C8B-B14F-4D97-AF65-F5344CB8AC3E}">
-        <p14:creationId xmlns:p14="http://schemas.microsoft.com/office/powerpoint/2010/main" val="770829867"/>
+        <p14:creationId xmlns:p14="http://schemas.microsoft.com/office/powerpoint/2010/main" val="572940093"/>
       </p:ext>
     </p:extLst>
   </p:cSld>
@@ -3863,7 +3768,7 @@
       </p:grpSpPr>
       <p:sp>
         <p:nvSpPr>
-          <p:cNvPr id="2" name="Espace réservé de l'image des diapositives 1"/>
+          <p:cNvPr id="2" name="Slide Image Placeholder 1"/>
           <p:cNvSpPr>
             <a:spLocks noGrp="1" noRot="1" noChangeAspect="1"/>
           </p:cNvSpPr>
@@ -3875,7 +3780,7 @@
       </p:sp>
       <p:sp>
         <p:nvSpPr>
-          <p:cNvPr id="3" name="Espace réservé des notes 2"/>
+          <p:cNvPr id="3" name="Notes Placeholder 2"/>
           <p:cNvSpPr>
             <a:spLocks noGrp="1"/>
           </p:cNvSpPr>
@@ -3888,13 +3793,17 @@
           <a:bodyPr/>
           <a:lstStyle/>
           <a:p>
-            <a:endParaRPr lang="fr-FR" dirty="0"/>
-          </a:p>
-        </p:txBody>
-      </p:sp>
-      <p:sp>
-        <p:nvSpPr>
-          <p:cNvPr id="4" name="Espace réservé du numéro de diapositive 3"/>
+            <a:r>
+              <a:rPr lang="de-DE" dirty="0"/>
+              <a:t>David</a:t>
+            </a:r>
+            <a:endParaRPr lang="en-GB" dirty="0"/>
+          </a:p>
+        </p:txBody>
+      </p:sp>
+      <p:sp>
+        <p:nvSpPr>
+          <p:cNvPr id="4" name="Slide Number Placeholder 3"/>
           <p:cNvSpPr>
             <a:spLocks noGrp="1"/>
           </p:cNvSpPr>
@@ -3907,18 +3816,415 @@
           <a:bodyPr/>
           <a:lstStyle/>
           <a:p>
-            <a:fld id="{C5B54E7E-092B-AC45-9C6C-454D3C4625D7}" type="slidenum">
-              <a:rPr lang="fr-FR" smtClean="0"/>
-              <a:t>4</a:t>
+            <a:fld id="{A3D59595-302F-4C54-81A4-98F586F1CE08}" type="slidenum">
+              <a:rPr lang="en-GB" smtClean="0"/>
+              <a:t>2</a:t>
             </a:fld>
-            <a:endParaRPr lang="fr-FR"/>
+            <a:endParaRPr lang="en-GB"/>
           </a:p>
         </p:txBody>
       </p:sp>
     </p:spTree>
     <p:extLst>
       <p:ext uri="{BB962C8B-B14F-4D97-AF65-F5344CB8AC3E}">
-        <p14:creationId xmlns:p14="http://schemas.microsoft.com/office/powerpoint/2010/main" val="1659374218"/>
+        <p14:creationId xmlns:p14="http://schemas.microsoft.com/office/powerpoint/2010/main" val="125361633"/>
+      </p:ext>
+    </p:extLst>
+  </p:cSld>
+  <p:clrMapOvr>
+    <a:masterClrMapping/>
+  </p:clrMapOvr>
+</p:notes>
+</file>
+
+<file path=ppt/notesSlides/notesSlide3.xml><?xml version="1.0" encoding="utf-8"?>
+<p:notes xmlns:a="http://schemas.openxmlformats.org/drawingml/2006/main" xmlns:r="http://schemas.openxmlformats.org/officeDocument/2006/relationships" xmlns:p="http://schemas.openxmlformats.org/presentationml/2006/main">
+  <p:cSld>
+    <p:spTree>
+      <p:nvGrpSpPr>
+        <p:cNvPr id="1" name=""/>
+        <p:cNvGrpSpPr/>
+        <p:nvPr/>
+      </p:nvGrpSpPr>
+      <p:grpSpPr>
+        <a:xfrm>
+          <a:off x="0" y="0"/>
+          <a:ext cx="0" cy="0"/>
+          <a:chOff x="0" y="0"/>
+          <a:chExt cx="0" cy="0"/>
+        </a:xfrm>
+      </p:grpSpPr>
+      <p:sp>
+        <p:nvSpPr>
+          <p:cNvPr id="2" name="Slide Image Placeholder 1"/>
+          <p:cNvSpPr>
+            <a:spLocks noGrp="1" noRot="1" noChangeAspect="1"/>
+          </p:cNvSpPr>
+          <p:nvPr>
+            <p:ph type="sldImg"/>
+          </p:nvPr>
+        </p:nvSpPr>
+        <p:spPr/>
+      </p:sp>
+      <p:sp>
+        <p:nvSpPr>
+          <p:cNvPr id="3" name="Notes Placeholder 2"/>
+          <p:cNvSpPr>
+            <a:spLocks noGrp="1"/>
+          </p:cNvSpPr>
+          <p:nvPr>
+            <p:ph type="body" idx="1"/>
+          </p:nvPr>
+        </p:nvSpPr>
+        <p:spPr/>
+        <p:txBody>
+          <a:bodyPr/>
+          <a:lstStyle/>
+          <a:p>
+            <a:r>
+              <a:rPr lang="de-DE" dirty="0"/>
+              <a:t>David</a:t>
+            </a:r>
+            <a:endParaRPr lang="en-GB" dirty="0"/>
+          </a:p>
+        </p:txBody>
+      </p:sp>
+      <p:sp>
+        <p:nvSpPr>
+          <p:cNvPr id="4" name="Slide Number Placeholder 3"/>
+          <p:cNvSpPr>
+            <a:spLocks noGrp="1"/>
+          </p:cNvSpPr>
+          <p:nvPr>
+            <p:ph type="sldNum" sz="quarter" idx="5"/>
+          </p:nvPr>
+        </p:nvSpPr>
+        <p:spPr/>
+        <p:txBody>
+          <a:bodyPr/>
+          <a:lstStyle/>
+          <a:p>
+            <a:fld id="{A3D59595-302F-4C54-81A4-98F586F1CE08}" type="slidenum">
+              <a:rPr lang="en-GB" smtClean="0"/>
+              <a:t>3</a:t>
+            </a:fld>
+            <a:endParaRPr lang="en-GB"/>
+          </a:p>
+        </p:txBody>
+      </p:sp>
+    </p:spTree>
+    <p:extLst>
+      <p:ext uri="{BB962C8B-B14F-4D97-AF65-F5344CB8AC3E}">
+        <p14:creationId xmlns:p14="http://schemas.microsoft.com/office/powerpoint/2010/main" val="2698085422"/>
+      </p:ext>
+    </p:extLst>
+  </p:cSld>
+  <p:clrMapOvr>
+    <a:masterClrMapping/>
+  </p:clrMapOvr>
+</p:notes>
+</file>
+
+<file path=ppt/notesSlides/notesSlide4.xml><?xml version="1.0" encoding="utf-8"?>
+<p:notes xmlns:a="http://schemas.openxmlformats.org/drawingml/2006/main" xmlns:r="http://schemas.openxmlformats.org/officeDocument/2006/relationships" xmlns:p="http://schemas.openxmlformats.org/presentationml/2006/main">
+  <p:cSld>
+    <p:spTree>
+      <p:nvGrpSpPr>
+        <p:cNvPr id="1" name=""/>
+        <p:cNvGrpSpPr/>
+        <p:nvPr/>
+      </p:nvGrpSpPr>
+      <p:grpSpPr>
+        <a:xfrm>
+          <a:off x="0" y="0"/>
+          <a:ext cx="0" cy="0"/>
+          <a:chOff x="0" y="0"/>
+          <a:chExt cx="0" cy="0"/>
+        </a:xfrm>
+      </p:grpSpPr>
+      <p:sp>
+        <p:nvSpPr>
+          <p:cNvPr id="2" name="Slide Image Placeholder 1"/>
+          <p:cNvSpPr>
+            <a:spLocks noGrp="1" noRot="1" noChangeAspect="1"/>
+          </p:cNvSpPr>
+          <p:nvPr>
+            <p:ph type="sldImg"/>
+          </p:nvPr>
+        </p:nvSpPr>
+        <p:spPr/>
+      </p:sp>
+      <p:sp>
+        <p:nvSpPr>
+          <p:cNvPr id="3" name="Notes Placeholder 2"/>
+          <p:cNvSpPr>
+            <a:spLocks noGrp="1"/>
+          </p:cNvSpPr>
+          <p:nvPr>
+            <p:ph type="body" idx="1"/>
+          </p:nvPr>
+        </p:nvSpPr>
+        <p:spPr/>
+        <p:txBody>
+          <a:bodyPr/>
+          <a:lstStyle/>
+          <a:p>
+            <a:r>
+              <a:rPr lang="de-DE" dirty="0"/>
+              <a:t>Laurens</a:t>
+            </a:r>
+            <a:endParaRPr lang="en-GB" dirty="0"/>
+          </a:p>
+        </p:txBody>
+      </p:sp>
+      <p:sp>
+        <p:nvSpPr>
+          <p:cNvPr id="4" name="Slide Number Placeholder 3"/>
+          <p:cNvSpPr>
+            <a:spLocks noGrp="1"/>
+          </p:cNvSpPr>
+          <p:nvPr>
+            <p:ph type="sldNum" sz="quarter" idx="5"/>
+          </p:nvPr>
+        </p:nvSpPr>
+        <p:spPr/>
+        <p:txBody>
+          <a:bodyPr/>
+          <a:lstStyle/>
+          <a:p>
+            <a:fld id="{A3D59595-302F-4C54-81A4-98F586F1CE08}" type="slidenum">
+              <a:rPr lang="en-GB" smtClean="0"/>
+              <a:t>4</a:t>
+            </a:fld>
+            <a:endParaRPr lang="en-GB"/>
+          </a:p>
+        </p:txBody>
+      </p:sp>
+    </p:spTree>
+    <p:extLst>
+      <p:ext uri="{BB962C8B-B14F-4D97-AF65-F5344CB8AC3E}">
+        <p14:creationId xmlns:p14="http://schemas.microsoft.com/office/powerpoint/2010/main" val="3291795372"/>
+      </p:ext>
+    </p:extLst>
+  </p:cSld>
+  <p:clrMapOvr>
+    <a:masterClrMapping/>
+  </p:clrMapOvr>
+</p:notes>
+</file>
+
+<file path=ppt/notesSlides/notesSlide5.xml><?xml version="1.0" encoding="utf-8"?>
+<p:notes xmlns:a="http://schemas.openxmlformats.org/drawingml/2006/main" xmlns:r="http://schemas.openxmlformats.org/officeDocument/2006/relationships" xmlns:p="http://schemas.openxmlformats.org/presentationml/2006/main">
+  <p:cSld>
+    <p:spTree>
+      <p:nvGrpSpPr>
+        <p:cNvPr id="1" name=""/>
+        <p:cNvGrpSpPr/>
+        <p:nvPr/>
+      </p:nvGrpSpPr>
+      <p:grpSpPr>
+        <a:xfrm>
+          <a:off x="0" y="0"/>
+          <a:ext cx="0" cy="0"/>
+          <a:chOff x="0" y="0"/>
+          <a:chExt cx="0" cy="0"/>
+        </a:xfrm>
+      </p:grpSpPr>
+      <p:sp>
+        <p:nvSpPr>
+          <p:cNvPr id="2" name="Slide Image Placeholder 1"/>
+          <p:cNvSpPr>
+            <a:spLocks noGrp="1" noRot="1" noChangeAspect="1"/>
+          </p:cNvSpPr>
+          <p:nvPr>
+            <p:ph type="sldImg"/>
+          </p:nvPr>
+        </p:nvSpPr>
+        <p:spPr/>
+      </p:sp>
+      <p:sp>
+        <p:nvSpPr>
+          <p:cNvPr id="3" name="Notes Placeholder 2"/>
+          <p:cNvSpPr>
+            <a:spLocks noGrp="1"/>
+          </p:cNvSpPr>
+          <p:nvPr>
+            <p:ph type="body" idx="1"/>
+          </p:nvPr>
+        </p:nvSpPr>
+        <p:spPr/>
+        <p:txBody>
+          <a:bodyPr/>
+          <a:lstStyle/>
+          <a:p>
+            <a:r>
+              <a:rPr lang="de-DE" dirty="0" err="1"/>
+              <a:t>Machine</a:t>
+            </a:r>
+            <a:r>
+              <a:rPr lang="de-DE" dirty="0"/>
+              <a:t> Learning: Laurens</a:t>
+            </a:r>
+          </a:p>
+          <a:p>
+            <a:r>
+              <a:rPr lang="de-DE" dirty="0"/>
+              <a:t>Natural Language Processing: David</a:t>
+            </a:r>
+          </a:p>
+          <a:p>
+            <a:endParaRPr lang="de-DE" dirty="0"/>
+          </a:p>
+          <a:p>
+            <a:r>
+              <a:rPr lang="de-DE" dirty="0" err="1"/>
+              <a:t>Jupyter</a:t>
+            </a:r>
+            <a:r>
+              <a:rPr lang="de-DE" dirty="0"/>
+              <a:t> Notebook: Laurens</a:t>
+            </a:r>
+          </a:p>
+          <a:p>
+            <a:endParaRPr lang="de-DE" dirty="0"/>
+          </a:p>
+          <a:p>
+            <a:r>
+              <a:rPr lang="de-DE" dirty="0"/>
+              <a:t>Show </a:t>
+            </a:r>
+            <a:r>
+              <a:rPr lang="de-DE" dirty="0" err="1"/>
+              <a:t>following</a:t>
+            </a:r>
+            <a:r>
+              <a:rPr lang="de-DE" dirty="0"/>
+              <a:t>:</a:t>
+            </a:r>
+          </a:p>
+          <a:p>
+            <a:pPr marL="171450" indent="-171450">
+              <a:buFontTx/>
+              <a:buChar char="-"/>
+            </a:pPr>
+            <a:r>
+              <a:rPr lang="de-DE" dirty="0"/>
+              <a:t>Option 1</a:t>
+            </a:r>
+          </a:p>
+          <a:p>
+            <a:pPr marL="171450" indent="-171450">
+              <a:buFontTx/>
+              <a:buChar char="-"/>
+            </a:pPr>
+            <a:r>
+              <a:rPr lang="de-DE" dirty="0"/>
+              <a:t>Option 2 (</a:t>
+            </a:r>
+            <a:r>
+              <a:rPr lang="de-DE" dirty="0" err="1"/>
+              <a:t>only</a:t>
+            </a:r>
+            <a:r>
+              <a:rPr lang="de-DE" dirty="0"/>
+              <a:t> </a:t>
+            </a:r>
+            <a:r>
+              <a:rPr lang="de-DE" dirty="0" err="1"/>
+              <a:t>the</a:t>
+            </a:r>
+            <a:r>
+              <a:rPr lang="de-DE" dirty="0"/>
+              <a:t> top </a:t>
+            </a:r>
+            <a:r>
+              <a:rPr lang="de-DE" dirty="0" err="1"/>
+              <a:t>five</a:t>
+            </a:r>
+            <a:r>
+              <a:rPr lang="de-DE" dirty="0"/>
+              <a:t> </a:t>
+            </a:r>
+            <a:r>
+              <a:rPr lang="de-DE" dirty="0" err="1"/>
+              <a:t>price</a:t>
+            </a:r>
+            <a:r>
+              <a:rPr lang="de-DE" dirty="0"/>
+              <a:t>)</a:t>
+            </a:r>
+          </a:p>
+          <a:p>
+            <a:pPr marL="171450" indent="-171450">
+              <a:buFontTx/>
+              <a:buChar char="-"/>
+            </a:pPr>
+            <a:r>
+              <a:rPr lang="de-DE" dirty="0"/>
+              <a:t>Option 3 (</a:t>
+            </a:r>
+            <a:r>
+              <a:rPr lang="de-DE" dirty="0" err="1"/>
+              <a:t>ask</a:t>
+            </a:r>
+            <a:r>
+              <a:rPr lang="de-DE" dirty="0"/>
+              <a:t> </a:t>
+            </a:r>
+            <a:r>
+              <a:rPr lang="de-DE" dirty="0" err="1"/>
+              <a:t>audience</a:t>
+            </a:r>
+            <a:r>
+              <a:rPr lang="de-DE" dirty="0"/>
+              <a:t> </a:t>
+            </a:r>
+            <a:r>
+              <a:rPr lang="de-DE" dirty="0" err="1"/>
+              <a:t>for</a:t>
+            </a:r>
+            <a:r>
+              <a:rPr lang="de-DE" dirty="0"/>
+              <a:t> </a:t>
+            </a:r>
+            <a:r>
+              <a:rPr lang="de-DE" dirty="0" err="1"/>
+              <a:t>characteristic</a:t>
+            </a:r>
+            <a:r>
+              <a:rPr lang="de-DE" dirty="0"/>
+              <a:t>)</a:t>
+            </a:r>
+          </a:p>
+        </p:txBody>
+      </p:sp>
+      <p:sp>
+        <p:nvSpPr>
+          <p:cNvPr id="4" name="Slide Number Placeholder 3"/>
+          <p:cNvSpPr>
+            <a:spLocks noGrp="1"/>
+          </p:cNvSpPr>
+          <p:nvPr>
+            <p:ph type="sldNum" sz="quarter" idx="5"/>
+          </p:nvPr>
+        </p:nvSpPr>
+        <p:spPr/>
+        <p:txBody>
+          <a:bodyPr/>
+          <a:lstStyle/>
+          <a:p>
+            <a:fld id="{A3D59595-302F-4C54-81A4-98F586F1CE08}" type="slidenum">
+              <a:rPr lang="en-GB" smtClean="0"/>
+              <a:t>5</a:t>
+            </a:fld>
+            <a:endParaRPr lang="en-GB"/>
+          </a:p>
+        </p:txBody>
+      </p:sp>
+    </p:spTree>
+    <p:extLst>
+      <p:ext uri="{BB962C8B-B14F-4D97-AF65-F5344CB8AC3E}">
+        <p14:creationId xmlns:p14="http://schemas.microsoft.com/office/powerpoint/2010/main" val="2123676454"/>
       </p:ext>
     </p:extLst>
   </p:cSld>
@@ -4113,7 +4419,7 @@
           <a:p>
             <a:fld id="{88D38747-4367-4BD2-8D51-C97E202738E2}" type="datetime1">
               <a:rPr lang="en-US" smtClean="0"/>
-              <a:t>3/9/23</a:t>
+              <a:t>3/9/2023</a:t>
             </a:fld>
             <a:endParaRPr lang="en-US" dirty="0"/>
           </a:p>
@@ -4156,7 +4462,7 @@
             <a:fld id="{3A98EE3D-8CD1-4C3F-BD1C-C98C9596463C}" type="slidenum">
               <a:rPr lang="en-US" smtClean="0"/>
               <a:pPr/>
-              <a:t>‹N°›</a:t>
+              <a:t>‹#›</a:t>
             </a:fld>
             <a:endParaRPr lang="en-US" dirty="0"/>
           </a:p>
@@ -4418,7 +4724,7 @@
           <a:p>
             <a:fld id="{11F1B079-7EF0-44EE-B798-BCC497C9F3B2}" type="datetime1">
               <a:rPr lang="en-US" smtClean="0"/>
-              <a:t>3/9/23</a:t>
+              <a:t>3/9/2023</a:t>
             </a:fld>
             <a:endParaRPr lang="en-US" dirty="0"/>
           </a:p>
@@ -4460,7 +4766,7 @@
           <a:p>
             <a:fld id="{3A98EE3D-8CD1-4C3F-BD1C-C98C9596463C}" type="slidenum">
               <a:rPr lang="en-US" smtClean="0"/>
-              <a:t>‹N°›</a:t>
+              <a:t>‹#›</a:t>
             </a:fld>
             <a:endParaRPr lang="en-US" dirty="0"/>
           </a:p>
@@ -4612,7 +4918,7 @@
           <a:p>
             <a:fld id="{28FF70A8-1D13-4657-95F0-A9EA54967B8D}" type="datetime1">
               <a:rPr lang="en-US" smtClean="0"/>
-              <a:t>3/9/23</a:t>
+              <a:t>3/9/2023</a:t>
             </a:fld>
             <a:endParaRPr lang="en-US" dirty="0"/>
           </a:p>
@@ -4654,7 +4960,7 @@
           <a:p>
             <a:fld id="{3A98EE3D-8CD1-4C3F-BD1C-C98C9596463C}" type="slidenum">
               <a:rPr lang="en-US" smtClean="0"/>
-              <a:t>‹N°›</a:t>
+              <a:t>‹#›</a:t>
             </a:fld>
             <a:endParaRPr lang="en-US" dirty="0"/>
           </a:p>
@@ -4875,7 +5181,7 @@
           <a:p>
             <a:fld id="{21EB90AC-71BD-4C7F-8ACA-7B3F18292E63}" type="datetime1">
               <a:rPr lang="en-US" smtClean="0"/>
-              <a:t>3/9/23</a:t>
+              <a:t>3/9/2023</a:t>
             </a:fld>
             <a:endParaRPr lang="en-US" dirty="0"/>
           </a:p>
@@ -4917,7 +5223,7 @@
           <a:p>
             <a:fld id="{3A98EE3D-8CD1-4C3F-BD1C-C98C9596463C}" type="slidenum">
               <a:rPr lang="en-US" smtClean="0"/>
-              <a:t>‹N°›</a:t>
+              <a:t>‹#›</a:t>
             </a:fld>
             <a:endParaRPr lang="en-US" dirty="0"/>
           </a:p>
@@ -5311,7 +5617,7 @@
           <a:p>
             <a:fld id="{4E6EFC2C-8905-46F0-B443-CE905B76BA01}" type="datetime1">
               <a:rPr lang="en-US" smtClean="0"/>
-              <a:t>3/9/23</a:t>
+              <a:t>3/9/2023</a:t>
             </a:fld>
             <a:endParaRPr lang="en-US" dirty="0"/>
           </a:p>
@@ -5353,7 +5659,7 @@
           <a:p>
             <a:fld id="{3A98EE3D-8CD1-4C3F-BD1C-C98C9596463C}" type="slidenum">
               <a:rPr lang="en-US" smtClean="0"/>
-              <a:t>‹N°›</a:t>
+              <a:t>‹#›</a:t>
             </a:fld>
             <a:endParaRPr lang="en-US" dirty="0"/>
           </a:p>
@@ -5848,7 +6154,7 @@
           <a:p>
             <a:fld id="{D9079DC3-C9B5-499E-9140-0DC28B7074E2}" type="datetime1">
               <a:rPr lang="en-US" smtClean="0"/>
-              <a:t>3/9/23</a:t>
+              <a:t>3/9/2023</a:t>
             </a:fld>
             <a:endParaRPr lang="en-US" dirty="0"/>
           </a:p>
@@ -5890,7 +6196,7 @@
           <a:p>
             <a:fld id="{3A98EE3D-8CD1-4C3F-BD1C-C98C9596463C}" type="slidenum">
               <a:rPr lang="en-US" smtClean="0"/>
-              <a:t>‹N°›</a:t>
+              <a:t>‹#›</a:t>
             </a:fld>
             <a:endParaRPr lang="en-US" dirty="0"/>
           </a:p>
@@ -6730,7 +7036,7 @@
           <a:p>
             <a:fld id="{30BB33EA-E472-4D22-9C03-A9C14AA21CED}" type="datetime1">
               <a:rPr lang="en-US" smtClean="0"/>
-              <a:t>3/9/23</a:t>
+              <a:t>3/9/2023</a:t>
             </a:fld>
             <a:endParaRPr lang="en-US" dirty="0"/>
           </a:p>
@@ -6772,7 +7078,7 @@
           <a:p>
             <a:fld id="{3A98EE3D-8CD1-4C3F-BD1C-C98C9596463C}" type="slidenum">
               <a:rPr lang="en-US" smtClean="0"/>
-              <a:t>‹N°›</a:t>
+              <a:t>‹#›</a:t>
             </a:fld>
             <a:endParaRPr lang="en-US" dirty="0"/>
           </a:p>
@@ -6900,7 +7206,7 @@
           <a:p>
             <a:fld id="{217E833E-1B6D-415F-AD29-75AE8C43BD0D}" type="datetime1">
               <a:rPr lang="en-US" smtClean="0"/>
-              <a:t>3/9/23</a:t>
+              <a:t>3/9/2023</a:t>
             </a:fld>
             <a:endParaRPr lang="en-US" dirty="0"/>
           </a:p>
@@ -6942,7 +7248,7 @@
           <a:p>
             <a:fld id="{3A98EE3D-8CD1-4C3F-BD1C-C98C9596463C}" type="slidenum">
               <a:rPr lang="en-US" smtClean="0"/>
-              <a:t>‹N°›</a:t>
+              <a:t>‹#›</a:t>
             </a:fld>
             <a:endParaRPr lang="en-US" dirty="0"/>
           </a:p>
@@ -7084,7 +7390,7 @@
           <a:p>
             <a:fld id="{8452596F-08A7-4B70-989A-F2B1CF31E66B}" type="datetime1">
               <a:rPr lang="en-US" smtClean="0"/>
-              <a:t>3/9/23</a:t>
+              <a:t>3/9/2023</a:t>
             </a:fld>
             <a:endParaRPr lang="en-US" dirty="0"/>
           </a:p>
@@ -7126,7 +7432,7 @@
           <a:p>
             <a:fld id="{3A98EE3D-8CD1-4C3F-BD1C-C98C9596463C}" type="slidenum">
               <a:rPr lang="en-US" smtClean="0"/>
-              <a:t>‹N°›</a:t>
+              <a:t>‹#›</a:t>
             </a:fld>
             <a:endParaRPr lang="en-US" dirty="0"/>
           </a:p>
@@ -7254,7 +7560,7 @@
           <a:p>
             <a:fld id="{73C55A3C-5767-4844-A0A3-83778C2E5409}" type="datetime1">
               <a:rPr lang="en-US" smtClean="0"/>
-              <a:t>3/9/23</a:t>
+              <a:t>3/9/2023</a:t>
             </a:fld>
             <a:endParaRPr lang="en-US" dirty="0"/>
           </a:p>
@@ -7296,7 +7602,7 @@
           <a:p>
             <a:fld id="{3A98EE3D-8CD1-4C3F-BD1C-C98C9596463C}" type="slidenum">
               <a:rPr lang="en-US" smtClean="0"/>
-              <a:t>‹N°›</a:t>
+              <a:t>‹#›</a:t>
             </a:fld>
             <a:endParaRPr lang="en-US" dirty="0"/>
           </a:p>
@@ -7498,7 +7804,7 @@
           <a:p>
             <a:fld id="{CAE507A8-A5CF-4D38-AB86-7EDDA87A85D4}" type="datetime1">
               <a:rPr lang="en-US" smtClean="0"/>
-              <a:t>3/9/23</a:t>
+              <a:t>3/9/2023</a:t>
             </a:fld>
             <a:endParaRPr lang="en-US" dirty="0"/>
           </a:p>
@@ -7541,7 +7847,7 @@
             <a:fld id="{3A98EE3D-8CD1-4C3F-BD1C-C98C9596463C}" type="slidenum">
               <a:rPr lang="en-US" smtClean="0"/>
               <a:pPr/>
-              <a:t>‹N°›</a:t>
+              <a:t>‹#›</a:t>
             </a:fld>
             <a:endParaRPr lang="en-US" dirty="0"/>
           </a:p>
@@ -7740,7 +8046,7 @@
           <a:p>
             <a:fld id="{BDFCD27C-8599-43EF-BA1D-14DDC1946E06}" type="datetime1">
               <a:rPr lang="en-US" smtClean="0"/>
-              <a:t>3/9/23</a:t>
+              <a:t>3/9/2023</a:t>
             </a:fld>
             <a:endParaRPr lang="en-US" dirty="0"/>
           </a:p>
@@ -7782,7 +8088,7 @@
           <a:p>
             <a:fld id="{3A98EE3D-8CD1-4C3F-BD1C-C98C9596463C}" type="slidenum">
               <a:rPr lang="en-US" smtClean="0"/>
-              <a:t>‹N°›</a:t>
+              <a:t>‹#›</a:t>
             </a:fld>
             <a:endParaRPr lang="en-US" dirty="0"/>
           </a:p>
@@ -8223,7 +8529,7 @@
           <a:p>
             <a:fld id="{49343D99-809A-49C0-96E5-4250D0B498EE}" type="datetime1">
               <a:rPr lang="en-US" smtClean="0"/>
-              <a:t>3/9/23</a:t>
+              <a:t>3/9/2023</a:t>
             </a:fld>
             <a:endParaRPr lang="en-US" dirty="0"/>
           </a:p>
@@ -8265,7 +8571,7 @@
           <a:p>
             <a:fld id="{3A98EE3D-8CD1-4C3F-BD1C-C98C9596463C}" type="slidenum">
               <a:rPr lang="en-US" smtClean="0"/>
-              <a:t>‹N°›</a:t>
+              <a:t>‹#›</a:t>
             </a:fld>
             <a:endParaRPr lang="en-US" dirty="0"/>
           </a:p>
@@ -8341,7 +8647,7 @@
           <a:p>
             <a:fld id="{A143DE9B-B678-4EFB-BB7D-A4370204A0B0}" type="datetime1">
               <a:rPr lang="en-US" smtClean="0"/>
-              <a:t>3/9/23</a:t>
+              <a:t>3/9/2023</a:t>
             </a:fld>
             <a:endParaRPr lang="en-US" dirty="0"/>
           </a:p>
@@ -8383,7 +8689,7 @@
           <a:p>
             <a:fld id="{3A98EE3D-8CD1-4C3F-BD1C-C98C9596463C}" type="slidenum">
               <a:rPr lang="en-US" smtClean="0"/>
-              <a:t>‹N°›</a:t>
+              <a:t>‹#›</a:t>
             </a:fld>
             <a:endParaRPr lang="en-US" dirty="0"/>
           </a:p>
@@ -8436,7 +8742,7 @@
           <a:p>
             <a:fld id="{E68812DA-F765-4142-A6A3-A8ED7235E082}" type="datetime1">
               <a:rPr lang="en-US" smtClean="0"/>
-              <a:t>3/9/23</a:t>
+              <a:t>3/9/2023</a:t>
             </a:fld>
             <a:endParaRPr lang="en-US" dirty="0"/>
           </a:p>
@@ -8478,7 +8784,7 @@
           <a:p>
             <a:fld id="{3A98EE3D-8CD1-4C3F-BD1C-C98C9596463C}" type="slidenum">
               <a:rPr lang="en-US" smtClean="0"/>
-              <a:t>‹N°›</a:t>
+              <a:t>‹#›</a:t>
             </a:fld>
             <a:endParaRPr lang="en-US" dirty="0"/>
           </a:p>
@@ -8691,7 +8997,7 @@
           <a:p>
             <a:fld id="{3E0277FD-7DE6-41D4-930D-AC99F5AFE54E}" type="datetime1">
               <a:rPr lang="en-US" smtClean="0"/>
-              <a:t>3/9/23</a:t>
+              <a:t>3/9/2023</a:t>
             </a:fld>
             <a:endParaRPr lang="en-US" dirty="0"/>
           </a:p>
@@ -8734,7 +9040,7 @@
             <a:fld id="{3A98EE3D-8CD1-4C3F-BD1C-C98C9596463C}" type="slidenum">
               <a:rPr lang="en-US" smtClean="0"/>
               <a:pPr/>
-              <a:t>‹N°›</a:t>
+              <a:t>‹#›</a:t>
             </a:fld>
             <a:endParaRPr lang="en-US" dirty="0"/>
           </a:p>
@@ -8998,7 +9304,7 @@
           <a:p>
             <a:fld id="{9EA15526-7079-4B7B-987C-1B5FAE11A0FF}" type="datetime1">
               <a:rPr lang="en-US" smtClean="0"/>
-              <a:t>3/9/23</a:t>
+              <a:t>3/9/2023</a:t>
             </a:fld>
             <a:endParaRPr lang="en-US" dirty="0"/>
           </a:p>
@@ -9041,7 +9347,7 @@
           <a:p>
             <a:fld id="{3A98EE3D-8CD1-4C3F-BD1C-C98C9596463C}" type="slidenum">
               <a:rPr lang="en-US" smtClean="0"/>
-              <a:t>‹N°›</a:t>
+              <a:t>‹#›</a:t>
             </a:fld>
             <a:endParaRPr lang="en-US" dirty="0"/>
           </a:p>
@@ -9233,7 +9539,7 @@
           <a:p>
             <a:fld id="{073ED0CC-082F-4160-86E5-0D6041F12778}" type="datetime1">
               <a:rPr lang="en-US" smtClean="0"/>
-              <a:t>3/9/23</a:t>
+              <a:t>3/9/2023</a:t>
             </a:fld>
             <a:endParaRPr lang="en-US" dirty="0"/>
           </a:p>
@@ -9325,7 +9631,7 @@
           <a:p>
             <a:fld id="{3A98EE3D-8CD1-4C3F-BD1C-C98C9596463C}" type="slidenum">
               <a:rPr lang="en-US" smtClean="0"/>
-              <a:t>‹N°›</a:t>
+              <a:t>‹#›</a:t>
             </a:fld>
             <a:endParaRPr lang="en-US" dirty="0"/>
           </a:p>
@@ -9903,7 +10209,7 @@
     <p:bg>
       <p:bgPr>
         <a:blipFill rotWithShape="1">
-          <a:blip r:embed="rId2">
+          <a:blip r:embed="rId3">
             <a:duotone>
               <a:schemeClr val="bg1">
                 <a:shade val="80000"/>
@@ -9948,7 +10254,7 @@
           <p:nvPr/>
         </p:nvPicPr>
         <p:blipFill rotWithShape="1">
-          <a:blip r:embed="rId3">
+          <a:blip r:embed="rId4">
             <a:alphaModFix amt="35000"/>
             <a:extLst>
               <a:ext uri="{28A0092B-C50C-407E-A947-70E740481C1C}">
@@ -9998,7 +10304,7 @@
           <a:lstStyle/>
           <a:p>
             <a:r>
-              <a:rPr lang="en-US" sz="8000" dirty="0"/>
+              <a:rPr lang="en-US" sz="8000" b="1" dirty="0"/>
               <a:t>CoffeeCompass</a:t>
             </a:r>
           </a:p>
@@ -10028,13 +10334,22 @@
         </p:spPr>
         <p:txBody>
           <a:bodyPr>
-            <a:normAutofit/>
+            <a:normAutofit lnSpcReduction="10000"/>
           </a:bodyPr>
           <a:lstStyle/>
           <a:p>
             <a:r>
               <a:rPr lang="en-US" sz="2800" dirty="0"/>
               <a:t>Final project by David Guillet and Laurens Duin</a:t>
+            </a:r>
+          </a:p>
+          <a:p>
+            <a:endParaRPr lang="en-US" sz="1800" dirty="0"/>
+          </a:p>
+          <a:p>
+            <a:r>
+              <a:rPr lang="en-US" sz="1800" dirty="0"/>
+              <a:t>Ironhack DAFT JAN2023</a:t>
             </a:r>
           </a:p>
         </p:txBody>
@@ -10092,7 +10407,15 @@
           <a:p>
             <a:r>
               <a:rPr lang="en-GB" dirty="0"/>
-              <a:t>Finding good coffee can be challenging</a:t>
+              <a:t>Finding </a:t>
+            </a:r>
+            <a:r>
+              <a:rPr lang="en-GB" b="1" dirty="0"/>
+              <a:t>good</a:t>
+            </a:r>
+            <a:r>
+              <a:rPr lang="en-GB" dirty="0"/>
+              <a:t> coffee can be challenging</a:t>
             </a:r>
           </a:p>
         </p:txBody>
@@ -10113,46 +10436,39 @@
             <p:ph idx="1"/>
           </p:nvPr>
         </p:nvSpPr>
-        <p:spPr/>
+        <p:spPr>
+          <a:xfrm>
+            <a:off x="913795" y="2076450"/>
+            <a:ext cx="10353762" cy="4171950"/>
+          </a:xfrm>
+        </p:spPr>
         <p:txBody>
           <a:bodyPr>
-            <a:normAutofit lnSpcReduction="10000"/>
+            <a:normAutofit/>
           </a:bodyPr>
           <a:lstStyle/>
           <a:p>
             <a:r>
-              <a:rPr lang="en-GB" dirty="0"/>
-              <a:t>Many different options</a:t>
-            </a:r>
-          </a:p>
-          <a:p>
-            <a:r>
-              <a:rPr lang="en-GB" dirty="0"/>
-              <a:t>Difficult to estimate what different coffees taste like</a:t>
-            </a:r>
-          </a:p>
-          <a:p>
-            <a:endParaRPr lang="en-GB" dirty="0"/>
-          </a:p>
-          <a:p>
-            <a:endParaRPr lang="en-GB" dirty="0"/>
-          </a:p>
-          <a:p>
-            <a:endParaRPr lang="en-GB" dirty="0"/>
-          </a:p>
-          <a:p>
-            <a:pPr marL="36900" indent="0">
-              <a:buNone/>
-            </a:pPr>
-            <a:endParaRPr lang="en-GB" dirty="0"/>
-          </a:p>
-          <a:p>
-            <a:pPr marL="36900" indent="0">
-              <a:buNone/>
-            </a:pPr>
-            <a:r>
               <a:rPr lang="en-GB" sz="3100" dirty="0"/>
-              <a:t>Many problems, one solution: CoffeeCompas</a:t>
+              <a:t> Plenty of coffees around with huge range of characteristics and flavour profiles</a:t>
+            </a:r>
+          </a:p>
+          <a:p>
+            <a:r>
+              <a:rPr lang="en-GB" sz="3100" dirty="0"/>
+              <a:t> Lack of time and energy to compare</a:t>
+            </a:r>
+          </a:p>
+          <a:p>
+            <a:r>
+              <a:rPr lang="en-GB" sz="3100" dirty="0"/>
+              <a:t> How to recognize a good coffee and what to look for</a:t>
+            </a:r>
+          </a:p>
+          <a:p>
+            <a:r>
+              <a:rPr lang="en-GB" sz="3100" dirty="0"/>
+              <a:t> Getting the highest quality for the most affordable price</a:t>
             </a:r>
           </a:p>
           <a:p>
@@ -10243,27 +10559,32 @@
           </a:bodyPr>
           <a:lstStyle/>
           <a:p>
+            <a:pPr marL="36900" indent="0">
+              <a:lnSpc>
+                <a:spcPct val="100000"/>
+              </a:lnSpc>
+              <a:spcAft>
+                <a:spcPts val="600"/>
+              </a:spcAft>
+              <a:buNone/>
+            </a:pPr>
+            <a:br>
+              <a:rPr lang="en-US" dirty="0"/>
+            </a:br>
             <a:r>
               <a:rPr lang="en-GB" sz="4800" dirty="0"/>
-              <a:t>Many problems, one solution: </a:t>
-            </a:r>
-            <a:r>
-              <a:rPr lang="en-GB" sz="4800" dirty="0" err="1"/>
-              <a:t>CoffeeCompas</a:t>
+              <a:t>Many challenges, one solution: </a:t>
+            </a:r>
+            <a:r>
+              <a:rPr lang="en-GB" sz="4800" b="1" dirty="0"/>
+              <a:t>CoffeeCompass</a:t>
             </a:r>
             <a:br>
-              <a:rPr lang="en-GB" sz="4800" dirty="0"/>
+              <a:rPr lang="en-GB" sz="4800" b="1" dirty="0"/>
             </a:br>
-            <a:br>
-              <a:rPr lang="en-US" sz="3600" dirty="0"/>
-            </a:br>
-            <a:r>
-              <a:rPr lang="en-US" dirty="0" err="1"/>
-              <a:t>CoffeeCompass</a:t>
-            </a:r>
-            <a:r>
-              <a:rPr lang="en-US" sz="5000" dirty="0"/>
-              <a:t> offers different options:</a:t>
+            <a:r>
+              <a:rPr lang="en-US" sz="3900" dirty="0"/>
+              <a:t>Different options available:</a:t>
             </a:r>
           </a:p>
         </p:txBody>
@@ -10284,13 +10605,13 @@
             <p:ph idx="1"/>
             <p:extLst>
               <p:ext uri="{D42A27DB-BD31-4B8C-83A1-F6EECF244321}">
-                <p14:modId xmlns:p14="http://schemas.microsoft.com/office/powerpoint/2010/main" val="218339905"/>
+                <p14:modId xmlns:p14="http://schemas.microsoft.com/office/powerpoint/2010/main" val="3888988140"/>
               </p:ext>
             </p:extLst>
           </p:nvPr>
         </p:nvGraphicFramePr>
         <p:xfrm>
-          <a:off x="914400" y="2076449"/>
+          <a:off x="913795" y="2409363"/>
           <a:ext cx="10493406" cy="4448637"/>
         </p:xfrm>
         <a:graphic>
@@ -10353,8 +10674,12 @@
           <a:lstStyle/>
           <a:p>
             <a:r>
+              <a:rPr lang="en-GB" b="1" dirty="0"/>
+              <a:t>CoffeeCompass</a:t>
+            </a:r>
+            <a:r>
               <a:rPr lang="en-GB" dirty="0"/>
-              <a:t>CoffeeCompass provides succinct information on the selected coffee(s)  </a:t>
+              <a:t> provides succinct information on the selected coffee(s)  </a:t>
             </a:r>
           </a:p>
         </p:txBody>
@@ -10375,31 +10700,29 @@
             <p:ph idx="1"/>
           </p:nvPr>
         </p:nvSpPr>
-        <p:spPr/>
+        <p:spPr>
+          <a:xfrm>
+            <a:off x="913795" y="2098632"/>
+            <a:ext cx="10353762" cy="4759368"/>
+          </a:xfrm>
+        </p:spPr>
         <p:txBody>
           <a:bodyPr>
-            <a:normAutofit lnSpcReduction="10000"/>
+            <a:normAutofit fontScale="55000" lnSpcReduction="20000"/>
           </a:bodyPr>
           <a:lstStyle/>
           <a:p>
             <a:r>
-              <a:rPr lang="de-DE" dirty="0"/>
-              <a:t>Reviews </a:t>
-            </a:r>
-            <a:r>
-              <a:rPr lang="en-GB" dirty="0"/>
-              <a:t>are from </a:t>
-            </a:r>
-            <a:r>
-              <a:rPr lang="de-DE" dirty="0"/>
-              <a:t>coffeereview.com</a:t>
-            </a:r>
-            <a:endParaRPr lang="en-GB" dirty="0"/>
-          </a:p>
-          <a:p>
-            <a:r>
-              <a:rPr lang="en-GB" dirty="0"/>
-              <a:t>Information provided includes:</a:t>
+              <a:rPr lang="en-GB" sz="4400" dirty="0"/>
+              <a:t>Information provided by </a:t>
+            </a:r>
+            <a:r>
+              <a:rPr lang="en-GB" sz="4400" b="1" dirty="0"/>
+              <a:t>CoffeeCompass</a:t>
+            </a:r>
+            <a:r>
+              <a:rPr lang="en-GB" sz="4400" dirty="0"/>
+              <a:t> includes:</a:t>
             </a:r>
           </a:p>
           <a:p>
@@ -10414,7 +10737,7 @@
               <a:buAutoNum type="arabicPeriod"/>
             </a:pPr>
             <a:r>
-              <a:rPr lang="en-GB" sz="1800" dirty="0"/>
+              <a:rPr lang="en-GB" sz="4400" dirty="0"/>
               <a:t>Coffee name</a:t>
             </a:r>
           </a:p>
@@ -10430,7 +10753,7 @@
               <a:buAutoNum type="arabicPeriod"/>
             </a:pPr>
             <a:r>
-              <a:rPr lang="en-GB" sz="1800" dirty="0"/>
+              <a:rPr lang="en-GB" sz="4400" dirty="0"/>
               <a:t>Roaster &amp; location</a:t>
             </a:r>
           </a:p>
@@ -10446,7 +10769,7 @@
               <a:buAutoNum type="arabicPeriod"/>
             </a:pPr>
             <a:r>
-              <a:rPr lang="en-GB" sz="1800" dirty="0"/>
+              <a:rPr lang="en-GB" sz="4400" dirty="0"/>
               <a:t>Roast type</a:t>
             </a:r>
           </a:p>
@@ -10462,7 +10785,7 @@
               <a:buAutoNum type="arabicPeriod"/>
             </a:pPr>
             <a:r>
-              <a:rPr lang="en-GB" sz="1800" dirty="0"/>
+              <a:rPr lang="en-GB" sz="4400" dirty="0"/>
               <a:t>Origin</a:t>
             </a:r>
           </a:p>
@@ -10478,7 +10801,7 @@
               <a:buAutoNum type="arabicPeriod"/>
             </a:pPr>
             <a:r>
-              <a:rPr lang="en-GB" sz="1800" dirty="0"/>
+              <a:rPr lang="en-GB" sz="4400" dirty="0"/>
               <a:t>Price</a:t>
             </a:r>
           </a:p>
@@ -10494,7 +10817,7 @@
               <a:buAutoNum type="arabicPeriod"/>
             </a:pPr>
             <a:r>
-              <a:rPr lang="en-GB" sz="1800" dirty="0"/>
+              <a:rPr lang="en-GB" sz="4400" dirty="0"/>
               <a:t>Overall rating (scale 50-100)</a:t>
             </a:r>
           </a:p>
@@ -10510,7 +10833,7 @@
               <a:buAutoNum type="arabicPeriod"/>
             </a:pPr>
             <a:r>
-              <a:rPr lang="en-GB" sz="1800" dirty="0"/>
+              <a:rPr lang="en-GB" sz="4400" dirty="0"/>
               <a:t>Points awarded for aroma, body, flavour and aftertaste (scale 1-10)</a:t>
             </a:r>
           </a:p>
@@ -10526,9 +10849,56 @@
               <a:buAutoNum type="arabicPeriod"/>
             </a:pPr>
             <a:r>
-              <a:rPr lang="en-GB" sz="1800" dirty="0"/>
+              <a:rPr lang="en-GB" sz="4400" dirty="0"/>
               <a:t>The results of the blind assessment</a:t>
             </a:r>
+          </a:p>
+          <a:p>
+            <a:pPr marL="36900" indent="0">
+              <a:buNone/>
+            </a:pPr>
+            <a:endParaRPr lang="de-DE" sz="3600" dirty="0"/>
+          </a:p>
+          <a:p>
+            <a:r>
+              <a:rPr lang="de-DE" sz="4400" dirty="0"/>
+              <a:t>The underlying database with 4929 reviews </a:t>
+            </a:r>
+            <a:r>
+              <a:rPr lang="en-GB" sz="4400" dirty="0"/>
+              <a:t>are from </a:t>
+            </a:r>
+            <a:r>
+              <a:rPr lang="de-DE" sz="4400" dirty="0"/>
+              <a:t>coffeereview.com</a:t>
+            </a:r>
+            <a:endParaRPr lang="en-GB" sz="4400" dirty="0"/>
+          </a:p>
+          <a:p>
+            <a:pPr marL="871200" lvl="1" indent="-457200">
+              <a:spcBef>
+                <a:spcPts val="300"/>
+              </a:spcBef>
+              <a:spcAft>
+                <a:spcPts val="300"/>
+              </a:spcAft>
+              <a:buFont typeface="+mj-lt"/>
+              <a:buAutoNum type="arabicPeriod"/>
+            </a:pPr>
+            <a:endParaRPr lang="en-GB" sz="4400" dirty="0"/>
+          </a:p>
+          <a:p>
+            <a:pPr marL="871200" lvl="1" indent="-457200">
+              <a:spcBef>
+                <a:spcPts val="300"/>
+              </a:spcBef>
+              <a:spcAft>
+                <a:spcPts val="300"/>
+              </a:spcAft>
+              <a:buFont typeface="+mj-lt"/>
+              <a:buAutoNum type="arabicPeriod"/>
+            </a:pPr>
+            <a:endParaRPr lang="en-GB" sz="4400" dirty="0"/>
           </a:p>
           <a:p>
             <a:pPr marL="871200" lvl="1" indent="-457200">
@@ -10621,74 +10991,117 @@
         </p:nvSpPr>
         <p:spPr>
           <a:xfrm>
-            <a:off x="913795" y="2009776"/>
-            <a:ext cx="4677380" cy="3781424"/>
+            <a:off x="913794" y="2009776"/>
+            <a:ext cx="6285995" cy="3781424"/>
           </a:xfrm>
         </p:spPr>
         <p:txBody>
           <a:bodyPr>
-            <a:normAutofit lnSpcReduction="10000"/>
+            <a:normAutofit/>
           </a:bodyPr>
           <a:lstStyle/>
           <a:p>
             <a:r>
               <a:rPr lang="en-GB" sz="2400" dirty="0"/>
-              <a:t>The coffees were clustered with Machine Learning based on the following features: aroma, body, </a:t>
-            </a:r>
-            <a:r>
-              <a:rPr lang="en-GB" sz="2400" dirty="0" err="1"/>
+              <a:t>The coffees were </a:t>
+            </a:r>
+            <a:r>
+              <a:rPr lang="en-GB" sz="2400" b="1" dirty="0"/>
+              <a:t>clustered</a:t>
+            </a:r>
+            <a:r>
+              <a:rPr lang="en-GB" sz="2400" dirty="0"/>
+              <a:t> with </a:t>
+            </a:r>
+            <a:r>
+              <a:rPr lang="en-GB" sz="2400" b="1" dirty="0"/>
+              <a:t>Machine Learning </a:t>
+            </a:r>
+            <a:r>
+              <a:rPr lang="en-GB" sz="2400" dirty="0"/>
+              <a:t>based on the following features: </a:t>
+            </a:r>
+            <a:r>
+              <a:rPr lang="en-GB" sz="2400" b="1" dirty="0"/>
+              <a:t>aroma</a:t>
+            </a:r>
+            <a:r>
+              <a:rPr lang="en-GB" sz="2400" dirty="0"/>
+              <a:t>, </a:t>
+            </a:r>
+            <a:r>
+              <a:rPr lang="en-GB" sz="2400" b="1" dirty="0"/>
+              <a:t>body</a:t>
+            </a:r>
+            <a:r>
+              <a:rPr lang="en-GB" sz="2400" dirty="0"/>
+              <a:t>, </a:t>
+            </a:r>
+            <a:r>
+              <a:rPr lang="en-GB" sz="2400" b="1" dirty="0"/>
               <a:t>flavor</a:t>
             </a:r>
             <a:r>
               <a:rPr lang="en-GB" sz="2400" dirty="0"/>
-              <a:t>, aftertaste and rating</a:t>
-            </a:r>
-          </a:p>
-          <a:p>
+              <a:t>, </a:t>
+            </a:r>
+            <a:r>
+              <a:rPr lang="en-GB" sz="2400" b="1" dirty="0"/>
+              <a:t>aftertaste, rating</a:t>
+            </a:r>
             <a:r>
               <a:rPr lang="en-GB" sz="2400" dirty="0"/>
-              <a:t>Natural Language Processing was used to extract the words most often mentioned in the blind assessments. These were then used to create groups of characteristics.</a:t>
-            </a:r>
-          </a:p>
-        </p:txBody>
-      </p:sp>
-      <p:sp>
-        <p:nvSpPr>
-          <p:cNvPr id="5" name="ZoneTexte 4">
+              <a:t>.</a:t>
+            </a:r>
+          </a:p>
+          <a:p>
+            <a:r>
+              <a:rPr lang="en-GB" sz="2400" b="1" dirty="0"/>
+              <a:t>Natural Language Processing</a:t>
+            </a:r>
+            <a:r>
+              <a:rPr lang="en-GB" sz="2400" dirty="0"/>
+              <a:t> was used to extract the words most often mentioned in the blind assessments of the coffee reviews. These were then used to create groups of characteristics.</a:t>
+            </a:r>
+          </a:p>
+        </p:txBody>
+      </p:sp>
+      <p:pic>
+        <p:nvPicPr>
+          <p:cNvPr id="11" name="Picture 10">
             <a:extLst>
               <a:ext uri="{FF2B5EF4-FFF2-40B4-BE49-F238E27FC236}">
-                <a16:creationId xmlns:a16="http://schemas.microsoft.com/office/drawing/2014/main" id="{F68DB969-D4B9-8A5A-8CAA-31E49947C482}"/>
+                <a16:creationId xmlns:a16="http://schemas.microsoft.com/office/drawing/2014/main" id="{A724E70E-1112-B8CA-3296-50978E8C22C6}"/>
               </a:ext>
             </a:extLst>
           </p:cNvPr>
-          <p:cNvSpPr txBox="1"/>
+          <p:cNvPicPr>
+            <a:picLocks noChangeAspect="1"/>
+          </p:cNvPicPr>
           <p:nvPr/>
-        </p:nvSpPr>
+        </p:nvPicPr>
+        <p:blipFill>
+          <a:blip r:embed="rId3">
+            <a:extLst>
+              <a:ext uri="{28A0092B-C50C-407E-A947-70E740481C1C}">
+                <a14:useLocalDpi xmlns:a14="http://schemas.microsoft.com/office/drawing/2010/main" val="0"/>
+              </a:ext>
+            </a:extLst>
+          </a:blip>
+          <a:stretch>
+            <a:fillRect/>
+          </a:stretch>
+        </p:blipFill>
         <p:spPr>
           <a:xfrm>
-            <a:off x="3049229" y="3244334"/>
-            <a:ext cx="6098458" cy="369332"/>
+            <a:off x="6421676" y="1238250"/>
+            <a:ext cx="5182205" cy="5182205"/>
           </a:xfrm>
           <a:prstGeom prst="rect">
             <a:avLst/>
           </a:prstGeom>
-          <a:noFill/>
         </p:spPr>
-        <p:txBody>
-          <a:bodyPr wrap="square">
-            <a:spAutoFit/>
-          </a:bodyPr>
-          <a:lstStyle/>
-          <a:p>
-            <a:pPr lvl="0"/>
-            <a:r>
-              <a:rPr lang="en-GB" sz="1800" b="0" cap="none" dirty="0"/>
-              <a:t>4949</a:t>
-            </a:r>
-            <a:endParaRPr lang="fr-FR" dirty="0"/>
-          </a:p>
-        </p:txBody>
-      </p:sp>
+      </p:pic>
     </p:spTree>
     <p:extLst>
       <p:ext uri="{BB962C8B-B14F-4D97-AF65-F5344CB8AC3E}">
@@ -10885,7 +11298,7 @@
 </file>
 
 <file path=ppt/theme/theme2.xml><?xml version="1.0" encoding="utf-8"?>
-<a:theme xmlns:a="http://schemas.openxmlformats.org/drawingml/2006/main" name="Thème Office">
+<a:theme xmlns:a="http://schemas.openxmlformats.org/drawingml/2006/main" name="Office Theme">
   <a:themeElements>
     <a:clrScheme name="Office">
       <a:dk1>

--- a/4_presentation/presentation_coffee_compass.pptx
+++ b/4_presentation/presentation_coffee_compass.pptx
@@ -8,7 +8,7 @@
     <p:notesMasterId r:id="rId7"/>
   </p:notesMasterIdLst>
   <p:sldIdLst>
-    <p:sldId id="259" r:id="rId2"/>
+    <p:sldId id="266" r:id="rId2"/>
     <p:sldId id="263" r:id="rId3"/>
     <p:sldId id="258" r:id="rId4"/>
     <p:sldId id="264" r:id="rId5"/>
@@ -3393,7 +3393,7 @@
           <a:p>
             <a:fld id="{E50483E1-471E-4FC3-A599-0EF328BD2002}" type="datetimeFigureOut">
               <a:rPr lang="en-GB" smtClean="0"/>
-              <a:t>09/03/2023</a:t>
+              <a:t>06/04/2023</a:t>
             </a:fld>
             <a:endParaRPr lang="en-GB"/>
           </a:p>
@@ -3705,10 +3705,6 @@
           <a:bodyPr/>
           <a:lstStyle/>
           <a:p>
-            <a:r>
-              <a:rPr lang="de-DE" dirty="0"/>
-              <a:t>David</a:t>
-            </a:r>
             <a:endParaRPr lang="en-GB" dirty="0"/>
           </a:p>
         </p:txBody>
@@ -3793,10 +3789,6 @@
           <a:bodyPr/>
           <a:lstStyle/>
           <a:p>
-            <a:r>
-              <a:rPr lang="de-DE" dirty="0"/>
-              <a:t>David</a:t>
-            </a:r>
             <a:endParaRPr lang="en-GB" dirty="0"/>
           </a:p>
         </p:txBody>
@@ -3881,10 +3873,6 @@
           <a:bodyPr/>
           <a:lstStyle/>
           <a:p>
-            <a:r>
-              <a:rPr lang="de-DE" dirty="0"/>
-              <a:t>David</a:t>
-            </a:r>
             <a:endParaRPr lang="en-GB" dirty="0"/>
           </a:p>
         </p:txBody>
@@ -3969,10 +3957,6 @@
           <a:bodyPr/>
           <a:lstStyle/>
           <a:p>
-            <a:r>
-              <a:rPr lang="de-DE" dirty="0"/>
-              <a:t>Laurens</a:t>
-            </a:r>
             <a:endParaRPr lang="en-GB" dirty="0"/>
           </a:p>
         </p:txBody>
@@ -4057,144 +4041,7 @@
           <a:bodyPr/>
           <a:lstStyle/>
           <a:p>
-            <a:r>
-              <a:rPr lang="de-DE" dirty="0" err="1"/>
-              <a:t>Machine</a:t>
-            </a:r>
-            <a:r>
-              <a:rPr lang="de-DE" dirty="0"/>
-              <a:t> Learning: Laurens</a:t>
-            </a:r>
-          </a:p>
-          <a:p>
-            <a:r>
-              <a:rPr lang="de-DE" dirty="0"/>
-              <a:t>Natural Language Processing: David</a:t>
-            </a:r>
-          </a:p>
-          <a:p>
             <a:endParaRPr lang="de-DE" dirty="0"/>
-          </a:p>
-          <a:p>
-            <a:r>
-              <a:rPr lang="de-DE" dirty="0" err="1"/>
-              <a:t>Jupyter</a:t>
-            </a:r>
-            <a:r>
-              <a:rPr lang="de-DE" dirty="0"/>
-              <a:t> Notebook: Laurens</a:t>
-            </a:r>
-          </a:p>
-          <a:p>
-            <a:endParaRPr lang="de-DE" dirty="0"/>
-          </a:p>
-          <a:p>
-            <a:r>
-              <a:rPr lang="de-DE" dirty="0"/>
-              <a:t>Show </a:t>
-            </a:r>
-            <a:r>
-              <a:rPr lang="de-DE" dirty="0" err="1"/>
-              <a:t>following</a:t>
-            </a:r>
-            <a:r>
-              <a:rPr lang="de-DE" dirty="0"/>
-              <a:t>:</a:t>
-            </a:r>
-          </a:p>
-          <a:p>
-            <a:pPr marL="171450" indent="-171450">
-              <a:buFontTx/>
-              <a:buChar char="-"/>
-            </a:pPr>
-            <a:r>
-              <a:rPr lang="de-DE" dirty="0"/>
-              <a:t>Option 1</a:t>
-            </a:r>
-          </a:p>
-          <a:p>
-            <a:pPr marL="171450" indent="-171450">
-              <a:buFontTx/>
-              <a:buChar char="-"/>
-            </a:pPr>
-            <a:r>
-              <a:rPr lang="de-DE" dirty="0"/>
-              <a:t>Option 2 (</a:t>
-            </a:r>
-            <a:r>
-              <a:rPr lang="de-DE" dirty="0" err="1"/>
-              <a:t>only</a:t>
-            </a:r>
-            <a:r>
-              <a:rPr lang="de-DE" dirty="0"/>
-              <a:t> </a:t>
-            </a:r>
-            <a:r>
-              <a:rPr lang="de-DE" dirty="0" err="1"/>
-              <a:t>the</a:t>
-            </a:r>
-            <a:r>
-              <a:rPr lang="de-DE" dirty="0"/>
-              <a:t> top </a:t>
-            </a:r>
-            <a:r>
-              <a:rPr lang="de-DE" dirty="0" err="1"/>
-              <a:t>five</a:t>
-            </a:r>
-            <a:r>
-              <a:rPr lang="de-DE" dirty="0"/>
-              <a:t> </a:t>
-            </a:r>
-            <a:r>
-              <a:rPr lang="de-DE" dirty="0" err="1"/>
-              <a:t>price</a:t>
-            </a:r>
-            <a:r>
-              <a:rPr lang="de-DE" dirty="0"/>
-              <a:t>)</a:t>
-            </a:r>
-          </a:p>
-          <a:p>
-            <a:pPr marL="171450" indent="-171450">
-              <a:buFontTx/>
-              <a:buChar char="-"/>
-            </a:pPr>
-            <a:r>
-              <a:rPr lang="de-DE" dirty="0"/>
-              <a:t>Option 3 (</a:t>
-            </a:r>
-            <a:r>
-              <a:rPr lang="de-DE" dirty="0" err="1"/>
-              <a:t>ask</a:t>
-            </a:r>
-            <a:r>
-              <a:rPr lang="de-DE" dirty="0"/>
-              <a:t> </a:t>
-            </a:r>
-            <a:r>
-              <a:rPr lang="de-DE" dirty="0" err="1"/>
-              <a:t>audience</a:t>
-            </a:r>
-            <a:r>
-              <a:rPr lang="de-DE" dirty="0"/>
-              <a:t> </a:t>
-            </a:r>
-            <a:r>
-              <a:rPr lang="de-DE" dirty="0" err="1"/>
-              <a:t>for</a:t>
-            </a:r>
-            <a:r>
-              <a:rPr lang="de-DE" dirty="0"/>
-              <a:t> </a:t>
-            </a:r>
-            <a:r>
-              <a:rPr lang="de-DE" dirty="0" err="1"/>
-              <a:t>characteristic</a:t>
-            </a:r>
-            <a:r>
-              <a:rPr lang="de-DE" dirty="0"/>
-              <a:t>)</a:t>
-            </a:r>
           </a:p>
         </p:txBody>
       </p:sp>
@@ -4419,7 +4266,7 @@
           <a:p>
             <a:fld id="{88D38747-4367-4BD2-8D51-C97E202738E2}" type="datetime1">
               <a:rPr lang="en-US" smtClean="0"/>
-              <a:t>3/9/2023</a:t>
+              <a:t>4/6/2023</a:t>
             </a:fld>
             <a:endParaRPr lang="en-US" dirty="0"/>
           </a:p>
@@ -4724,7 +4571,7 @@
           <a:p>
             <a:fld id="{11F1B079-7EF0-44EE-B798-BCC497C9F3B2}" type="datetime1">
               <a:rPr lang="en-US" smtClean="0"/>
-              <a:t>3/9/2023</a:t>
+              <a:t>4/6/2023</a:t>
             </a:fld>
             <a:endParaRPr lang="en-US" dirty="0"/>
           </a:p>
@@ -4918,7 +4765,7 @@
           <a:p>
             <a:fld id="{28FF70A8-1D13-4657-95F0-A9EA54967B8D}" type="datetime1">
               <a:rPr lang="en-US" smtClean="0"/>
-              <a:t>3/9/2023</a:t>
+              <a:t>4/6/2023</a:t>
             </a:fld>
             <a:endParaRPr lang="en-US" dirty="0"/>
           </a:p>
@@ -5181,7 +5028,7 @@
           <a:p>
             <a:fld id="{21EB90AC-71BD-4C7F-8ACA-7B3F18292E63}" type="datetime1">
               <a:rPr lang="en-US" smtClean="0"/>
-              <a:t>3/9/2023</a:t>
+              <a:t>4/6/2023</a:t>
             </a:fld>
             <a:endParaRPr lang="en-US" dirty="0"/>
           </a:p>
@@ -5617,7 +5464,7 @@
           <a:p>
             <a:fld id="{4E6EFC2C-8905-46F0-B443-CE905B76BA01}" type="datetime1">
               <a:rPr lang="en-US" smtClean="0"/>
-              <a:t>3/9/2023</a:t>
+              <a:t>4/6/2023</a:t>
             </a:fld>
             <a:endParaRPr lang="en-US" dirty="0"/>
           </a:p>
@@ -6154,7 +6001,7 @@
           <a:p>
             <a:fld id="{D9079DC3-C9B5-499E-9140-0DC28B7074E2}" type="datetime1">
               <a:rPr lang="en-US" smtClean="0"/>
-              <a:t>3/9/2023</a:t>
+              <a:t>4/6/2023</a:t>
             </a:fld>
             <a:endParaRPr lang="en-US" dirty="0"/>
           </a:p>
@@ -7036,7 +6883,7 @@
           <a:p>
             <a:fld id="{30BB33EA-E472-4D22-9C03-A9C14AA21CED}" type="datetime1">
               <a:rPr lang="en-US" smtClean="0"/>
-              <a:t>3/9/2023</a:t>
+              <a:t>4/6/2023</a:t>
             </a:fld>
             <a:endParaRPr lang="en-US" dirty="0"/>
           </a:p>
@@ -7206,7 +7053,7 @@
           <a:p>
             <a:fld id="{217E833E-1B6D-415F-AD29-75AE8C43BD0D}" type="datetime1">
               <a:rPr lang="en-US" smtClean="0"/>
-              <a:t>3/9/2023</a:t>
+              <a:t>4/6/2023</a:t>
             </a:fld>
             <a:endParaRPr lang="en-US" dirty="0"/>
           </a:p>
@@ -7390,7 +7237,7 @@
           <a:p>
             <a:fld id="{8452596F-08A7-4B70-989A-F2B1CF31E66B}" type="datetime1">
               <a:rPr lang="en-US" smtClean="0"/>
-              <a:t>3/9/2023</a:t>
+              <a:t>4/6/2023</a:t>
             </a:fld>
             <a:endParaRPr lang="en-US" dirty="0"/>
           </a:p>
@@ -7560,7 +7407,7 @@
           <a:p>
             <a:fld id="{73C55A3C-5767-4844-A0A3-83778C2E5409}" type="datetime1">
               <a:rPr lang="en-US" smtClean="0"/>
-              <a:t>3/9/2023</a:t>
+              <a:t>4/6/2023</a:t>
             </a:fld>
             <a:endParaRPr lang="en-US" dirty="0"/>
           </a:p>
@@ -7804,7 +7651,7 @@
           <a:p>
             <a:fld id="{CAE507A8-A5CF-4D38-AB86-7EDDA87A85D4}" type="datetime1">
               <a:rPr lang="en-US" smtClean="0"/>
-              <a:t>3/9/2023</a:t>
+              <a:t>4/6/2023</a:t>
             </a:fld>
             <a:endParaRPr lang="en-US" dirty="0"/>
           </a:p>
@@ -8046,7 +7893,7 @@
           <a:p>
             <a:fld id="{BDFCD27C-8599-43EF-BA1D-14DDC1946E06}" type="datetime1">
               <a:rPr lang="en-US" smtClean="0"/>
-              <a:t>3/9/2023</a:t>
+              <a:t>4/6/2023</a:t>
             </a:fld>
             <a:endParaRPr lang="en-US" dirty="0"/>
           </a:p>
@@ -8529,7 +8376,7 @@
           <a:p>
             <a:fld id="{49343D99-809A-49C0-96E5-4250D0B498EE}" type="datetime1">
               <a:rPr lang="en-US" smtClean="0"/>
-              <a:t>3/9/2023</a:t>
+              <a:t>4/6/2023</a:t>
             </a:fld>
             <a:endParaRPr lang="en-US" dirty="0"/>
           </a:p>
@@ -8647,7 +8494,7 @@
           <a:p>
             <a:fld id="{A143DE9B-B678-4EFB-BB7D-A4370204A0B0}" type="datetime1">
               <a:rPr lang="en-US" smtClean="0"/>
-              <a:t>3/9/2023</a:t>
+              <a:t>4/6/2023</a:t>
             </a:fld>
             <a:endParaRPr lang="en-US" dirty="0"/>
           </a:p>
@@ -8742,7 +8589,7 @@
           <a:p>
             <a:fld id="{E68812DA-F765-4142-A6A3-A8ED7235E082}" type="datetime1">
               <a:rPr lang="en-US" smtClean="0"/>
-              <a:t>3/9/2023</a:t>
+              <a:t>4/6/2023</a:t>
             </a:fld>
             <a:endParaRPr lang="en-US" dirty="0"/>
           </a:p>
@@ -8997,7 +8844,7 @@
           <a:p>
             <a:fld id="{3E0277FD-7DE6-41D4-930D-AC99F5AFE54E}" type="datetime1">
               <a:rPr lang="en-US" smtClean="0"/>
-              <a:t>3/9/2023</a:t>
+              <a:t>4/6/2023</a:t>
             </a:fld>
             <a:endParaRPr lang="en-US" dirty="0"/>
           </a:p>
@@ -9304,7 +9151,7 @@
           <a:p>
             <a:fld id="{9EA15526-7079-4B7B-987C-1B5FAE11A0FF}" type="datetime1">
               <a:rPr lang="en-US" smtClean="0"/>
-              <a:t>3/9/2023</a:t>
+              <a:t>4/6/2023</a:t>
             </a:fld>
             <a:endParaRPr lang="en-US" dirty="0"/>
           </a:p>
@@ -9539,7 +9386,7 @@
           <a:p>
             <a:fld id="{073ED0CC-082F-4160-86E5-0D6041F12778}" type="datetime1">
               <a:rPr lang="en-US" smtClean="0"/>
-              <a:t>3/9/2023</a:t>
+              <a:t>4/6/2023</a:t>
             </a:fld>
             <a:endParaRPr lang="en-US" dirty="0"/>
           </a:p>
@@ -10206,25 +10053,6 @@
 <file path=ppt/slides/slide1.xml><?xml version="1.0" encoding="utf-8"?>
 <p:sld xmlns:a="http://schemas.openxmlformats.org/drawingml/2006/main" xmlns:r="http://schemas.openxmlformats.org/officeDocument/2006/relationships" xmlns:p="http://schemas.openxmlformats.org/presentationml/2006/main">
   <p:cSld>
-    <p:bg>
-      <p:bgPr>
-        <a:blipFill rotWithShape="1">
-          <a:blip r:embed="rId3">
-            <a:duotone>
-              <a:schemeClr val="bg1">
-                <a:shade val="80000"/>
-                <a:lumMod val="80000"/>
-              </a:schemeClr>
-              <a:schemeClr val="bg1">
-                <a:tint val="98000"/>
-              </a:schemeClr>
-            </a:duotone>
-          </a:blip>
-          <a:stretch/>
-        </a:blipFill>
-        <a:effectLst/>
-      </p:bgPr>
-    </p:bg>
     <p:spTree>
       <p:nvGrpSpPr>
         <p:cNvPr id="1" name=""/>
@@ -10254,7 +10082,7 @@
           <p:nvPr/>
         </p:nvPicPr>
         <p:blipFill rotWithShape="1">
-          <a:blip r:embed="rId4">
+          <a:blip r:embed="rId3">
             <a:alphaModFix amt="35000"/>
             <a:extLst>
               <a:ext uri="{28A0092B-C50C-407E-A947-70E740481C1C}">
@@ -10267,7 +10095,7 @@
         </p:blipFill>
         <p:spPr>
           <a:xfrm>
-            <a:off x="20" y="10"/>
+            <a:off x="-5280" y="10"/>
             <a:ext cx="12191980" cy="6857990"/>
           </a:xfrm>
           <a:prstGeom prst="rect">
@@ -10354,10 +10182,179 @@
           </a:p>
         </p:txBody>
       </p:sp>
+      <p:pic>
+        <p:nvPicPr>
+          <p:cNvPr id="7" name="Picture 10">
+            <a:extLst>
+              <a:ext uri="{FF2B5EF4-FFF2-40B4-BE49-F238E27FC236}">
+                <a16:creationId xmlns:a16="http://schemas.microsoft.com/office/drawing/2014/main" id="{FE0B4CD3-8512-2159-1F3A-B5238AF4189B}"/>
+              </a:ext>
+            </a:extLst>
+          </p:cNvPr>
+          <p:cNvPicPr>
+            <a:picLocks noChangeAspect="1"/>
+          </p:cNvPicPr>
+          <p:nvPr/>
+        </p:nvPicPr>
+        <p:blipFill>
+          <a:blip r:embed="rId4">
+            <a:extLst>
+              <a:ext uri="{28A0092B-C50C-407E-A947-70E740481C1C}">
+                <a14:useLocalDpi xmlns:a14="http://schemas.microsoft.com/office/drawing/2010/main" val="0"/>
+              </a:ext>
+            </a:extLst>
+          </a:blip>
+          <a:stretch>
+            <a:fillRect/>
+          </a:stretch>
+        </p:blipFill>
+        <p:spPr>
+          <a:xfrm>
+            <a:off x="129431" y="2"/>
+            <a:ext cx="784970" cy="784970"/>
+          </a:xfrm>
+          <a:prstGeom prst="rect">
+            <a:avLst/>
+          </a:prstGeom>
+        </p:spPr>
+      </p:pic>
+      <p:sp>
+        <p:nvSpPr>
+          <p:cNvPr id="8" name="Title 1">
+            <a:extLst>
+              <a:ext uri="{FF2B5EF4-FFF2-40B4-BE49-F238E27FC236}">
+                <a16:creationId xmlns:a16="http://schemas.microsoft.com/office/drawing/2014/main" id="{8116EE36-3728-CA56-2703-1CD9C80E8DDF}"/>
+              </a:ext>
+            </a:extLst>
+          </p:cNvPr>
+          <p:cNvSpPr txBox="1">
+            <a:spLocks/>
+          </p:cNvSpPr>
+          <p:nvPr/>
+        </p:nvSpPr>
+        <p:spPr>
+          <a:xfrm>
+            <a:off x="-441015" y="426777"/>
+            <a:ext cx="1948721" cy="435181"/>
+          </a:xfrm>
+          <a:prstGeom prst="rect">
+            <a:avLst/>
+          </a:prstGeom>
+          <a:effectLst>
+            <a:outerShdw blurRad="25400" dir="17880000">
+              <a:srgbClr val="000000">
+                <a:alpha val="46000"/>
+              </a:srgbClr>
+            </a:outerShdw>
+          </a:effectLst>
+        </p:spPr>
+        <p:txBody>
+          <a:bodyPr vert="horz" lIns="91440" tIns="45720" rIns="91440" bIns="45720" rtlCol="0" anchor="b">
+            <a:normAutofit/>
+          </a:bodyPr>
+          <a:lstStyle>
+            <a:lvl1pPr algn="ctr" defTabSz="457200" rtl="0" eaLnBrk="1" latinLnBrk="0" hangingPunct="1">
+              <a:lnSpc>
+                <a:spcPct val="90000"/>
+              </a:lnSpc>
+              <a:spcBef>
+                <a:spcPct val="0"/>
+              </a:spcBef>
+              <a:buNone/>
+              <a:defRPr sz="5400" kern="1200">
+                <a:ln>
+                  <a:solidFill>
+                    <a:schemeClr val="bg1">
+                      <a:lumMod val="75000"/>
+                      <a:lumOff val="25000"/>
+                      <a:alpha val="10000"/>
+                    </a:schemeClr>
+                  </a:solidFill>
+                </a:ln>
+                <a:solidFill>
+                  <a:schemeClr val="tx2"/>
+                </a:solidFill>
+                <a:effectLst>
+                  <a:outerShdw blurRad="9525" dist="25400" dir="14640000" algn="tl" rotWithShape="0">
+                    <a:schemeClr val="bg1">
+                      <a:alpha val="30000"/>
+                    </a:schemeClr>
+                  </a:outerShdw>
+                </a:effectLst>
+                <a:latin typeface="+mj-lt"/>
+                <a:ea typeface="+mj-ea"/>
+                <a:cs typeface="Trebuchet MS"/>
+              </a:defRPr>
+            </a:lvl1pPr>
+            <a:lvl2pPr eaLnBrk="1" hangingPunct="1">
+              <a:defRPr>
+                <a:solidFill>
+                  <a:schemeClr val="tx2"/>
+                </a:solidFill>
+              </a:defRPr>
+            </a:lvl2pPr>
+            <a:lvl3pPr eaLnBrk="1" hangingPunct="1">
+              <a:defRPr>
+                <a:solidFill>
+                  <a:schemeClr val="tx2"/>
+                </a:solidFill>
+              </a:defRPr>
+            </a:lvl3pPr>
+            <a:lvl4pPr eaLnBrk="1" hangingPunct="1">
+              <a:defRPr>
+                <a:solidFill>
+                  <a:schemeClr val="tx2"/>
+                </a:solidFill>
+              </a:defRPr>
+            </a:lvl4pPr>
+            <a:lvl5pPr eaLnBrk="1" hangingPunct="1">
+              <a:defRPr>
+                <a:solidFill>
+                  <a:schemeClr val="tx2"/>
+                </a:solidFill>
+              </a:defRPr>
+            </a:lvl5pPr>
+            <a:lvl6pPr eaLnBrk="1" hangingPunct="1">
+              <a:defRPr>
+                <a:solidFill>
+                  <a:schemeClr val="tx2"/>
+                </a:solidFill>
+              </a:defRPr>
+            </a:lvl6pPr>
+            <a:lvl7pPr eaLnBrk="1" hangingPunct="1">
+              <a:defRPr>
+                <a:solidFill>
+                  <a:schemeClr val="tx2"/>
+                </a:solidFill>
+              </a:defRPr>
+            </a:lvl7pPr>
+            <a:lvl8pPr eaLnBrk="1" hangingPunct="1">
+              <a:defRPr>
+                <a:solidFill>
+                  <a:schemeClr val="tx2"/>
+                </a:solidFill>
+              </a:defRPr>
+            </a:lvl8pPr>
+            <a:lvl9pPr eaLnBrk="1" hangingPunct="1">
+              <a:defRPr>
+                <a:solidFill>
+                  <a:schemeClr val="tx2"/>
+                </a:solidFill>
+              </a:defRPr>
+            </a:lvl9pPr>
+          </a:lstStyle>
+          <a:p>
+            <a:r>
+              <a:rPr lang="en-US" sz="900" dirty="0"/>
+              <a:t>CoffeeCompass</a:t>
+            </a:r>
+          </a:p>
+        </p:txBody>
+      </p:sp>
     </p:spTree>
     <p:extLst>
       <p:ext uri="{BB962C8B-B14F-4D97-AF65-F5344CB8AC3E}">
-        <p14:creationId xmlns:p14="http://schemas.microsoft.com/office/powerpoint/2010/main" val="633738316"/>
+        <p14:creationId xmlns:p14="http://schemas.microsoft.com/office/powerpoint/2010/main" val="3672843662"/>
       </p:ext>
     </p:extLst>
   </p:cSld>
@@ -10479,6 +10476,175 @@
           </a:p>
           <a:p>
             <a:endParaRPr lang="en-GB" dirty="0"/>
+          </a:p>
+        </p:txBody>
+      </p:sp>
+      <p:pic>
+        <p:nvPicPr>
+          <p:cNvPr id="5" name="Picture 10">
+            <a:extLst>
+              <a:ext uri="{FF2B5EF4-FFF2-40B4-BE49-F238E27FC236}">
+                <a16:creationId xmlns:a16="http://schemas.microsoft.com/office/drawing/2014/main" id="{9C6CEF2A-6590-7727-561A-A0D79637161B}"/>
+              </a:ext>
+            </a:extLst>
+          </p:cNvPr>
+          <p:cNvPicPr>
+            <a:picLocks noChangeAspect="1"/>
+          </p:cNvPicPr>
+          <p:nvPr/>
+        </p:nvPicPr>
+        <p:blipFill>
+          <a:blip r:embed="rId3">
+            <a:extLst>
+              <a:ext uri="{28A0092B-C50C-407E-A947-70E740481C1C}">
+                <a14:useLocalDpi xmlns:a14="http://schemas.microsoft.com/office/drawing/2010/main" val="0"/>
+              </a:ext>
+            </a:extLst>
+          </a:blip>
+          <a:stretch>
+            <a:fillRect/>
+          </a:stretch>
+        </p:blipFill>
+        <p:spPr>
+          <a:xfrm>
+            <a:off x="129431" y="2"/>
+            <a:ext cx="784970" cy="784970"/>
+          </a:xfrm>
+          <a:prstGeom prst="rect">
+            <a:avLst/>
+          </a:prstGeom>
+        </p:spPr>
+      </p:pic>
+      <p:sp>
+        <p:nvSpPr>
+          <p:cNvPr id="6" name="Title 1">
+            <a:extLst>
+              <a:ext uri="{FF2B5EF4-FFF2-40B4-BE49-F238E27FC236}">
+                <a16:creationId xmlns:a16="http://schemas.microsoft.com/office/drawing/2014/main" id="{B42A1A50-8BCA-8D96-74E5-7D7360A2F3C2}"/>
+              </a:ext>
+            </a:extLst>
+          </p:cNvPr>
+          <p:cNvSpPr txBox="1">
+            <a:spLocks/>
+          </p:cNvSpPr>
+          <p:nvPr/>
+        </p:nvSpPr>
+        <p:spPr>
+          <a:xfrm>
+            <a:off x="-441015" y="426777"/>
+            <a:ext cx="1948721" cy="435181"/>
+          </a:xfrm>
+          <a:prstGeom prst="rect">
+            <a:avLst/>
+          </a:prstGeom>
+          <a:effectLst>
+            <a:outerShdw blurRad="25400" dir="17880000">
+              <a:srgbClr val="000000">
+                <a:alpha val="46000"/>
+              </a:srgbClr>
+            </a:outerShdw>
+          </a:effectLst>
+        </p:spPr>
+        <p:txBody>
+          <a:bodyPr vert="horz" lIns="91440" tIns="45720" rIns="91440" bIns="45720" rtlCol="0" anchor="b">
+            <a:normAutofit/>
+          </a:bodyPr>
+          <a:lstStyle>
+            <a:lvl1pPr algn="ctr" defTabSz="457200" rtl="0" eaLnBrk="1" latinLnBrk="0" hangingPunct="1">
+              <a:lnSpc>
+                <a:spcPct val="90000"/>
+              </a:lnSpc>
+              <a:spcBef>
+                <a:spcPct val="0"/>
+              </a:spcBef>
+              <a:buNone/>
+              <a:defRPr sz="5400" kern="1200">
+                <a:ln>
+                  <a:solidFill>
+                    <a:schemeClr val="bg1">
+                      <a:lumMod val="75000"/>
+                      <a:lumOff val="25000"/>
+                      <a:alpha val="10000"/>
+                    </a:schemeClr>
+                  </a:solidFill>
+                </a:ln>
+                <a:solidFill>
+                  <a:schemeClr val="tx2"/>
+                </a:solidFill>
+                <a:effectLst>
+                  <a:outerShdw blurRad="9525" dist="25400" dir="14640000" algn="tl" rotWithShape="0">
+                    <a:schemeClr val="bg1">
+                      <a:alpha val="30000"/>
+                    </a:schemeClr>
+                  </a:outerShdw>
+                </a:effectLst>
+                <a:latin typeface="+mj-lt"/>
+                <a:ea typeface="+mj-ea"/>
+                <a:cs typeface="Trebuchet MS"/>
+              </a:defRPr>
+            </a:lvl1pPr>
+            <a:lvl2pPr eaLnBrk="1" hangingPunct="1">
+              <a:defRPr>
+                <a:solidFill>
+                  <a:schemeClr val="tx2"/>
+                </a:solidFill>
+              </a:defRPr>
+            </a:lvl2pPr>
+            <a:lvl3pPr eaLnBrk="1" hangingPunct="1">
+              <a:defRPr>
+                <a:solidFill>
+                  <a:schemeClr val="tx2"/>
+                </a:solidFill>
+              </a:defRPr>
+            </a:lvl3pPr>
+            <a:lvl4pPr eaLnBrk="1" hangingPunct="1">
+              <a:defRPr>
+                <a:solidFill>
+                  <a:schemeClr val="tx2"/>
+                </a:solidFill>
+              </a:defRPr>
+            </a:lvl4pPr>
+            <a:lvl5pPr eaLnBrk="1" hangingPunct="1">
+              <a:defRPr>
+                <a:solidFill>
+                  <a:schemeClr val="tx2"/>
+                </a:solidFill>
+              </a:defRPr>
+            </a:lvl5pPr>
+            <a:lvl6pPr eaLnBrk="1" hangingPunct="1">
+              <a:defRPr>
+                <a:solidFill>
+                  <a:schemeClr val="tx2"/>
+                </a:solidFill>
+              </a:defRPr>
+            </a:lvl6pPr>
+            <a:lvl7pPr eaLnBrk="1" hangingPunct="1">
+              <a:defRPr>
+                <a:solidFill>
+                  <a:schemeClr val="tx2"/>
+                </a:solidFill>
+              </a:defRPr>
+            </a:lvl7pPr>
+            <a:lvl8pPr eaLnBrk="1" hangingPunct="1">
+              <a:defRPr>
+                <a:solidFill>
+                  <a:schemeClr val="tx2"/>
+                </a:solidFill>
+              </a:defRPr>
+            </a:lvl8pPr>
+            <a:lvl9pPr eaLnBrk="1" hangingPunct="1">
+              <a:defRPr>
+                <a:solidFill>
+                  <a:schemeClr val="tx2"/>
+                </a:solidFill>
+              </a:defRPr>
+            </a:lvl9pPr>
+          </a:lstStyle>
+          <a:p>
+            <a:r>
+              <a:rPr lang="en-US" sz="900" dirty="0"/>
+              <a:t>CoffeeCompass</a:t>
+            </a:r>
           </a:p>
         </p:txBody>
       </p:sp>
@@ -10620,6 +10786,175 @@
           </a:graphicData>
         </a:graphic>
       </p:graphicFrame>
+      <p:pic>
+        <p:nvPicPr>
+          <p:cNvPr id="3" name="Picture 10">
+            <a:extLst>
+              <a:ext uri="{FF2B5EF4-FFF2-40B4-BE49-F238E27FC236}">
+                <a16:creationId xmlns:a16="http://schemas.microsoft.com/office/drawing/2014/main" id="{12E17066-0260-D333-C2DB-573BC6F1B9AF}"/>
+              </a:ext>
+            </a:extLst>
+          </p:cNvPr>
+          <p:cNvPicPr>
+            <a:picLocks noChangeAspect="1"/>
+          </p:cNvPicPr>
+          <p:nvPr/>
+        </p:nvPicPr>
+        <p:blipFill>
+          <a:blip r:embed="rId9">
+            <a:extLst>
+              <a:ext uri="{28A0092B-C50C-407E-A947-70E740481C1C}">
+                <a14:useLocalDpi xmlns:a14="http://schemas.microsoft.com/office/drawing/2010/main" val="0"/>
+              </a:ext>
+            </a:extLst>
+          </a:blip>
+          <a:stretch>
+            <a:fillRect/>
+          </a:stretch>
+        </p:blipFill>
+        <p:spPr>
+          <a:xfrm>
+            <a:off x="129431" y="2"/>
+            <a:ext cx="784970" cy="784970"/>
+          </a:xfrm>
+          <a:prstGeom prst="rect">
+            <a:avLst/>
+          </a:prstGeom>
+        </p:spPr>
+      </p:pic>
+      <p:sp>
+        <p:nvSpPr>
+          <p:cNvPr id="5" name="Title 1">
+            <a:extLst>
+              <a:ext uri="{FF2B5EF4-FFF2-40B4-BE49-F238E27FC236}">
+                <a16:creationId xmlns:a16="http://schemas.microsoft.com/office/drawing/2014/main" id="{EDEE00DE-116F-6B88-3EE8-F3D273D78F1C}"/>
+              </a:ext>
+            </a:extLst>
+          </p:cNvPr>
+          <p:cNvSpPr txBox="1">
+            <a:spLocks/>
+          </p:cNvSpPr>
+          <p:nvPr/>
+        </p:nvSpPr>
+        <p:spPr>
+          <a:xfrm>
+            <a:off x="-441015" y="426777"/>
+            <a:ext cx="1948721" cy="435181"/>
+          </a:xfrm>
+          <a:prstGeom prst="rect">
+            <a:avLst/>
+          </a:prstGeom>
+          <a:effectLst>
+            <a:outerShdw blurRad="25400" dir="17880000">
+              <a:srgbClr val="000000">
+                <a:alpha val="46000"/>
+              </a:srgbClr>
+            </a:outerShdw>
+          </a:effectLst>
+        </p:spPr>
+        <p:txBody>
+          <a:bodyPr vert="horz" lIns="91440" tIns="45720" rIns="91440" bIns="45720" rtlCol="0" anchor="b">
+            <a:normAutofit/>
+          </a:bodyPr>
+          <a:lstStyle>
+            <a:lvl1pPr algn="ctr" defTabSz="457200" rtl="0" eaLnBrk="1" latinLnBrk="0" hangingPunct="1">
+              <a:lnSpc>
+                <a:spcPct val="90000"/>
+              </a:lnSpc>
+              <a:spcBef>
+                <a:spcPct val="0"/>
+              </a:spcBef>
+              <a:buNone/>
+              <a:defRPr sz="5400" kern="1200">
+                <a:ln>
+                  <a:solidFill>
+                    <a:schemeClr val="bg1">
+                      <a:lumMod val="75000"/>
+                      <a:lumOff val="25000"/>
+                      <a:alpha val="10000"/>
+                    </a:schemeClr>
+                  </a:solidFill>
+                </a:ln>
+                <a:solidFill>
+                  <a:schemeClr val="tx2"/>
+                </a:solidFill>
+                <a:effectLst>
+                  <a:outerShdw blurRad="9525" dist="25400" dir="14640000" algn="tl" rotWithShape="0">
+                    <a:schemeClr val="bg1">
+                      <a:alpha val="30000"/>
+                    </a:schemeClr>
+                  </a:outerShdw>
+                </a:effectLst>
+                <a:latin typeface="+mj-lt"/>
+                <a:ea typeface="+mj-ea"/>
+                <a:cs typeface="Trebuchet MS"/>
+              </a:defRPr>
+            </a:lvl1pPr>
+            <a:lvl2pPr eaLnBrk="1" hangingPunct="1">
+              <a:defRPr>
+                <a:solidFill>
+                  <a:schemeClr val="tx2"/>
+                </a:solidFill>
+              </a:defRPr>
+            </a:lvl2pPr>
+            <a:lvl3pPr eaLnBrk="1" hangingPunct="1">
+              <a:defRPr>
+                <a:solidFill>
+                  <a:schemeClr val="tx2"/>
+                </a:solidFill>
+              </a:defRPr>
+            </a:lvl3pPr>
+            <a:lvl4pPr eaLnBrk="1" hangingPunct="1">
+              <a:defRPr>
+                <a:solidFill>
+                  <a:schemeClr val="tx2"/>
+                </a:solidFill>
+              </a:defRPr>
+            </a:lvl4pPr>
+            <a:lvl5pPr eaLnBrk="1" hangingPunct="1">
+              <a:defRPr>
+                <a:solidFill>
+                  <a:schemeClr val="tx2"/>
+                </a:solidFill>
+              </a:defRPr>
+            </a:lvl5pPr>
+            <a:lvl6pPr eaLnBrk="1" hangingPunct="1">
+              <a:defRPr>
+                <a:solidFill>
+                  <a:schemeClr val="tx2"/>
+                </a:solidFill>
+              </a:defRPr>
+            </a:lvl6pPr>
+            <a:lvl7pPr eaLnBrk="1" hangingPunct="1">
+              <a:defRPr>
+                <a:solidFill>
+                  <a:schemeClr val="tx2"/>
+                </a:solidFill>
+              </a:defRPr>
+            </a:lvl7pPr>
+            <a:lvl8pPr eaLnBrk="1" hangingPunct="1">
+              <a:defRPr>
+                <a:solidFill>
+                  <a:schemeClr val="tx2"/>
+                </a:solidFill>
+              </a:defRPr>
+            </a:lvl8pPr>
+            <a:lvl9pPr eaLnBrk="1" hangingPunct="1">
+              <a:defRPr>
+                <a:solidFill>
+                  <a:schemeClr val="tx2"/>
+                </a:solidFill>
+              </a:defRPr>
+            </a:lvl9pPr>
+          </a:lstStyle>
+          <a:p>
+            <a:r>
+              <a:rPr lang="en-US" sz="900" dirty="0"/>
+              <a:t>CoffeeCompass</a:t>
+            </a:r>
+          </a:p>
+        </p:txBody>
+      </p:sp>
     </p:spTree>
     <p:extLst>
       <p:ext uri="{BB962C8B-B14F-4D97-AF65-F5344CB8AC3E}">
@@ -10862,7 +11197,7 @@
           <a:p>
             <a:r>
               <a:rPr lang="de-DE" sz="4400" dirty="0"/>
-              <a:t>The underlying database with 4929 reviews </a:t>
+              <a:t>The 4929 reviews in the underlying database </a:t>
             </a:r>
             <a:r>
               <a:rPr lang="en-GB" sz="4400" dirty="0"/>
@@ -10912,6 +11247,175 @@
               <a:buAutoNum type="arabicPeriod"/>
             </a:pPr>
             <a:endParaRPr lang="de-DE" sz="1800" dirty="0"/>
+          </a:p>
+        </p:txBody>
+      </p:sp>
+      <p:pic>
+        <p:nvPicPr>
+          <p:cNvPr id="4" name="Picture 10">
+            <a:extLst>
+              <a:ext uri="{FF2B5EF4-FFF2-40B4-BE49-F238E27FC236}">
+                <a16:creationId xmlns:a16="http://schemas.microsoft.com/office/drawing/2014/main" id="{54FF6833-7B90-F477-14CF-4E917990E0FA}"/>
+              </a:ext>
+            </a:extLst>
+          </p:cNvPr>
+          <p:cNvPicPr>
+            <a:picLocks noChangeAspect="1"/>
+          </p:cNvPicPr>
+          <p:nvPr/>
+        </p:nvPicPr>
+        <p:blipFill>
+          <a:blip r:embed="rId3">
+            <a:extLst>
+              <a:ext uri="{28A0092B-C50C-407E-A947-70E740481C1C}">
+                <a14:useLocalDpi xmlns:a14="http://schemas.microsoft.com/office/drawing/2010/main" val="0"/>
+              </a:ext>
+            </a:extLst>
+          </a:blip>
+          <a:stretch>
+            <a:fillRect/>
+          </a:stretch>
+        </p:blipFill>
+        <p:spPr>
+          <a:xfrm>
+            <a:off x="129431" y="2"/>
+            <a:ext cx="784970" cy="784970"/>
+          </a:xfrm>
+          <a:prstGeom prst="rect">
+            <a:avLst/>
+          </a:prstGeom>
+        </p:spPr>
+      </p:pic>
+      <p:sp>
+        <p:nvSpPr>
+          <p:cNvPr id="5" name="Title 1">
+            <a:extLst>
+              <a:ext uri="{FF2B5EF4-FFF2-40B4-BE49-F238E27FC236}">
+                <a16:creationId xmlns:a16="http://schemas.microsoft.com/office/drawing/2014/main" id="{A0337461-040F-AEC8-6DEE-3FF64BD9C231}"/>
+              </a:ext>
+            </a:extLst>
+          </p:cNvPr>
+          <p:cNvSpPr txBox="1">
+            <a:spLocks/>
+          </p:cNvSpPr>
+          <p:nvPr/>
+        </p:nvSpPr>
+        <p:spPr>
+          <a:xfrm>
+            <a:off x="-441015" y="426777"/>
+            <a:ext cx="1948721" cy="435181"/>
+          </a:xfrm>
+          <a:prstGeom prst="rect">
+            <a:avLst/>
+          </a:prstGeom>
+          <a:effectLst>
+            <a:outerShdw blurRad="25400" dir="17880000">
+              <a:srgbClr val="000000">
+                <a:alpha val="46000"/>
+              </a:srgbClr>
+            </a:outerShdw>
+          </a:effectLst>
+        </p:spPr>
+        <p:txBody>
+          <a:bodyPr vert="horz" lIns="91440" tIns="45720" rIns="91440" bIns="45720" rtlCol="0" anchor="b">
+            <a:normAutofit/>
+          </a:bodyPr>
+          <a:lstStyle>
+            <a:lvl1pPr algn="ctr" defTabSz="457200" rtl="0" eaLnBrk="1" latinLnBrk="0" hangingPunct="1">
+              <a:lnSpc>
+                <a:spcPct val="90000"/>
+              </a:lnSpc>
+              <a:spcBef>
+                <a:spcPct val="0"/>
+              </a:spcBef>
+              <a:buNone/>
+              <a:defRPr sz="5400" kern="1200">
+                <a:ln>
+                  <a:solidFill>
+                    <a:schemeClr val="bg1">
+                      <a:lumMod val="75000"/>
+                      <a:lumOff val="25000"/>
+                      <a:alpha val="10000"/>
+                    </a:schemeClr>
+                  </a:solidFill>
+                </a:ln>
+                <a:solidFill>
+                  <a:schemeClr val="tx2"/>
+                </a:solidFill>
+                <a:effectLst>
+                  <a:outerShdw blurRad="9525" dist="25400" dir="14640000" algn="tl" rotWithShape="0">
+                    <a:schemeClr val="bg1">
+                      <a:alpha val="30000"/>
+                    </a:schemeClr>
+                  </a:outerShdw>
+                </a:effectLst>
+                <a:latin typeface="+mj-lt"/>
+                <a:ea typeface="+mj-ea"/>
+                <a:cs typeface="Trebuchet MS"/>
+              </a:defRPr>
+            </a:lvl1pPr>
+            <a:lvl2pPr eaLnBrk="1" hangingPunct="1">
+              <a:defRPr>
+                <a:solidFill>
+                  <a:schemeClr val="tx2"/>
+                </a:solidFill>
+              </a:defRPr>
+            </a:lvl2pPr>
+            <a:lvl3pPr eaLnBrk="1" hangingPunct="1">
+              <a:defRPr>
+                <a:solidFill>
+                  <a:schemeClr val="tx2"/>
+                </a:solidFill>
+              </a:defRPr>
+            </a:lvl3pPr>
+            <a:lvl4pPr eaLnBrk="1" hangingPunct="1">
+              <a:defRPr>
+                <a:solidFill>
+                  <a:schemeClr val="tx2"/>
+                </a:solidFill>
+              </a:defRPr>
+            </a:lvl4pPr>
+            <a:lvl5pPr eaLnBrk="1" hangingPunct="1">
+              <a:defRPr>
+                <a:solidFill>
+                  <a:schemeClr val="tx2"/>
+                </a:solidFill>
+              </a:defRPr>
+            </a:lvl5pPr>
+            <a:lvl6pPr eaLnBrk="1" hangingPunct="1">
+              <a:defRPr>
+                <a:solidFill>
+                  <a:schemeClr val="tx2"/>
+                </a:solidFill>
+              </a:defRPr>
+            </a:lvl6pPr>
+            <a:lvl7pPr eaLnBrk="1" hangingPunct="1">
+              <a:defRPr>
+                <a:solidFill>
+                  <a:schemeClr val="tx2"/>
+                </a:solidFill>
+              </a:defRPr>
+            </a:lvl7pPr>
+            <a:lvl8pPr eaLnBrk="1" hangingPunct="1">
+              <a:defRPr>
+                <a:solidFill>
+                  <a:schemeClr val="tx2"/>
+                </a:solidFill>
+              </a:defRPr>
+            </a:lvl8pPr>
+            <a:lvl9pPr eaLnBrk="1" hangingPunct="1">
+              <a:defRPr>
+                <a:solidFill>
+                  <a:schemeClr val="tx2"/>
+                </a:solidFill>
+              </a:defRPr>
+            </a:lvl9pPr>
+          </a:lstStyle>
+          <a:p>
+            <a:r>
+              <a:rPr lang="en-US" sz="900" dirty="0"/>
+              <a:t>CoffeeCompass</a:t>
+            </a:r>
           </a:p>
         </p:txBody>
       </p:sp>
@@ -11102,6 +11606,175 @@
           </a:prstGeom>
         </p:spPr>
       </p:pic>
+      <p:pic>
+        <p:nvPicPr>
+          <p:cNvPr id="4" name="Picture 10">
+            <a:extLst>
+              <a:ext uri="{FF2B5EF4-FFF2-40B4-BE49-F238E27FC236}">
+                <a16:creationId xmlns:a16="http://schemas.microsoft.com/office/drawing/2014/main" id="{9E72E45E-DF2B-9D74-705F-C3916AD3DEBA}"/>
+              </a:ext>
+            </a:extLst>
+          </p:cNvPr>
+          <p:cNvPicPr>
+            <a:picLocks noChangeAspect="1"/>
+          </p:cNvPicPr>
+          <p:nvPr/>
+        </p:nvPicPr>
+        <p:blipFill>
+          <a:blip r:embed="rId3">
+            <a:extLst>
+              <a:ext uri="{28A0092B-C50C-407E-A947-70E740481C1C}">
+                <a14:useLocalDpi xmlns:a14="http://schemas.microsoft.com/office/drawing/2010/main" val="0"/>
+              </a:ext>
+            </a:extLst>
+          </a:blip>
+          <a:stretch>
+            <a:fillRect/>
+          </a:stretch>
+        </p:blipFill>
+        <p:spPr>
+          <a:xfrm>
+            <a:off x="129431" y="2"/>
+            <a:ext cx="784970" cy="784970"/>
+          </a:xfrm>
+          <a:prstGeom prst="rect">
+            <a:avLst/>
+          </a:prstGeom>
+        </p:spPr>
+      </p:pic>
+      <p:sp>
+        <p:nvSpPr>
+          <p:cNvPr id="5" name="Title 1">
+            <a:extLst>
+              <a:ext uri="{FF2B5EF4-FFF2-40B4-BE49-F238E27FC236}">
+                <a16:creationId xmlns:a16="http://schemas.microsoft.com/office/drawing/2014/main" id="{64A700F8-3AD1-76B5-184D-61C1FAF522D3}"/>
+              </a:ext>
+            </a:extLst>
+          </p:cNvPr>
+          <p:cNvSpPr txBox="1">
+            <a:spLocks/>
+          </p:cNvSpPr>
+          <p:nvPr/>
+        </p:nvSpPr>
+        <p:spPr>
+          <a:xfrm>
+            <a:off x="-441015" y="426777"/>
+            <a:ext cx="1948721" cy="435181"/>
+          </a:xfrm>
+          <a:prstGeom prst="rect">
+            <a:avLst/>
+          </a:prstGeom>
+          <a:effectLst>
+            <a:outerShdw blurRad="25400" dir="17880000">
+              <a:srgbClr val="000000">
+                <a:alpha val="46000"/>
+              </a:srgbClr>
+            </a:outerShdw>
+          </a:effectLst>
+        </p:spPr>
+        <p:txBody>
+          <a:bodyPr vert="horz" lIns="91440" tIns="45720" rIns="91440" bIns="45720" rtlCol="0" anchor="b">
+            <a:normAutofit/>
+          </a:bodyPr>
+          <a:lstStyle>
+            <a:lvl1pPr algn="ctr" defTabSz="457200" rtl="0" eaLnBrk="1" latinLnBrk="0" hangingPunct="1">
+              <a:lnSpc>
+                <a:spcPct val="90000"/>
+              </a:lnSpc>
+              <a:spcBef>
+                <a:spcPct val="0"/>
+              </a:spcBef>
+              <a:buNone/>
+              <a:defRPr sz="5400" kern="1200">
+                <a:ln>
+                  <a:solidFill>
+                    <a:schemeClr val="bg1">
+                      <a:lumMod val="75000"/>
+                      <a:lumOff val="25000"/>
+                      <a:alpha val="10000"/>
+                    </a:schemeClr>
+                  </a:solidFill>
+                </a:ln>
+                <a:solidFill>
+                  <a:schemeClr val="tx2"/>
+                </a:solidFill>
+                <a:effectLst>
+                  <a:outerShdw blurRad="9525" dist="25400" dir="14640000" algn="tl" rotWithShape="0">
+                    <a:schemeClr val="bg1">
+                      <a:alpha val="30000"/>
+                    </a:schemeClr>
+                  </a:outerShdw>
+                </a:effectLst>
+                <a:latin typeface="+mj-lt"/>
+                <a:ea typeface="+mj-ea"/>
+                <a:cs typeface="Trebuchet MS"/>
+              </a:defRPr>
+            </a:lvl1pPr>
+            <a:lvl2pPr eaLnBrk="1" hangingPunct="1">
+              <a:defRPr>
+                <a:solidFill>
+                  <a:schemeClr val="tx2"/>
+                </a:solidFill>
+              </a:defRPr>
+            </a:lvl2pPr>
+            <a:lvl3pPr eaLnBrk="1" hangingPunct="1">
+              <a:defRPr>
+                <a:solidFill>
+                  <a:schemeClr val="tx2"/>
+                </a:solidFill>
+              </a:defRPr>
+            </a:lvl3pPr>
+            <a:lvl4pPr eaLnBrk="1" hangingPunct="1">
+              <a:defRPr>
+                <a:solidFill>
+                  <a:schemeClr val="tx2"/>
+                </a:solidFill>
+              </a:defRPr>
+            </a:lvl4pPr>
+            <a:lvl5pPr eaLnBrk="1" hangingPunct="1">
+              <a:defRPr>
+                <a:solidFill>
+                  <a:schemeClr val="tx2"/>
+                </a:solidFill>
+              </a:defRPr>
+            </a:lvl5pPr>
+            <a:lvl6pPr eaLnBrk="1" hangingPunct="1">
+              <a:defRPr>
+                <a:solidFill>
+                  <a:schemeClr val="tx2"/>
+                </a:solidFill>
+              </a:defRPr>
+            </a:lvl6pPr>
+            <a:lvl7pPr eaLnBrk="1" hangingPunct="1">
+              <a:defRPr>
+                <a:solidFill>
+                  <a:schemeClr val="tx2"/>
+                </a:solidFill>
+              </a:defRPr>
+            </a:lvl7pPr>
+            <a:lvl8pPr eaLnBrk="1" hangingPunct="1">
+              <a:defRPr>
+                <a:solidFill>
+                  <a:schemeClr val="tx2"/>
+                </a:solidFill>
+              </a:defRPr>
+            </a:lvl8pPr>
+            <a:lvl9pPr eaLnBrk="1" hangingPunct="1">
+              <a:defRPr>
+                <a:solidFill>
+                  <a:schemeClr val="tx2"/>
+                </a:solidFill>
+              </a:defRPr>
+            </a:lvl9pPr>
+          </a:lstStyle>
+          <a:p>
+            <a:r>
+              <a:rPr lang="en-US" sz="900" dirty="0"/>
+              <a:t>CoffeeCompass</a:t>
+            </a:r>
+          </a:p>
+        </p:txBody>
+      </p:sp>
     </p:spTree>
     <p:extLst>
       <p:ext uri="{BB962C8B-B14F-4D97-AF65-F5344CB8AC3E}">
